--- a/Iterator Desgin Pattern.pptx
+++ b/Iterator Desgin Pattern.pptx
@@ -9,17 +9,17 @@
   </p:notesMasterIdLst>
   <p:sldIdLst>
     <p:sldId id="256" r:id="rId2"/>
-    <p:sldId id="257" r:id="rId3"/>
-    <p:sldId id="274" r:id="rId4"/>
-    <p:sldId id="258" r:id="rId5"/>
-    <p:sldId id="259" r:id="rId6"/>
-    <p:sldId id="273" r:id="rId7"/>
-    <p:sldId id="275" r:id="rId8"/>
-    <p:sldId id="277" r:id="rId9"/>
-    <p:sldId id="272" r:id="rId10"/>
-    <p:sldId id="278" r:id="rId11"/>
-    <p:sldId id="279" r:id="rId12"/>
-    <p:sldId id="276" r:id="rId13"/>
+    <p:sldId id="274" r:id="rId3"/>
+    <p:sldId id="258" r:id="rId4"/>
+    <p:sldId id="259" r:id="rId5"/>
+    <p:sldId id="273" r:id="rId6"/>
+    <p:sldId id="275" r:id="rId7"/>
+    <p:sldId id="277" r:id="rId8"/>
+    <p:sldId id="272" r:id="rId9"/>
+    <p:sldId id="278" r:id="rId10"/>
+    <p:sldId id="279" r:id="rId11"/>
+    <p:sldId id="276" r:id="rId12"/>
+    <p:sldId id="280" r:id="rId13"/>
   </p:sldIdLst>
   <p:sldSz cx="12192000" cy="6858000"/>
   <p:notesSz cx="6858000" cy="9144000"/>
@@ -3857,115 +3857,6 @@
   <p:cSld>
     <p:spTree>
       <p:nvGrpSpPr>
-        <p:cNvPr id="1" name="Shape 104"/>
-        <p:cNvGrpSpPr/>
-        <p:nvPr/>
-      </p:nvGrpSpPr>
-      <p:grpSpPr>
-        <a:xfrm>
-          <a:off x="0" y="0"/>
-          <a:ext cx="0" cy="0"/>
-          <a:chOff x="0" y="0"/>
-          <a:chExt cx="0" cy="0"/>
-        </a:xfrm>
-      </p:grpSpPr>
-      <p:sp>
-        <p:nvSpPr>
-          <p:cNvPr id="105" name="Google Shape;105;g1bee7652cdd_1_4:notes"/>
-          <p:cNvSpPr txBox="1">
-            <a:spLocks noGrp="1"/>
-          </p:cNvSpPr>
-          <p:nvPr>
-            <p:ph type="body" idx="1"/>
-          </p:nvPr>
-        </p:nvSpPr>
-        <p:spPr>
-          <a:xfrm>
-            <a:off x="685800" y="4343400"/>
-            <a:ext cx="5486400" cy="4114800"/>
-          </a:xfrm>
-          <a:prstGeom prst="rect">
-            <a:avLst/>
-          </a:prstGeom>
-        </p:spPr>
-        <p:txBody>
-          <a:bodyPr spcFirstLastPara="1" wrap="square" lIns="91425" tIns="91425" rIns="91425" bIns="91425" anchor="t" anchorCtr="0">
-            <a:noAutofit/>
-          </a:bodyPr>
-          <a:lstStyle/>
-          <a:p>
-            <a:pPr marL="0" lvl="0" indent="0" algn="l" rtl="0">
-              <a:spcBef>
-                <a:spcPts val="0"/>
-              </a:spcBef>
-              <a:spcAft>
-                <a:spcPts val="0"/>
-              </a:spcAft>
-              <a:buNone/>
-            </a:pPr>
-            <a:endParaRPr lang="tr-TR" dirty="0"/>
-          </a:p>
-        </p:txBody>
-      </p:sp>
-      <p:sp>
-        <p:nvSpPr>
-          <p:cNvPr id="106" name="Google Shape;106;g1bee7652cdd_1_4:notes"/>
-          <p:cNvSpPr>
-            <a:spLocks noGrp="1" noRot="1" noChangeAspect="1"/>
-          </p:cNvSpPr>
-          <p:nvPr>
-            <p:ph type="sldImg" idx="2"/>
-          </p:nvPr>
-        </p:nvSpPr>
-        <p:spPr>
-          <a:xfrm>
-            <a:off x="381000" y="685800"/>
-            <a:ext cx="6096000" cy="3429000"/>
-          </a:xfrm>
-          <a:custGeom>
-            <a:avLst/>
-            <a:gdLst/>
-            <a:ahLst/>
-            <a:cxnLst/>
-            <a:rect l="l" t="t" r="r" b="b"/>
-            <a:pathLst>
-              <a:path w="120000" h="120000" extrusionOk="0">
-                <a:moveTo>
-                  <a:pt x="0" y="0"/>
-                </a:moveTo>
-                <a:lnTo>
-                  <a:pt x="120000" y="0"/>
-                </a:lnTo>
-                <a:lnTo>
-                  <a:pt x="120000" y="120000"/>
-                </a:lnTo>
-                <a:lnTo>
-                  <a:pt x="0" y="120000"/>
-                </a:lnTo>
-                <a:close/>
-              </a:path>
-            </a:pathLst>
-          </a:custGeom>
-        </p:spPr>
-      </p:sp>
-    </p:spTree>
-    <p:extLst>
-      <p:ext uri="{BB962C8B-B14F-4D97-AF65-F5344CB8AC3E}">
-        <p14:creationId xmlns:p14="http://schemas.microsoft.com/office/powerpoint/2010/main" val="252397605"/>
-      </p:ext>
-    </p:extLst>
-  </p:cSld>
-  <p:clrMapOvr>
-    <a:masterClrMapping/>
-  </p:clrMapOvr>
-</p:notes>
-</file>
-
-<file path=ppt/notesSlides/notesSlide11.xml><?xml version="1.0" encoding="utf-8"?>
-<p:notes xmlns:a="http://schemas.openxmlformats.org/drawingml/2006/main" xmlns:r="http://schemas.openxmlformats.org/officeDocument/2006/relationships" xmlns:p="http://schemas.openxmlformats.org/presentationml/2006/main" showMasterSp="0" showMasterPhAnim="0">
-  <p:cSld>
-    <p:spTree>
-      <p:nvGrpSpPr>
         <p:cNvPr id="1" name="Shape 113"/>
         <p:cNvGrpSpPr/>
         <p:nvPr/>
@@ -4122,7 +4013,7 @@
 </p:notes>
 </file>
 
-<file path=ppt/notesSlides/notesSlide12.xml><?xml version="1.0" encoding="utf-8"?>
+<file path=ppt/notesSlides/notesSlide11.xml><?xml version="1.0" encoding="utf-8"?>
 <p:notes xmlns:a="http://schemas.openxmlformats.org/drawingml/2006/main" xmlns:r="http://schemas.openxmlformats.org/officeDocument/2006/relationships" xmlns:p="http://schemas.openxmlformats.org/presentationml/2006/main" showMasterSp="0" showMasterPhAnim="0">
   <p:cSld>
     <p:spTree>
@@ -4348,12 +4239,12 @@
 </p:notes>
 </file>
 
-<file path=ppt/notesSlides/notesSlide2.xml><?xml version="1.0" encoding="utf-8"?>
+<file path=ppt/notesSlides/notesSlide12.xml><?xml version="1.0" encoding="utf-8"?>
 <p:notes xmlns:a="http://schemas.openxmlformats.org/drawingml/2006/main" xmlns:r="http://schemas.openxmlformats.org/officeDocument/2006/relationships" xmlns:p="http://schemas.openxmlformats.org/presentationml/2006/main" showMasterSp="0" showMasterPhAnim="0">
   <p:cSld>
     <p:spTree>
       <p:nvGrpSpPr>
-        <p:cNvPr id="1" name="Shape 87"/>
+        <p:cNvPr id="1" name="Shape 113"/>
         <p:cNvGrpSpPr/>
         <p:nvPr/>
       </p:nvGrpSpPr>
@@ -4367,7 +4258,7 @@
       </p:grpSpPr>
       <p:sp>
         <p:nvSpPr>
-          <p:cNvPr id="88" name="Google Shape;88;p2:notes"/>
+          <p:cNvPr id="114" name="Google Shape;114;p5:notes"/>
           <p:cNvSpPr txBox="1">
             <a:spLocks noGrp="1"/>
           </p:cNvSpPr>
@@ -4399,13 +4290,13 @@
               </a:spcAft>
               <a:buNone/>
             </a:pPr>
-            <a:endParaRPr/>
+            <a:endParaRPr dirty="0"/>
           </a:p>
         </p:txBody>
       </p:sp>
       <p:sp>
         <p:nvSpPr>
-          <p:cNvPr id="89" name="Google Shape;89;p2:notes"/>
+          <p:cNvPr id="115" name="Google Shape;115;p5:notes"/>
           <p:cNvSpPr>
             <a:spLocks noGrp="1" noRot="1" noChangeAspect="1"/>
           </p:cNvSpPr>
@@ -4445,6 +4336,11 @@
         </p:spPr>
       </p:sp>
     </p:spTree>
+    <p:extLst>
+      <p:ext uri="{BB962C8B-B14F-4D97-AF65-F5344CB8AC3E}">
+        <p14:creationId xmlns:p14="http://schemas.microsoft.com/office/powerpoint/2010/main" val="205704734"/>
+      </p:ext>
+    </p:extLst>
   </p:cSld>
   <p:clrMapOvr>
     <a:masterClrMapping/>
@@ -4452,7 +4348,7 @@
 </p:notes>
 </file>
 
-<file path=ppt/notesSlides/notesSlide3.xml><?xml version="1.0" encoding="utf-8"?>
+<file path=ppt/notesSlides/notesSlide2.xml><?xml version="1.0" encoding="utf-8"?>
 <p:notes xmlns:a="http://schemas.openxmlformats.org/drawingml/2006/main" xmlns:r="http://schemas.openxmlformats.org/officeDocument/2006/relationships" xmlns:p="http://schemas.openxmlformats.org/presentationml/2006/main" showMasterSp="0" showMasterPhAnim="0">
   <p:cSld>
     <p:spTree>
@@ -4561,7 +4457,7 @@
 </p:notes>
 </file>
 
-<file path=ppt/notesSlides/notesSlide4.xml><?xml version="1.0" encoding="utf-8"?>
+<file path=ppt/notesSlides/notesSlide3.xml><?xml version="1.0" encoding="utf-8"?>
 <p:notes xmlns:a="http://schemas.openxmlformats.org/drawingml/2006/main" xmlns:r="http://schemas.openxmlformats.org/officeDocument/2006/relationships" xmlns:p="http://schemas.openxmlformats.org/presentationml/2006/main" showMasterSp="0" showMasterPhAnim="0">
   <p:cSld>
     <p:spTree>
@@ -4619,6 +4515,110 @@
       <p:sp>
         <p:nvSpPr>
           <p:cNvPr id="97" name="Google Shape;97;p3:notes"/>
+          <p:cNvSpPr>
+            <a:spLocks noGrp="1" noRot="1" noChangeAspect="1"/>
+          </p:cNvSpPr>
+          <p:nvPr>
+            <p:ph type="sldImg" idx="2"/>
+          </p:nvPr>
+        </p:nvSpPr>
+        <p:spPr>
+          <a:xfrm>
+            <a:off x="381000" y="685800"/>
+            <a:ext cx="6096000" cy="3429000"/>
+          </a:xfrm>
+          <a:custGeom>
+            <a:avLst/>
+            <a:gdLst/>
+            <a:ahLst/>
+            <a:cxnLst/>
+            <a:rect l="l" t="t" r="r" b="b"/>
+            <a:pathLst>
+              <a:path w="120000" h="120000" extrusionOk="0">
+                <a:moveTo>
+                  <a:pt x="0" y="0"/>
+                </a:moveTo>
+                <a:lnTo>
+                  <a:pt x="120000" y="0"/>
+                </a:lnTo>
+                <a:lnTo>
+                  <a:pt x="120000" y="120000"/>
+                </a:lnTo>
+                <a:lnTo>
+                  <a:pt x="0" y="120000"/>
+                </a:lnTo>
+                <a:close/>
+              </a:path>
+            </a:pathLst>
+          </a:custGeom>
+        </p:spPr>
+      </p:sp>
+    </p:spTree>
+  </p:cSld>
+  <p:clrMapOvr>
+    <a:masterClrMapping/>
+  </p:clrMapOvr>
+</p:notes>
+</file>
+
+<file path=ppt/notesSlides/notesSlide4.xml><?xml version="1.0" encoding="utf-8"?>
+<p:notes xmlns:a="http://schemas.openxmlformats.org/drawingml/2006/main" xmlns:r="http://schemas.openxmlformats.org/officeDocument/2006/relationships" xmlns:p="http://schemas.openxmlformats.org/presentationml/2006/main" showMasterSp="0" showMasterPhAnim="0">
+  <p:cSld>
+    <p:spTree>
+      <p:nvGrpSpPr>
+        <p:cNvPr id="1" name="Shape 104"/>
+        <p:cNvGrpSpPr/>
+        <p:nvPr/>
+      </p:nvGrpSpPr>
+      <p:grpSpPr>
+        <a:xfrm>
+          <a:off x="0" y="0"/>
+          <a:ext cx="0" cy="0"/>
+          <a:chOff x="0" y="0"/>
+          <a:chExt cx="0" cy="0"/>
+        </a:xfrm>
+      </p:grpSpPr>
+      <p:sp>
+        <p:nvSpPr>
+          <p:cNvPr id="105" name="Google Shape;105;g1bee7652cdd_1_4:notes"/>
+          <p:cNvSpPr txBox="1">
+            <a:spLocks noGrp="1"/>
+          </p:cNvSpPr>
+          <p:nvPr>
+            <p:ph type="body" idx="1"/>
+          </p:nvPr>
+        </p:nvSpPr>
+        <p:spPr>
+          <a:xfrm>
+            <a:off x="685800" y="4343400"/>
+            <a:ext cx="5486400" cy="4114800"/>
+          </a:xfrm>
+          <a:prstGeom prst="rect">
+            <a:avLst/>
+          </a:prstGeom>
+        </p:spPr>
+        <p:txBody>
+          <a:bodyPr spcFirstLastPara="1" wrap="square" lIns="91425" tIns="91425" rIns="91425" bIns="91425" anchor="t" anchorCtr="0">
+            <a:noAutofit/>
+          </a:bodyPr>
+          <a:lstStyle/>
+          <a:p>
+            <a:pPr marL="0" lvl="0" indent="0" algn="l" rtl="0">
+              <a:spcBef>
+                <a:spcPts val="0"/>
+              </a:spcBef>
+              <a:spcAft>
+                <a:spcPts val="0"/>
+              </a:spcAft>
+              <a:buNone/>
+            </a:pPr>
+            <a:endParaRPr/>
+          </a:p>
+        </p:txBody>
+      </p:sp>
+      <p:sp>
+        <p:nvSpPr>
+          <p:cNvPr id="106" name="Google Shape;106;g1bee7652cdd_1_4:notes"/>
           <p:cNvSpPr>
             <a:spLocks noGrp="1" noRot="1" noChangeAspect="1"/>
           </p:cNvSpPr>
@@ -4762,110 +4762,6 @@
         </p:spPr>
       </p:sp>
     </p:spTree>
-  </p:cSld>
-  <p:clrMapOvr>
-    <a:masterClrMapping/>
-  </p:clrMapOvr>
-</p:notes>
-</file>
-
-<file path=ppt/notesSlides/notesSlide6.xml><?xml version="1.0" encoding="utf-8"?>
-<p:notes xmlns:a="http://schemas.openxmlformats.org/drawingml/2006/main" xmlns:r="http://schemas.openxmlformats.org/officeDocument/2006/relationships" xmlns:p="http://schemas.openxmlformats.org/presentationml/2006/main" showMasterSp="0" showMasterPhAnim="0">
-  <p:cSld>
-    <p:spTree>
-      <p:nvGrpSpPr>
-        <p:cNvPr id="1" name="Shape 104"/>
-        <p:cNvGrpSpPr/>
-        <p:nvPr/>
-      </p:nvGrpSpPr>
-      <p:grpSpPr>
-        <a:xfrm>
-          <a:off x="0" y="0"/>
-          <a:ext cx="0" cy="0"/>
-          <a:chOff x="0" y="0"/>
-          <a:chExt cx="0" cy="0"/>
-        </a:xfrm>
-      </p:grpSpPr>
-      <p:sp>
-        <p:nvSpPr>
-          <p:cNvPr id="105" name="Google Shape;105;g1bee7652cdd_1_4:notes"/>
-          <p:cNvSpPr txBox="1">
-            <a:spLocks noGrp="1"/>
-          </p:cNvSpPr>
-          <p:nvPr>
-            <p:ph type="body" idx="1"/>
-          </p:nvPr>
-        </p:nvSpPr>
-        <p:spPr>
-          <a:xfrm>
-            <a:off x="685800" y="4343400"/>
-            <a:ext cx="5486400" cy="4114800"/>
-          </a:xfrm>
-          <a:prstGeom prst="rect">
-            <a:avLst/>
-          </a:prstGeom>
-        </p:spPr>
-        <p:txBody>
-          <a:bodyPr spcFirstLastPara="1" wrap="square" lIns="91425" tIns="91425" rIns="91425" bIns="91425" anchor="t" anchorCtr="0">
-            <a:noAutofit/>
-          </a:bodyPr>
-          <a:lstStyle/>
-          <a:p>
-            <a:pPr marL="0" lvl="0" indent="0" algn="l" rtl="0">
-              <a:spcBef>
-                <a:spcPts val="0"/>
-              </a:spcBef>
-              <a:spcAft>
-                <a:spcPts val="0"/>
-              </a:spcAft>
-              <a:buNone/>
-            </a:pPr>
-            <a:endParaRPr/>
-          </a:p>
-        </p:txBody>
-      </p:sp>
-      <p:sp>
-        <p:nvSpPr>
-          <p:cNvPr id="106" name="Google Shape;106;g1bee7652cdd_1_4:notes"/>
-          <p:cNvSpPr>
-            <a:spLocks noGrp="1" noRot="1" noChangeAspect="1"/>
-          </p:cNvSpPr>
-          <p:nvPr>
-            <p:ph type="sldImg" idx="2"/>
-          </p:nvPr>
-        </p:nvSpPr>
-        <p:spPr>
-          <a:xfrm>
-            <a:off x="381000" y="685800"/>
-            <a:ext cx="6096000" cy="3429000"/>
-          </a:xfrm>
-          <a:custGeom>
-            <a:avLst/>
-            <a:gdLst/>
-            <a:ahLst/>
-            <a:cxnLst/>
-            <a:rect l="l" t="t" r="r" b="b"/>
-            <a:pathLst>
-              <a:path w="120000" h="120000" extrusionOk="0">
-                <a:moveTo>
-                  <a:pt x="0" y="0"/>
-                </a:moveTo>
-                <a:lnTo>
-                  <a:pt x="120000" y="0"/>
-                </a:lnTo>
-                <a:lnTo>
-                  <a:pt x="120000" y="120000"/>
-                </a:lnTo>
-                <a:lnTo>
-                  <a:pt x="0" y="120000"/>
-                </a:lnTo>
-                <a:close/>
-              </a:path>
-            </a:pathLst>
-          </a:custGeom>
-        </p:spPr>
-      </p:sp>
-    </p:spTree>
     <p:extLst>
       <p:ext uri="{BB962C8B-B14F-4D97-AF65-F5344CB8AC3E}">
         <p14:creationId xmlns:p14="http://schemas.microsoft.com/office/powerpoint/2010/main" val="1095750181"/>
@@ -4878,7 +4774,7 @@
 </p:notes>
 </file>
 
-<file path=ppt/notesSlides/notesSlide7.xml><?xml version="1.0" encoding="utf-8"?>
+<file path=ppt/notesSlides/notesSlide6.xml><?xml version="1.0" encoding="utf-8"?>
 <p:notes xmlns:a="http://schemas.openxmlformats.org/drawingml/2006/main" xmlns:r="http://schemas.openxmlformats.org/officeDocument/2006/relationships" xmlns:p="http://schemas.openxmlformats.org/presentationml/2006/main" showMasterSp="0" showMasterPhAnim="0">
   <p:cSld>
     <p:spTree>
@@ -4987,7 +4883,7 @@
 </p:notes>
 </file>
 
-<file path=ppt/notesSlides/notesSlide8.xml><?xml version="1.0" encoding="utf-8"?>
+<file path=ppt/notesSlides/notesSlide7.xml><?xml version="1.0" encoding="utf-8"?>
 <p:notes xmlns:a="http://schemas.openxmlformats.org/drawingml/2006/main" xmlns:r="http://schemas.openxmlformats.org/officeDocument/2006/relationships" xmlns:p="http://schemas.openxmlformats.org/presentationml/2006/main" showMasterSp="0" showMasterPhAnim="0">
   <p:cSld>
     <p:spTree>
@@ -5096,7 +4992,7 @@
 </p:notes>
 </file>
 
-<file path=ppt/notesSlides/notesSlide9.xml><?xml version="1.0" encoding="utf-8"?>
+<file path=ppt/notesSlides/notesSlide8.xml><?xml version="1.0" encoding="utf-8"?>
 <p:notes xmlns:a="http://schemas.openxmlformats.org/drawingml/2006/main" xmlns:r="http://schemas.openxmlformats.org/officeDocument/2006/relationships" xmlns:p="http://schemas.openxmlformats.org/presentationml/2006/main" showMasterSp="0" showMasterPhAnim="0">
   <p:cSld>
     <p:spTree>
@@ -5196,6 +5092,115 @@
     <p:extLst>
       <p:ext uri="{BB962C8B-B14F-4D97-AF65-F5344CB8AC3E}">
         <p14:creationId xmlns:p14="http://schemas.microsoft.com/office/powerpoint/2010/main" val="621204627"/>
+      </p:ext>
+    </p:extLst>
+  </p:cSld>
+  <p:clrMapOvr>
+    <a:masterClrMapping/>
+  </p:clrMapOvr>
+</p:notes>
+</file>
+
+<file path=ppt/notesSlides/notesSlide9.xml><?xml version="1.0" encoding="utf-8"?>
+<p:notes xmlns:a="http://schemas.openxmlformats.org/drawingml/2006/main" xmlns:r="http://schemas.openxmlformats.org/officeDocument/2006/relationships" xmlns:p="http://schemas.openxmlformats.org/presentationml/2006/main" showMasterSp="0" showMasterPhAnim="0">
+  <p:cSld>
+    <p:spTree>
+      <p:nvGrpSpPr>
+        <p:cNvPr id="1" name="Shape 104"/>
+        <p:cNvGrpSpPr/>
+        <p:nvPr/>
+      </p:nvGrpSpPr>
+      <p:grpSpPr>
+        <a:xfrm>
+          <a:off x="0" y="0"/>
+          <a:ext cx="0" cy="0"/>
+          <a:chOff x="0" y="0"/>
+          <a:chExt cx="0" cy="0"/>
+        </a:xfrm>
+      </p:grpSpPr>
+      <p:sp>
+        <p:nvSpPr>
+          <p:cNvPr id="105" name="Google Shape;105;g1bee7652cdd_1_4:notes"/>
+          <p:cNvSpPr txBox="1">
+            <a:spLocks noGrp="1"/>
+          </p:cNvSpPr>
+          <p:nvPr>
+            <p:ph type="body" idx="1"/>
+          </p:nvPr>
+        </p:nvSpPr>
+        <p:spPr>
+          <a:xfrm>
+            <a:off x="685800" y="4343400"/>
+            <a:ext cx="5486400" cy="4114800"/>
+          </a:xfrm>
+          <a:prstGeom prst="rect">
+            <a:avLst/>
+          </a:prstGeom>
+        </p:spPr>
+        <p:txBody>
+          <a:bodyPr spcFirstLastPara="1" wrap="square" lIns="91425" tIns="91425" rIns="91425" bIns="91425" anchor="t" anchorCtr="0">
+            <a:noAutofit/>
+          </a:bodyPr>
+          <a:lstStyle/>
+          <a:p>
+            <a:pPr marL="0" lvl="0" indent="0" algn="l" rtl="0">
+              <a:spcBef>
+                <a:spcPts val="0"/>
+              </a:spcBef>
+              <a:spcAft>
+                <a:spcPts val="0"/>
+              </a:spcAft>
+              <a:buNone/>
+            </a:pPr>
+            <a:endParaRPr lang="tr-TR" dirty="0"/>
+          </a:p>
+        </p:txBody>
+      </p:sp>
+      <p:sp>
+        <p:nvSpPr>
+          <p:cNvPr id="106" name="Google Shape;106;g1bee7652cdd_1_4:notes"/>
+          <p:cNvSpPr>
+            <a:spLocks noGrp="1" noRot="1" noChangeAspect="1"/>
+          </p:cNvSpPr>
+          <p:nvPr>
+            <p:ph type="sldImg" idx="2"/>
+          </p:nvPr>
+        </p:nvSpPr>
+        <p:spPr>
+          <a:xfrm>
+            <a:off x="381000" y="685800"/>
+            <a:ext cx="6096000" cy="3429000"/>
+          </a:xfrm>
+          <a:custGeom>
+            <a:avLst/>
+            <a:gdLst/>
+            <a:ahLst/>
+            <a:cxnLst/>
+            <a:rect l="l" t="t" r="r" b="b"/>
+            <a:pathLst>
+              <a:path w="120000" h="120000" extrusionOk="0">
+                <a:moveTo>
+                  <a:pt x="0" y="0"/>
+                </a:moveTo>
+                <a:lnTo>
+                  <a:pt x="120000" y="0"/>
+                </a:lnTo>
+                <a:lnTo>
+                  <a:pt x="120000" y="120000"/>
+                </a:lnTo>
+                <a:lnTo>
+                  <a:pt x="0" y="120000"/>
+                </a:lnTo>
+                <a:close/>
+              </a:path>
+            </a:pathLst>
+          </a:custGeom>
+        </p:spPr>
+      </p:sp>
+    </p:spTree>
+    <p:extLst>
+      <p:ext uri="{BB962C8B-B14F-4D97-AF65-F5344CB8AC3E}">
+        <p14:creationId xmlns:p14="http://schemas.microsoft.com/office/powerpoint/2010/main" val="252397605"/>
       </p:ext>
     </p:extLst>
   </p:cSld>
@@ -15766,7 +15771,7 @@
   <p:cSld>
     <p:spTree>
       <p:nvGrpSpPr>
-        <p:cNvPr id="1" name="Shape 107"/>
+        <p:cNvPr id="1" name="Shape 116"/>
         <p:cNvGrpSpPr/>
         <p:nvPr/>
       </p:nvGrpSpPr>
@@ -15780,7 +15785,7 @@
       </p:grpSpPr>
       <p:sp>
         <p:nvSpPr>
-          <p:cNvPr id="108" name="Google Shape;108;g1bee7652cdd_1_4"/>
+          <p:cNvPr id="118" name="Google Shape;118;p5"/>
           <p:cNvSpPr txBox="1">
             <a:spLocks noGrp="1"/>
           </p:cNvSpPr>
@@ -15791,7 +15796,7 @@
         <p:spPr>
           <a:xfrm>
             <a:off x="838200" y="365125"/>
-            <a:ext cx="10515600" cy="1325700"/>
+            <a:ext cx="10515600" cy="1325563"/>
           </a:xfrm>
           <a:prstGeom prst="rect">
             <a:avLst/>
@@ -15826,900 +15831,22 @@
             </a:pPr>
             <a:r>
               <a:rPr lang="tr-TR" dirty="0"/>
-              <a:t>DEZAVANTAJLAR</a:t>
+              <a:t>ÖRNEK SENARYO-1</a:t>
+            </a:r>
+            <a:br>
+              <a:rPr lang="tr-TR" dirty="0"/>
+            </a:br>
+            <a:r>
+              <a:rPr lang="tr-TR" dirty="0"/>
+              <a:t>MÜZİK ALBÜMÜ KOLEKSİYONU</a:t>
             </a:r>
             <a:endParaRPr dirty="0"/>
-          </a:p>
-        </p:txBody>
-      </p:sp>
-      <p:sp>
-        <p:nvSpPr>
-          <p:cNvPr id="109" name="Google Shape;109;g1bee7652cdd_1_4"/>
-          <p:cNvSpPr txBox="1">
-            <a:spLocks noGrp="1"/>
-          </p:cNvSpPr>
-          <p:nvPr>
-            <p:ph type="body" idx="1"/>
-          </p:nvPr>
-        </p:nvSpPr>
-        <p:spPr>
-          <a:xfrm>
-            <a:off x="838200" y="1348033"/>
-            <a:ext cx="7772400" cy="5144892"/>
-          </a:xfrm>
-          <a:prstGeom prst="rect">
-            <a:avLst/>
-          </a:prstGeom>
-          <a:noFill/>
-          <a:ln>
-            <a:noFill/>
-          </a:ln>
-        </p:spPr>
-        <p:txBody>
-          <a:bodyPr spcFirstLastPara="1" wrap="square" lIns="91425" tIns="45700" rIns="91425" bIns="45700" anchor="ctr" anchorCtr="0">
-            <a:normAutofit/>
-          </a:bodyPr>
-          <a:lstStyle/>
-          <a:p>
-            <a:pPr marL="114300" indent="0">
-              <a:buNone/>
-            </a:pPr>
-            <a:endParaRPr lang="en-US" altLang="tr-TR" sz="1800" dirty="0">
-              <a:solidFill>
-                <a:srgbClr val="262626"/>
-              </a:solidFill>
-            </a:endParaRPr>
-          </a:p>
-          <a:p>
-            <a:r>
-              <a:rPr lang="en-US" altLang="tr-TR" sz="1800" b="1" dirty="0">
-                <a:solidFill>
-                  <a:srgbClr val="262626"/>
-                </a:solidFill>
-              </a:rPr>
-              <a:t>Ek </a:t>
-            </a:r>
-            <a:r>
-              <a:rPr lang="en-US" altLang="tr-TR" sz="1800" b="1" dirty="0" err="1">
-                <a:solidFill>
-                  <a:srgbClr val="262626"/>
-                </a:solidFill>
-              </a:rPr>
-              <a:t>kod</a:t>
-            </a:r>
-            <a:r>
-              <a:rPr lang="en-US" altLang="tr-TR" sz="1800" b="1" dirty="0">
-                <a:solidFill>
-                  <a:srgbClr val="262626"/>
-                </a:solidFill>
-              </a:rPr>
-              <a:t> </a:t>
-            </a:r>
-            <a:r>
-              <a:rPr lang="en-US" altLang="tr-TR" sz="1800" b="1" dirty="0" err="1">
-                <a:solidFill>
-                  <a:srgbClr val="262626"/>
-                </a:solidFill>
-              </a:rPr>
-              <a:t>karmaşıklığı</a:t>
-            </a:r>
-            <a:r>
-              <a:rPr lang="en-US" altLang="tr-TR" sz="1800" b="1" dirty="0">
-                <a:solidFill>
-                  <a:srgbClr val="262626"/>
-                </a:solidFill>
-              </a:rPr>
-              <a:t>: </a:t>
-            </a:r>
-            <a:r>
-              <a:rPr lang="en-US" altLang="tr-TR" sz="1800" dirty="0">
-                <a:solidFill>
-                  <a:srgbClr val="262626"/>
-                </a:solidFill>
-              </a:rPr>
-              <a:t>İterator </a:t>
-            </a:r>
-            <a:r>
-              <a:rPr lang="en-US" altLang="tr-TR" sz="1800" dirty="0" err="1">
-                <a:solidFill>
-                  <a:srgbClr val="262626"/>
-                </a:solidFill>
-              </a:rPr>
-              <a:t>deseni</a:t>
-            </a:r>
-            <a:r>
-              <a:rPr lang="en-US" altLang="tr-TR" sz="1800" dirty="0">
-                <a:solidFill>
-                  <a:srgbClr val="262626"/>
-                </a:solidFill>
-              </a:rPr>
-              <a:t>, ek </a:t>
-            </a:r>
-            <a:r>
-              <a:rPr lang="en-US" altLang="tr-TR" sz="1800" dirty="0" err="1">
-                <a:solidFill>
-                  <a:srgbClr val="262626"/>
-                </a:solidFill>
-              </a:rPr>
-              <a:t>sınıflar</a:t>
-            </a:r>
-            <a:r>
-              <a:rPr lang="en-US" altLang="tr-TR" sz="1800" dirty="0">
-                <a:solidFill>
-                  <a:srgbClr val="262626"/>
-                </a:solidFill>
-              </a:rPr>
-              <a:t> </a:t>
-            </a:r>
-            <a:r>
-              <a:rPr lang="en-US" altLang="tr-TR" sz="1800" dirty="0" err="1">
-                <a:solidFill>
-                  <a:srgbClr val="262626"/>
-                </a:solidFill>
-              </a:rPr>
-              <a:t>ve</a:t>
-            </a:r>
-            <a:r>
-              <a:rPr lang="en-US" altLang="tr-TR" sz="1800" dirty="0">
-                <a:solidFill>
-                  <a:srgbClr val="262626"/>
-                </a:solidFill>
-              </a:rPr>
-              <a:t> </a:t>
-            </a:r>
-            <a:r>
-              <a:rPr lang="en-US" altLang="tr-TR" sz="1800" dirty="0" err="1">
-                <a:solidFill>
-                  <a:srgbClr val="262626"/>
-                </a:solidFill>
-              </a:rPr>
-              <a:t>arayüzler</a:t>
-            </a:r>
-            <a:r>
-              <a:rPr lang="en-US" altLang="tr-TR" sz="1800" dirty="0">
-                <a:solidFill>
-                  <a:srgbClr val="262626"/>
-                </a:solidFill>
-              </a:rPr>
-              <a:t> </a:t>
-            </a:r>
-            <a:r>
-              <a:rPr lang="en-US" altLang="tr-TR" sz="1800" dirty="0" err="1">
-                <a:solidFill>
-                  <a:srgbClr val="262626"/>
-                </a:solidFill>
-              </a:rPr>
-              <a:t>gerektirir</a:t>
-            </a:r>
-            <a:r>
-              <a:rPr lang="en-US" altLang="tr-TR" sz="1800" dirty="0">
-                <a:solidFill>
-                  <a:srgbClr val="262626"/>
-                </a:solidFill>
-              </a:rPr>
-              <a:t>, </a:t>
-            </a:r>
-            <a:r>
-              <a:rPr lang="en-US" altLang="tr-TR" sz="1800" dirty="0" err="1">
-                <a:solidFill>
-                  <a:srgbClr val="262626"/>
-                </a:solidFill>
-              </a:rPr>
-              <a:t>bu</a:t>
-            </a:r>
-            <a:r>
-              <a:rPr lang="en-US" altLang="tr-TR" sz="1800" dirty="0">
-                <a:solidFill>
-                  <a:srgbClr val="262626"/>
-                </a:solidFill>
-              </a:rPr>
-              <a:t> da </a:t>
-            </a:r>
-            <a:r>
-              <a:rPr lang="en-US" altLang="tr-TR" sz="1800" dirty="0" err="1">
-                <a:solidFill>
-                  <a:srgbClr val="262626"/>
-                </a:solidFill>
-              </a:rPr>
-              <a:t>kodun</a:t>
-            </a:r>
-            <a:r>
-              <a:rPr lang="en-US" altLang="tr-TR" sz="1800" dirty="0">
-                <a:solidFill>
-                  <a:srgbClr val="262626"/>
-                </a:solidFill>
-              </a:rPr>
-              <a:t> </a:t>
-            </a:r>
-            <a:r>
-              <a:rPr lang="en-US" altLang="tr-TR" sz="1800" dirty="0" err="1">
-                <a:solidFill>
-                  <a:srgbClr val="262626"/>
-                </a:solidFill>
-              </a:rPr>
-              <a:t>karmaşıklığını</a:t>
-            </a:r>
-            <a:r>
-              <a:rPr lang="en-US" altLang="tr-TR" sz="1800" dirty="0">
-                <a:solidFill>
-                  <a:srgbClr val="262626"/>
-                </a:solidFill>
-              </a:rPr>
-              <a:t> </a:t>
-            </a:r>
-            <a:r>
-              <a:rPr lang="en-US" altLang="tr-TR" sz="1800" dirty="0" err="1">
-                <a:solidFill>
-                  <a:srgbClr val="262626"/>
-                </a:solidFill>
-              </a:rPr>
-              <a:t>ve</a:t>
-            </a:r>
-            <a:r>
-              <a:rPr lang="en-US" altLang="tr-TR" sz="1800" dirty="0">
-                <a:solidFill>
-                  <a:srgbClr val="262626"/>
-                </a:solidFill>
-              </a:rPr>
-              <a:t> </a:t>
-            </a:r>
-            <a:r>
-              <a:rPr lang="en-US" altLang="tr-TR" sz="1800" dirty="0" err="1">
-                <a:solidFill>
-                  <a:srgbClr val="262626"/>
-                </a:solidFill>
-              </a:rPr>
-              <a:t>boyutunu</a:t>
-            </a:r>
-            <a:r>
-              <a:rPr lang="en-US" altLang="tr-TR" sz="1800" dirty="0">
-                <a:solidFill>
-                  <a:srgbClr val="262626"/>
-                </a:solidFill>
-              </a:rPr>
-              <a:t> </a:t>
-            </a:r>
-            <a:r>
-              <a:rPr lang="en-US" altLang="tr-TR" sz="1800" dirty="0" err="1">
-                <a:solidFill>
-                  <a:srgbClr val="262626"/>
-                </a:solidFill>
-              </a:rPr>
-              <a:t>artırabilir</a:t>
-            </a:r>
-            <a:r>
-              <a:rPr lang="en-US" altLang="tr-TR" sz="1800" dirty="0">
-                <a:solidFill>
-                  <a:srgbClr val="262626"/>
-                </a:solidFill>
-              </a:rPr>
-              <a:t>.</a:t>
-            </a:r>
-          </a:p>
-          <a:p>
-            <a:endParaRPr lang="en-US" altLang="tr-TR" sz="1800" dirty="0">
-              <a:solidFill>
-                <a:srgbClr val="262626"/>
-              </a:solidFill>
-            </a:endParaRPr>
-          </a:p>
-          <a:p>
-            <a:r>
-              <a:rPr lang="en-US" altLang="tr-TR" sz="1800" b="1" dirty="0" err="1">
-                <a:solidFill>
-                  <a:srgbClr val="262626"/>
-                </a:solidFill>
-              </a:rPr>
-              <a:t>Performans</a:t>
-            </a:r>
-            <a:r>
-              <a:rPr lang="en-US" altLang="tr-TR" sz="1800" b="1" dirty="0">
-                <a:solidFill>
-                  <a:srgbClr val="262626"/>
-                </a:solidFill>
-              </a:rPr>
-              <a:t>: </a:t>
-            </a:r>
-            <a:r>
-              <a:rPr lang="en-US" altLang="tr-TR" sz="1800" dirty="0" err="1">
-                <a:solidFill>
-                  <a:srgbClr val="262626"/>
-                </a:solidFill>
-              </a:rPr>
-              <a:t>İteratorlar</a:t>
-            </a:r>
-            <a:r>
-              <a:rPr lang="en-US" altLang="tr-TR" sz="1800" dirty="0">
-                <a:solidFill>
-                  <a:srgbClr val="262626"/>
-                </a:solidFill>
-              </a:rPr>
-              <a:t>, </a:t>
-            </a:r>
-            <a:r>
-              <a:rPr lang="en-US" altLang="tr-TR" sz="1800" dirty="0" err="1">
-                <a:solidFill>
-                  <a:srgbClr val="262626"/>
-                </a:solidFill>
-              </a:rPr>
-              <a:t>bazı</a:t>
-            </a:r>
-            <a:r>
-              <a:rPr lang="en-US" altLang="tr-TR" sz="1800" dirty="0">
-                <a:solidFill>
-                  <a:srgbClr val="262626"/>
-                </a:solidFill>
-              </a:rPr>
-              <a:t> </a:t>
-            </a:r>
-            <a:r>
-              <a:rPr lang="en-US" altLang="tr-TR" sz="1800" dirty="0" err="1">
-                <a:solidFill>
-                  <a:srgbClr val="262626"/>
-                </a:solidFill>
-              </a:rPr>
-              <a:t>durumlarda</a:t>
-            </a:r>
-            <a:r>
-              <a:rPr lang="en-US" altLang="tr-TR" sz="1800" dirty="0">
-                <a:solidFill>
-                  <a:srgbClr val="262626"/>
-                </a:solidFill>
-              </a:rPr>
-              <a:t> </a:t>
-            </a:r>
-            <a:r>
-              <a:rPr lang="en-US" altLang="tr-TR" sz="1800" dirty="0" err="1">
-                <a:solidFill>
-                  <a:srgbClr val="262626"/>
-                </a:solidFill>
-              </a:rPr>
-              <a:t>doğrudan</a:t>
-            </a:r>
-            <a:r>
-              <a:rPr lang="en-US" altLang="tr-TR" sz="1800" dirty="0">
-                <a:solidFill>
-                  <a:srgbClr val="262626"/>
-                </a:solidFill>
-              </a:rPr>
-              <a:t> </a:t>
-            </a:r>
-            <a:r>
-              <a:rPr lang="en-US" altLang="tr-TR" sz="1800" dirty="0" err="1">
-                <a:solidFill>
-                  <a:srgbClr val="262626"/>
-                </a:solidFill>
-              </a:rPr>
-              <a:t>koleksiyon</a:t>
-            </a:r>
-            <a:r>
-              <a:rPr lang="en-US" altLang="tr-TR" sz="1800" dirty="0">
-                <a:solidFill>
-                  <a:srgbClr val="262626"/>
-                </a:solidFill>
-              </a:rPr>
-              <a:t> </a:t>
-            </a:r>
-            <a:r>
-              <a:rPr lang="en-US" altLang="tr-TR" sz="1800" dirty="0" err="1">
-                <a:solidFill>
-                  <a:srgbClr val="262626"/>
-                </a:solidFill>
-              </a:rPr>
-              <a:t>üzerinde</a:t>
-            </a:r>
-            <a:r>
-              <a:rPr lang="en-US" altLang="tr-TR" sz="1800" dirty="0">
-                <a:solidFill>
-                  <a:srgbClr val="262626"/>
-                </a:solidFill>
-              </a:rPr>
-              <a:t> </a:t>
-            </a:r>
-            <a:r>
-              <a:rPr lang="en-US" altLang="tr-TR" sz="1800" dirty="0" err="1">
-                <a:solidFill>
-                  <a:srgbClr val="262626"/>
-                </a:solidFill>
-              </a:rPr>
-              <a:t>işlem</a:t>
-            </a:r>
-            <a:r>
-              <a:rPr lang="en-US" altLang="tr-TR" sz="1800" dirty="0">
-                <a:solidFill>
-                  <a:srgbClr val="262626"/>
-                </a:solidFill>
-              </a:rPr>
-              <a:t> </a:t>
-            </a:r>
-            <a:r>
-              <a:rPr lang="en-US" altLang="tr-TR" sz="1800" dirty="0" err="1">
-                <a:solidFill>
-                  <a:srgbClr val="262626"/>
-                </a:solidFill>
-              </a:rPr>
-              <a:t>yapmaktan</a:t>
-            </a:r>
-            <a:r>
-              <a:rPr lang="en-US" altLang="tr-TR" sz="1800" dirty="0">
-                <a:solidFill>
-                  <a:srgbClr val="262626"/>
-                </a:solidFill>
-              </a:rPr>
-              <a:t> </a:t>
-            </a:r>
-            <a:r>
-              <a:rPr lang="en-US" altLang="tr-TR" sz="1800" dirty="0" err="1">
-                <a:solidFill>
-                  <a:srgbClr val="262626"/>
-                </a:solidFill>
-              </a:rPr>
-              <a:t>daha</a:t>
-            </a:r>
-            <a:r>
-              <a:rPr lang="en-US" altLang="tr-TR" sz="1800" dirty="0">
-                <a:solidFill>
-                  <a:srgbClr val="262626"/>
-                </a:solidFill>
-              </a:rPr>
-              <a:t> </a:t>
-            </a:r>
-            <a:r>
-              <a:rPr lang="en-US" altLang="tr-TR" sz="1800" dirty="0" err="1">
-                <a:solidFill>
-                  <a:srgbClr val="262626"/>
-                </a:solidFill>
-              </a:rPr>
-              <a:t>yavaş</a:t>
-            </a:r>
-            <a:r>
-              <a:rPr lang="en-US" altLang="tr-TR" sz="1800" dirty="0">
-                <a:solidFill>
-                  <a:srgbClr val="262626"/>
-                </a:solidFill>
-              </a:rPr>
-              <a:t> </a:t>
-            </a:r>
-            <a:r>
-              <a:rPr lang="en-US" altLang="tr-TR" sz="1800" dirty="0" err="1">
-                <a:solidFill>
-                  <a:srgbClr val="262626"/>
-                </a:solidFill>
-              </a:rPr>
-              <a:t>olabilir</a:t>
-            </a:r>
-            <a:r>
-              <a:rPr lang="en-US" altLang="tr-TR" sz="1800" dirty="0">
-                <a:solidFill>
-                  <a:srgbClr val="262626"/>
-                </a:solidFill>
-              </a:rPr>
-              <a:t>. </a:t>
-            </a:r>
-            <a:r>
-              <a:rPr lang="en-US" altLang="tr-TR" sz="1800" dirty="0" err="1">
-                <a:solidFill>
-                  <a:srgbClr val="262626"/>
-                </a:solidFill>
-              </a:rPr>
-              <a:t>Bununla</a:t>
-            </a:r>
-            <a:r>
-              <a:rPr lang="en-US" altLang="tr-TR" sz="1800" dirty="0">
-                <a:solidFill>
-                  <a:srgbClr val="262626"/>
-                </a:solidFill>
-              </a:rPr>
-              <a:t> </a:t>
-            </a:r>
-            <a:r>
-              <a:rPr lang="en-US" altLang="tr-TR" sz="1800" dirty="0" err="1">
-                <a:solidFill>
-                  <a:srgbClr val="262626"/>
-                </a:solidFill>
-              </a:rPr>
-              <a:t>birlikte</a:t>
-            </a:r>
-            <a:r>
-              <a:rPr lang="en-US" altLang="tr-TR" sz="1800" dirty="0">
-                <a:solidFill>
-                  <a:srgbClr val="262626"/>
-                </a:solidFill>
-              </a:rPr>
-              <a:t>, </a:t>
-            </a:r>
-            <a:r>
-              <a:rPr lang="en-US" altLang="tr-TR" sz="1800" dirty="0" err="1">
-                <a:solidFill>
-                  <a:srgbClr val="262626"/>
-                </a:solidFill>
-              </a:rPr>
-              <a:t>bu</a:t>
-            </a:r>
-            <a:r>
-              <a:rPr lang="en-US" altLang="tr-TR" sz="1800" dirty="0">
-                <a:solidFill>
-                  <a:srgbClr val="262626"/>
-                </a:solidFill>
-              </a:rPr>
-              <a:t> </a:t>
-            </a:r>
-            <a:r>
-              <a:rPr lang="en-US" altLang="tr-TR" sz="1800" dirty="0" err="1">
-                <a:solidFill>
-                  <a:srgbClr val="262626"/>
-                </a:solidFill>
-              </a:rPr>
-              <a:t>dezavantaj</a:t>
-            </a:r>
-            <a:r>
-              <a:rPr lang="en-US" altLang="tr-TR" sz="1800" dirty="0">
-                <a:solidFill>
-                  <a:srgbClr val="262626"/>
-                </a:solidFill>
-              </a:rPr>
-              <a:t>, iyi </a:t>
-            </a:r>
-            <a:r>
-              <a:rPr lang="en-US" altLang="tr-TR" sz="1800" dirty="0" err="1">
-                <a:solidFill>
-                  <a:srgbClr val="262626"/>
-                </a:solidFill>
-              </a:rPr>
-              <a:t>tasarlanmış</a:t>
-            </a:r>
-            <a:r>
-              <a:rPr lang="en-US" altLang="tr-TR" sz="1800" dirty="0">
-                <a:solidFill>
-                  <a:srgbClr val="262626"/>
-                </a:solidFill>
-              </a:rPr>
-              <a:t> </a:t>
-            </a:r>
-            <a:r>
-              <a:rPr lang="en-US" altLang="tr-TR" sz="1800" dirty="0" err="1">
-                <a:solidFill>
-                  <a:srgbClr val="262626"/>
-                </a:solidFill>
-              </a:rPr>
-              <a:t>ve</a:t>
-            </a:r>
-            <a:r>
-              <a:rPr lang="en-US" altLang="tr-TR" sz="1800" dirty="0">
-                <a:solidFill>
-                  <a:srgbClr val="262626"/>
-                </a:solidFill>
-              </a:rPr>
-              <a:t> optimize </a:t>
-            </a:r>
-            <a:r>
-              <a:rPr lang="en-US" altLang="tr-TR" sz="1800" dirty="0" err="1">
-                <a:solidFill>
-                  <a:srgbClr val="262626"/>
-                </a:solidFill>
-              </a:rPr>
-              <a:t>edilmiş</a:t>
-            </a:r>
-            <a:r>
-              <a:rPr lang="en-US" altLang="tr-TR" sz="1800" dirty="0">
-                <a:solidFill>
-                  <a:srgbClr val="262626"/>
-                </a:solidFill>
-              </a:rPr>
-              <a:t> </a:t>
-            </a:r>
-            <a:r>
-              <a:rPr lang="en-US" altLang="tr-TR" sz="1800" dirty="0" err="1">
-                <a:solidFill>
-                  <a:srgbClr val="262626"/>
-                </a:solidFill>
-              </a:rPr>
-              <a:t>iteratorlar</a:t>
-            </a:r>
-            <a:r>
-              <a:rPr lang="en-US" altLang="tr-TR" sz="1800" dirty="0">
-                <a:solidFill>
-                  <a:srgbClr val="262626"/>
-                </a:solidFill>
-              </a:rPr>
-              <a:t> </a:t>
-            </a:r>
-            <a:r>
-              <a:rPr lang="en-US" altLang="tr-TR" sz="1800" dirty="0" err="1">
-                <a:solidFill>
-                  <a:srgbClr val="262626"/>
-                </a:solidFill>
-              </a:rPr>
-              <a:t>kullanıldığında</a:t>
-            </a:r>
-            <a:r>
-              <a:rPr lang="en-US" altLang="tr-TR" sz="1800" dirty="0">
-                <a:solidFill>
-                  <a:srgbClr val="262626"/>
-                </a:solidFill>
-              </a:rPr>
-              <a:t> </a:t>
-            </a:r>
-            <a:r>
-              <a:rPr lang="en-US" altLang="tr-TR" sz="1800" dirty="0" err="1">
-                <a:solidFill>
-                  <a:srgbClr val="262626"/>
-                </a:solidFill>
-              </a:rPr>
-              <a:t>en</a:t>
-            </a:r>
-            <a:r>
-              <a:rPr lang="en-US" altLang="tr-TR" sz="1800" dirty="0">
-                <a:solidFill>
-                  <a:srgbClr val="262626"/>
-                </a:solidFill>
-              </a:rPr>
-              <a:t> </a:t>
-            </a:r>
-            <a:r>
-              <a:rPr lang="en-US" altLang="tr-TR" sz="1800" dirty="0" err="1">
-                <a:solidFill>
-                  <a:srgbClr val="262626"/>
-                </a:solidFill>
-              </a:rPr>
-              <a:t>aza</a:t>
-            </a:r>
-            <a:r>
-              <a:rPr lang="en-US" altLang="tr-TR" sz="1800" dirty="0">
-                <a:solidFill>
-                  <a:srgbClr val="262626"/>
-                </a:solidFill>
-              </a:rPr>
-              <a:t> </a:t>
-            </a:r>
-            <a:r>
-              <a:rPr lang="en-US" altLang="tr-TR" sz="1800" dirty="0" err="1">
-                <a:solidFill>
-                  <a:srgbClr val="262626"/>
-                </a:solidFill>
-              </a:rPr>
-              <a:t>indirgenebilir</a:t>
-            </a:r>
-            <a:r>
-              <a:rPr lang="en-US" altLang="tr-TR" sz="1800" dirty="0">
-                <a:solidFill>
-                  <a:srgbClr val="262626"/>
-                </a:solidFill>
-              </a:rPr>
-              <a:t>.</a:t>
-            </a:r>
-          </a:p>
-          <a:p>
-            <a:endParaRPr lang="en-US" altLang="tr-TR" sz="1800" dirty="0">
-              <a:solidFill>
-                <a:srgbClr val="262626"/>
-              </a:solidFill>
-            </a:endParaRPr>
-          </a:p>
-          <a:p>
-            <a:r>
-              <a:rPr lang="en-US" altLang="tr-TR" sz="1800" b="1" dirty="0" err="1">
-                <a:solidFill>
-                  <a:srgbClr val="262626"/>
-                </a:solidFill>
-              </a:rPr>
-              <a:t>Öğrenme</a:t>
-            </a:r>
-            <a:r>
-              <a:rPr lang="en-US" altLang="tr-TR" sz="1800" b="1" dirty="0">
-                <a:solidFill>
-                  <a:srgbClr val="262626"/>
-                </a:solidFill>
-              </a:rPr>
-              <a:t> </a:t>
-            </a:r>
-            <a:r>
-              <a:rPr lang="en-US" altLang="tr-TR" sz="1800" b="1" dirty="0" err="1">
-                <a:solidFill>
-                  <a:srgbClr val="262626"/>
-                </a:solidFill>
-              </a:rPr>
-              <a:t>eğrisi</a:t>
-            </a:r>
-            <a:r>
-              <a:rPr lang="en-US" altLang="tr-TR" sz="1800" b="1" dirty="0">
-                <a:solidFill>
-                  <a:srgbClr val="262626"/>
-                </a:solidFill>
-              </a:rPr>
-              <a:t>: </a:t>
-            </a:r>
-            <a:r>
-              <a:rPr lang="en-US" altLang="tr-TR" sz="1800" dirty="0">
-                <a:solidFill>
-                  <a:srgbClr val="262626"/>
-                </a:solidFill>
-              </a:rPr>
-              <a:t>İterator </a:t>
-            </a:r>
-            <a:r>
-              <a:rPr lang="en-US" altLang="tr-TR" sz="1800" dirty="0" err="1">
-                <a:solidFill>
-                  <a:srgbClr val="262626"/>
-                </a:solidFill>
-              </a:rPr>
-              <a:t>deseninin</a:t>
-            </a:r>
-            <a:r>
-              <a:rPr lang="en-US" altLang="tr-TR" sz="1800" dirty="0">
-                <a:solidFill>
-                  <a:srgbClr val="262626"/>
-                </a:solidFill>
-              </a:rPr>
-              <a:t> </a:t>
-            </a:r>
-            <a:r>
-              <a:rPr lang="en-US" altLang="tr-TR" sz="1800" dirty="0" err="1">
-                <a:solidFill>
-                  <a:srgbClr val="262626"/>
-                </a:solidFill>
-              </a:rPr>
-              <a:t>kullanılması</a:t>
-            </a:r>
-            <a:r>
-              <a:rPr lang="en-US" altLang="tr-TR" sz="1800" dirty="0">
-                <a:solidFill>
-                  <a:srgbClr val="262626"/>
-                </a:solidFill>
-              </a:rPr>
-              <a:t> </a:t>
-            </a:r>
-            <a:r>
-              <a:rPr lang="en-US" altLang="tr-TR" sz="1800" dirty="0" err="1">
-                <a:solidFill>
-                  <a:srgbClr val="262626"/>
-                </a:solidFill>
-              </a:rPr>
-              <a:t>ve</a:t>
-            </a:r>
-            <a:r>
-              <a:rPr lang="en-US" altLang="tr-TR" sz="1800" dirty="0">
-                <a:solidFill>
-                  <a:srgbClr val="262626"/>
-                </a:solidFill>
-              </a:rPr>
-              <a:t> </a:t>
-            </a:r>
-            <a:r>
-              <a:rPr lang="en-US" altLang="tr-TR" sz="1800" dirty="0" err="1">
-                <a:solidFill>
-                  <a:srgbClr val="262626"/>
-                </a:solidFill>
-              </a:rPr>
-              <a:t>uygulanması</a:t>
-            </a:r>
-            <a:r>
-              <a:rPr lang="en-US" altLang="tr-TR" sz="1800" dirty="0">
-                <a:solidFill>
-                  <a:srgbClr val="262626"/>
-                </a:solidFill>
-              </a:rPr>
-              <a:t>, </a:t>
-            </a:r>
-            <a:r>
-              <a:rPr lang="en-US" altLang="tr-TR" sz="1800" dirty="0" err="1">
-                <a:solidFill>
-                  <a:srgbClr val="262626"/>
-                </a:solidFill>
-              </a:rPr>
-              <a:t>özellikle</a:t>
-            </a:r>
-            <a:r>
-              <a:rPr lang="en-US" altLang="tr-TR" sz="1800" dirty="0">
-                <a:solidFill>
-                  <a:srgbClr val="262626"/>
-                </a:solidFill>
-              </a:rPr>
-              <a:t> yeni </a:t>
-            </a:r>
-            <a:r>
-              <a:rPr lang="en-US" altLang="tr-TR" sz="1800" dirty="0" err="1">
-                <a:solidFill>
-                  <a:srgbClr val="262626"/>
-                </a:solidFill>
-              </a:rPr>
-              <a:t>başlayanlar</a:t>
-            </a:r>
-            <a:r>
-              <a:rPr lang="en-US" altLang="tr-TR" sz="1800" dirty="0">
-                <a:solidFill>
-                  <a:srgbClr val="262626"/>
-                </a:solidFill>
-              </a:rPr>
-              <a:t> </a:t>
-            </a:r>
-            <a:r>
-              <a:rPr lang="en-US" altLang="tr-TR" sz="1800" dirty="0" err="1">
-                <a:solidFill>
-                  <a:srgbClr val="262626"/>
-                </a:solidFill>
-              </a:rPr>
-              <a:t>için</a:t>
-            </a:r>
-            <a:r>
-              <a:rPr lang="en-US" altLang="tr-TR" sz="1800" dirty="0">
-                <a:solidFill>
-                  <a:srgbClr val="262626"/>
-                </a:solidFill>
-              </a:rPr>
-              <a:t> </a:t>
-            </a:r>
-            <a:r>
-              <a:rPr lang="en-US" altLang="tr-TR" sz="1800" dirty="0" err="1">
-                <a:solidFill>
-                  <a:srgbClr val="262626"/>
-                </a:solidFill>
-              </a:rPr>
-              <a:t>bir</a:t>
-            </a:r>
-            <a:r>
-              <a:rPr lang="en-US" altLang="tr-TR" sz="1800" dirty="0">
-                <a:solidFill>
-                  <a:srgbClr val="262626"/>
-                </a:solidFill>
-              </a:rPr>
-              <a:t> </a:t>
-            </a:r>
-            <a:r>
-              <a:rPr lang="en-US" altLang="tr-TR" sz="1800" dirty="0" err="1">
-                <a:solidFill>
-                  <a:srgbClr val="262626"/>
-                </a:solidFill>
-              </a:rPr>
-              <a:t>öğrenme</a:t>
-            </a:r>
-            <a:r>
-              <a:rPr lang="en-US" altLang="tr-TR" sz="1800" dirty="0">
-                <a:solidFill>
-                  <a:srgbClr val="262626"/>
-                </a:solidFill>
-              </a:rPr>
-              <a:t> </a:t>
-            </a:r>
-            <a:r>
-              <a:rPr lang="en-US" altLang="tr-TR" sz="1800" dirty="0" err="1">
-                <a:solidFill>
-                  <a:srgbClr val="262626"/>
-                </a:solidFill>
-              </a:rPr>
-              <a:t>süreci</a:t>
-            </a:r>
-            <a:r>
-              <a:rPr lang="en-US" altLang="tr-TR" sz="1800" dirty="0">
-                <a:solidFill>
-                  <a:srgbClr val="262626"/>
-                </a:solidFill>
-              </a:rPr>
-              <a:t> </a:t>
-            </a:r>
-            <a:r>
-              <a:rPr lang="en-US" altLang="tr-TR" sz="1800" dirty="0" err="1">
-                <a:solidFill>
-                  <a:srgbClr val="262626"/>
-                </a:solidFill>
-              </a:rPr>
-              <a:t>gerektirebilir</a:t>
-            </a:r>
-            <a:r>
-              <a:rPr lang="en-US" altLang="tr-TR" sz="1800" dirty="0">
-                <a:solidFill>
-                  <a:srgbClr val="262626"/>
-                </a:solidFill>
-              </a:rPr>
-              <a:t>.</a:t>
-            </a:r>
-            <a:endParaRPr lang="en-US" sz="1200" dirty="0"/>
           </a:p>
         </p:txBody>
       </p:sp>
       <p:pic>
         <p:nvPicPr>
-          <p:cNvPr id="110" name="Google Shape;110;g1bee7652cdd_1_4"/>
+          <p:cNvPr id="120" name="Google Shape;120;p5"/>
           <p:cNvPicPr preferRelativeResize="0"/>
           <p:nvPr/>
         </p:nvPicPr>
@@ -16746,7 +15873,7 @@
       </p:pic>
       <p:sp>
         <p:nvSpPr>
-          <p:cNvPr id="111" name="Google Shape;111;g1bee7652cdd_1_4"/>
+          <p:cNvPr id="121" name="Google Shape;121;p5"/>
           <p:cNvSpPr txBox="1">
             <a:spLocks noGrp="1"/>
           </p:cNvSpPr>
@@ -16790,10 +15917,40 @@
           </a:p>
         </p:txBody>
       </p:sp>
+      <p:pic>
+        <p:nvPicPr>
+          <p:cNvPr id="5" name="Picture 4">
+            <a:extLst>
+              <a:ext uri="{FF2B5EF4-FFF2-40B4-BE49-F238E27FC236}">
+                <a16:creationId xmlns:a16="http://schemas.microsoft.com/office/drawing/2014/main" id="{8A57CDC6-0315-911F-9B83-025166B200AE}"/>
+              </a:ext>
+            </a:extLst>
+          </p:cNvPr>
+          <p:cNvPicPr>
+            <a:picLocks noChangeAspect="1"/>
+          </p:cNvPicPr>
+          <p:nvPr/>
+        </p:nvPicPr>
+        <p:blipFill>
+          <a:blip r:embed="rId4"/>
+          <a:stretch>
+            <a:fillRect/>
+          </a:stretch>
+        </p:blipFill>
+        <p:spPr>
+          <a:xfrm>
+            <a:off x="1771650" y="1690688"/>
+            <a:ext cx="8648700" cy="5095875"/>
+          </a:xfrm>
+          <a:prstGeom prst="rect">
+            <a:avLst/>
+          </a:prstGeom>
+        </p:spPr>
+      </p:pic>
     </p:spTree>
     <p:extLst>
       <p:ext uri="{BB962C8B-B14F-4D97-AF65-F5344CB8AC3E}">
-        <p14:creationId xmlns:p14="http://schemas.microsoft.com/office/powerpoint/2010/main" val="4096429246"/>
+        <p14:creationId xmlns:p14="http://schemas.microsoft.com/office/powerpoint/2010/main" val="162471168"/>
       </p:ext>
     </p:extLst>
   </p:cSld>
@@ -16868,14 +16025,14 @@
             </a:pPr>
             <a:r>
               <a:rPr lang="tr-TR" dirty="0"/>
-              <a:t>ÖRNEK SENARYO-1</a:t>
+              <a:t>ÖRNEK SENARYO-2</a:t>
             </a:r>
             <a:br>
               <a:rPr lang="tr-TR" dirty="0"/>
             </a:br>
             <a:r>
               <a:rPr lang="tr-TR" dirty="0"/>
-              <a:t>MÜZİK ALBÜMÜ KOLEKSİYONU</a:t>
+              <a:t>RESTORAN MENÜSÜ</a:t>
             </a:r>
             <a:endParaRPr dirty="0"/>
           </a:p>
@@ -16959,7 +16116,7 @@
           <p:cNvPr id="5" name="Picture 4">
             <a:extLst>
               <a:ext uri="{FF2B5EF4-FFF2-40B4-BE49-F238E27FC236}">
-                <a16:creationId xmlns:a16="http://schemas.microsoft.com/office/drawing/2014/main" id="{8A57CDC6-0315-911F-9B83-025166B200AE}"/>
+                <a16:creationId xmlns:a16="http://schemas.microsoft.com/office/drawing/2014/main" id="{C4216BE1-8704-70F1-154E-DB2F7AEF01C5}"/>
               </a:ext>
             </a:extLst>
           </p:cNvPr>
@@ -16976,8 +16133,8 @@
         </p:blipFill>
         <p:spPr>
           <a:xfrm>
-            <a:off x="1771650" y="1690688"/>
-            <a:ext cx="8648700" cy="5095875"/>
+            <a:off x="582324" y="1978835"/>
+            <a:ext cx="11249025" cy="3848100"/>
           </a:xfrm>
           <a:prstGeom prst="rect">
             <a:avLst/>
@@ -16987,7 +16144,7 @@
     </p:spTree>
     <p:extLst>
       <p:ext uri="{BB962C8B-B14F-4D97-AF65-F5344CB8AC3E}">
-        <p14:creationId xmlns:p14="http://schemas.microsoft.com/office/powerpoint/2010/main" val="162471168"/>
+        <p14:creationId xmlns:p14="http://schemas.microsoft.com/office/powerpoint/2010/main" val="1411183594"/>
       </p:ext>
     </p:extLst>
   </p:cSld>
@@ -17062,14 +16219,7 @@
             </a:pPr>
             <a:r>
               <a:rPr lang="tr-TR" dirty="0"/>
-              <a:t>ÖRNEK SENARYO-2</a:t>
-            </a:r>
-            <a:br>
-              <a:rPr lang="tr-TR" dirty="0"/>
-            </a:br>
-            <a:r>
-              <a:rPr lang="tr-TR" dirty="0"/>
-              <a:t>RESTORAN MENÜSÜ</a:t>
+              <a:t>GİTHUB</a:t>
             </a:r>
             <a:endParaRPr dirty="0"/>
           </a:p>
@@ -17148,80 +16298,26 @@
           </a:p>
         </p:txBody>
       </p:sp>
-      <p:pic>
-        <p:nvPicPr>
-          <p:cNvPr id="5" name="Picture 4">
+      <p:sp>
+        <p:nvSpPr>
+          <p:cNvPr id="2" name="Google Shape;109;g1bee7652cdd_1_4">
             <a:extLst>
               <a:ext uri="{FF2B5EF4-FFF2-40B4-BE49-F238E27FC236}">
-                <a16:creationId xmlns:a16="http://schemas.microsoft.com/office/drawing/2014/main" id="{C4216BE1-8704-70F1-154E-DB2F7AEF01C5}"/>
+                <a16:creationId xmlns:a16="http://schemas.microsoft.com/office/drawing/2014/main" id="{49A5C7DA-71E3-7E00-9869-167DCCB77AAF}"/>
               </a:ext>
             </a:extLst>
           </p:cNvPr>
-          <p:cNvPicPr>
-            <a:picLocks noChangeAspect="1"/>
-          </p:cNvPicPr>
-          <p:nvPr/>
-        </p:nvPicPr>
-        <p:blipFill>
-          <a:blip r:embed="rId4"/>
-          <a:stretch>
-            <a:fillRect/>
-          </a:stretch>
-        </p:blipFill>
-        <p:spPr>
-          <a:xfrm>
-            <a:off x="582324" y="1978835"/>
-            <a:ext cx="11249025" cy="3848100"/>
-          </a:xfrm>
-          <a:prstGeom prst="rect">
-            <a:avLst/>
-          </a:prstGeom>
-        </p:spPr>
-      </p:pic>
-    </p:spTree>
-    <p:extLst>
-      <p:ext uri="{BB962C8B-B14F-4D97-AF65-F5344CB8AC3E}">
-        <p14:creationId xmlns:p14="http://schemas.microsoft.com/office/powerpoint/2010/main" val="1411183594"/>
-      </p:ext>
-    </p:extLst>
-  </p:cSld>
-  <p:clrMapOvr>
-    <a:masterClrMapping/>
-  </p:clrMapOvr>
-</p:sld>
-</file>
-
-<file path=ppt/slides/slide2.xml><?xml version="1.0" encoding="utf-8"?>
-<p:sld xmlns:a="http://schemas.openxmlformats.org/drawingml/2006/main" xmlns:r="http://schemas.openxmlformats.org/officeDocument/2006/relationships" xmlns:p="http://schemas.openxmlformats.org/presentationml/2006/main">
-  <p:cSld>
-    <p:spTree>
-      <p:nvGrpSpPr>
-        <p:cNvPr id="1" name="Shape 90"/>
-        <p:cNvGrpSpPr/>
-        <p:nvPr/>
-      </p:nvGrpSpPr>
-      <p:grpSpPr>
-        <a:xfrm>
-          <a:off x="0" y="0"/>
-          <a:ext cx="0" cy="0"/>
-          <a:chOff x="0" y="0"/>
-          <a:chExt cx="0" cy="0"/>
-        </a:xfrm>
-      </p:grpSpPr>
-      <p:sp>
-        <p:nvSpPr>
-          <p:cNvPr id="91" name="Google Shape;91;p2"/>
           <p:cNvSpPr txBox="1">
             <a:spLocks noGrp="1"/>
           </p:cNvSpPr>
           <p:nvPr>
-            <p:ph type="title"/>
+            <p:ph type="body" idx="1"/>
           </p:nvPr>
         </p:nvSpPr>
         <p:spPr>
           <a:xfrm>
-            <a:off x="838200" y="640333"/>
-            <a:ext cx="10515600" cy="1428164"/>
+            <a:off x="838200" y="2212228"/>
+            <a:ext cx="7772400" cy="2433543"/>
           </a:xfrm>
           <a:prstGeom prst="rect">
             <a:avLst/>
@@ -17237,108 +16333,34 @@
           </a:bodyPr>
           <a:lstStyle/>
           <a:p>
-            <a:pPr marL="0" lvl="0" indent="0" algn="l" rtl="0">
-              <a:lnSpc>
-                <a:spcPct val="90000"/>
-              </a:lnSpc>
-              <a:spcBef>
-                <a:spcPts val="0"/>
-              </a:spcBef>
-              <a:spcAft>
-                <a:spcPts val="0"/>
-              </a:spcAft>
-              <a:buClr>
-                <a:schemeClr val="dk1"/>
-              </a:buClr>
-              <a:buSzPts val="4400"/>
-              <a:buFont typeface="Calibri"/>
-              <a:buNone/>
-            </a:pPr>
-            <a:r>
-              <a:rPr lang="en-US"/>
-              <a:t>SUNU İÇERİĞİ</a:t>
-            </a:r>
-            <a:br>
-              <a:rPr lang="en-US"/>
-            </a:br>
-            <a:endParaRPr/>
+            <a:r>
+              <a:rPr lang="tr-TR" altLang="tr-TR" sz="1800" dirty="0">
+                <a:solidFill>
+                  <a:srgbClr val="262626"/>
+                </a:solidFill>
+              </a:rPr>
+              <a:t>Sunum ile ilgili her şeye aşağıdaki linkten erişebilirsiniz. </a:t>
+            </a:r>
           </a:p>
-        </p:txBody>
-      </p:sp>
-      <p:pic>
-        <p:nvPicPr>
-          <p:cNvPr id="93" name="Google Shape;93;p2"/>
-          <p:cNvPicPr preferRelativeResize="0"/>
-          <p:nvPr/>
-        </p:nvPicPr>
-        <p:blipFill rotWithShape="1">
-          <a:blip r:embed="rId3">
-            <a:alphaModFix/>
-          </a:blip>
-          <a:srcRect/>
-          <a:stretch/>
-        </p:blipFill>
-        <p:spPr>
-          <a:xfrm>
-            <a:off x="10742579" y="0"/>
-            <a:ext cx="1449421" cy="1449421"/>
-          </a:xfrm>
-          <a:prstGeom prst="rect">
-            <a:avLst/>
-          </a:prstGeom>
-          <a:noFill/>
-          <a:ln>
-            <a:noFill/>
-          </a:ln>
-        </p:spPr>
-      </p:pic>
-      <p:sp>
-        <p:nvSpPr>
-          <p:cNvPr id="94" name="Google Shape;94;p2"/>
-          <p:cNvSpPr txBox="1">
-            <a:spLocks noGrp="1"/>
-          </p:cNvSpPr>
-          <p:nvPr>
-            <p:ph type="sldNum" idx="12"/>
-          </p:nvPr>
-        </p:nvSpPr>
-        <p:spPr>
-          <a:xfrm>
-            <a:off x="8610600" y="6356350"/>
-            <a:ext cx="2743200" cy="365100"/>
-          </a:xfrm>
-          <a:prstGeom prst="rect">
-            <a:avLst/>
-          </a:prstGeom>
-        </p:spPr>
-        <p:txBody>
-          <a:bodyPr spcFirstLastPara="1" wrap="square" lIns="91425" tIns="45700" rIns="91425" bIns="45700" anchor="ctr" anchorCtr="0">
-            <a:noAutofit/>
-          </a:bodyPr>
-          <a:lstStyle/>
           <a:p>
-            <a:pPr marL="0" lvl="0" indent="0" algn="r" rtl="0">
-              <a:spcBef>
-                <a:spcPts val="0"/>
-              </a:spcBef>
-              <a:spcAft>
-                <a:spcPts val="0"/>
-              </a:spcAft>
-              <a:buClr>
-                <a:srgbClr val="000000"/>
-              </a:buClr>
-              <a:buFont typeface="Arial"/>
-              <a:buNone/>
-            </a:pPr>
-            <a:fld id="{00000000-1234-1234-1234-123412341234}" type="slidenum">
-              <a:rPr lang="en-US"/>
-              <a:t>2</a:t>
-            </a:fld>
-            <a:endParaRPr/>
+            <a:r>
+              <a:rPr lang="en-US" altLang="tr-TR" sz="1800" dirty="0">
+                <a:solidFill>
+                  <a:srgbClr val="262626"/>
+                </a:solidFill>
+              </a:rPr>
+              <a:t>https://github.com/eylulzer/DesignPattern</a:t>
+            </a:r>
+            <a:endParaRPr lang="en-US" sz="1200" dirty="0"/>
           </a:p>
         </p:txBody>
       </p:sp>
     </p:spTree>
+    <p:extLst>
+      <p:ext uri="{BB962C8B-B14F-4D97-AF65-F5344CB8AC3E}">
+        <p14:creationId xmlns:p14="http://schemas.microsoft.com/office/powerpoint/2010/main" val="3881386436"/>
+      </p:ext>
+    </p:extLst>
   </p:cSld>
   <p:clrMapOvr>
     <a:masterClrMapping/>
@@ -17346,7 +16368,7 @@
 </p:sld>
 </file>
 
-<file path=ppt/slides/slide3.xml><?xml version="1.0" encoding="utf-8"?>
+<file path=ppt/slides/slide2.xml><?xml version="1.0" encoding="utf-8"?>
 <p:sld xmlns:a="http://schemas.openxmlformats.org/drawingml/2006/main" xmlns:r="http://schemas.openxmlformats.org/officeDocument/2006/relationships" xmlns:p="http://schemas.openxmlformats.org/presentationml/2006/main">
   <p:cSld>
     <p:spTree>
@@ -17484,7 +16506,7 @@
             </a:pPr>
             <a:fld id="{00000000-1234-1234-1234-123412341234}" type="slidenum">
               <a:rPr lang="en-US"/>
-              <a:t>3</a:t>
+              <a:t>2</a:t>
             </a:fld>
             <a:endParaRPr/>
           </a:p>
@@ -17589,7 +16611,7 @@
 </p:sld>
 </file>
 
-<file path=ppt/slides/slide4.xml><?xml version="1.0" encoding="utf-8"?>
+<file path=ppt/slides/slide3.xml><?xml version="1.0" encoding="utf-8"?>
 <p:sld xmlns:a="http://schemas.openxmlformats.org/drawingml/2006/main" xmlns:r="http://schemas.openxmlformats.org/officeDocument/2006/relationships" xmlns:p="http://schemas.openxmlformats.org/presentationml/2006/main">
   <p:cSld>
     <p:spTree>
@@ -17727,7 +16749,7 @@
             </a:pPr>
             <a:fld id="{00000000-1234-1234-1234-123412341234}" type="slidenum">
               <a:rPr lang="en-US"/>
-              <a:t>4</a:t>
+              <a:t>3</a:t>
             </a:fld>
             <a:endParaRPr/>
           </a:p>
@@ -17921,7 +16943,7 @@
 </p:sld>
 </file>
 
-<file path=ppt/slides/slide5.xml><?xml version="1.0" encoding="utf-8"?>
+<file path=ppt/slides/slide4.xml><?xml version="1.0" encoding="utf-8"?>
 <p:sld xmlns:a="http://schemas.openxmlformats.org/drawingml/2006/main" xmlns:r="http://schemas.openxmlformats.org/officeDocument/2006/relationships" xmlns:p="http://schemas.openxmlformats.org/presentationml/2006/main">
   <p:cSld>
     <p:spTree>
@@ -18525,7 +17547,7 @@
             </a:pPr>
             <a:fld id="{00000000-1234-1234-1234-123412341234}" type="slidenum">
               <a:rPr lang="en-US"/>
-              <a:t>5</a:t>
+              <a:t>4</a:t>
             </a:fld>
             <a:endParaRPr/>
           </a:p>
@@ -18562,6 +17584,340 @@
         </p:spPr>
       </p:pic>
     </p:spTree>
+  </p:cSld>
+  <p:clrMapOvr>
+    <a:masterClrMapping/>
+  </p:clrMapOvr>
+</p:sld>
+</file>
+
+<file path=ppt/slides/slide5.xml><?xml version="1.0" encoding="utf-8"?>
+<p:sld xmlns:a="http://schemas.openxmlformats.org/drawingml/2006/main" xmlns:r="http://schemas.openxmlformats.org/officeDocument/2006/relationships" xmlns:p="http://schemas.openxmlformats.org/presentationml/2006/main">
+  <p:cSld>
+    <p:spTree>
+      <p:nvGrpSpPr>
+        <p:cNvPr id="1" name="Shape 107"/>
+        <p:cNvGrpSpPr/>
+        <p:nvPr/>
+      </p:nvGrpSpPr>
+      <p:grpSpPr>
+        <a:xfrm>
+          <a:off x="0" y="0"/>
+          <a:ext cx="0" cy="0"/>
+          <a:chOff x="0" y="0"/>
+          <a:chExt cx="0" cy="0"/>
+        </a:xfrm>
+      </p:grpSpPr>
+      <p:sp>
+        <p:nvSpPr>
+          <p:cNvPr id="108" name="Google Shape;108;g1bee7652cdd_1_4"/>
+          <p:cNvSpPr txBox="1">
+            <a:spLocks noGrp="1"/>
+          </p:cNvSpPr>
+          <p:nvPr>
+            <p:ph type="title"/>
+          </p:nvPr>
+        </p:nvSpPr>
+        <p:spPr>
+          <a:xfrm>
+            <a:off x="838200" y="365125"/>
+            <a:ext cx="10515600" cy="1325700"/>
+          </a:xfrm>
+          <a:prstGeom prst="rect">
+            <a:avLst/>
+          </a:prstGeom>
+          <a:noFill/>
+          <a:ln>
+            <a:noFill/>
+          </a:ln>
+        </p:spPr>
+        <p:txBody>
+          <a:bodyPr spcFirstLastPara="1" wrap="square" lIns="91425" tIns="45700" rIns="91425" bIns="45700" anchor="ctr" anchorCtr="0">
+            <a:normAutofit/>
+          </a:bodyPr>
+          <a:lstStyle/>
+          <a:p>
+            <a:pPr marL="0" lvl="0" indent="0" algn="l" rtl="0">
+              <a:lnSpc>
+                <a:spcPct val="90000"/>
+              </a:lnSpc>
+              <a:spcBef>
+                <a:spcPts val="0"/>
+              </a:spcBef>
+              <a:spcAft>
+                <a:spcPts val="0"/>
+              </a:spcAft>
+              <a:buClr>
+                <a:schemeClr val="dk1"/>
+              </a:buClr>
+              <a:buSzPts val="4400"/>
+              <a:buFont typeface="Calibri"/>
+              <a:buNone/>
+            </a:pPr>
+            <a:r>
+              <a:rPr lang="tr-TR" dirty="0"/>
+              <a:t>SORUN</a:t>
+            </a:r>
+            <a:endParaRPr dirty="0"/>
+          </a:p>
+        </p:txBody>
+      </p:sp>
+      <p:pic>
+        <p:nvPicPr>
+          <p:cNvPr id="110" name="Google Shape;110;g1bee7652cdd_1_4"/>
+          <p:cNvPicPr preferRelativeResize="0"/>
+          <p:nvPr/>
+        </p:nvPicPr>
+        <p:blipFill rotWithShape="1">
+          <a:blip r:embed="rId3">
+            <a:alphaModFix/>
+          </a:blip>
+          <a:srcRect/>
+          <a:stretch/>
+        </p:blipFill>
+        <p:spPr>
+          <a:xfrm>
+            <a:off x="10742579" y="0"/>
+            <a:ext cx="1449421" cy="1449421"/>
+          </a:xfrm>
+          <a:prstGeom prst="rect">
+            <a:avLst/>
+          </a:prstGeom>
+          <a:noFill/>
+          <a:ln>
+            <a:noFill/>
+          </a:ln>
+        </p:spPr>
+      </p:pic>
+      <p:sp>
+        <p:nvSpPr>
+          <p:cNvPr id="111" name="Google Shape;111;g1bee7652cdd_1_4"/>
+          <p:cNvSpPr txBox="1">
+            <a:spLocks noGrp="1"/>
+          </p:cNvSpPr>
+          <p:nvPr>
+            <p:ph type="sldNum" idx="12"/>
+          </p:nvPr>
+        </p:nvSpPr>
+        <p:spPr>
+          <a:xfrm>
+            <a:off x="8610600" y="6356350"/>
+            <a:ext cx="2743200" cy="365100"/>
+          </a:xfrm>
+          <a:prstGeom prst="rect">
+            <a:avLst/>
+          </a:prstGeom>
+        </p:spPr>
+        <p:txBody>
+          <a:bodyPr spcFirstLastPara="1" wrap="square" lIns="91425" tIns="45700" rIns="91425" bIns="45700" anchor="ctr" anchorCtr="0">
+            <a:noAutofit/>
+          </a:bodyPr>
+          <a:lstStyle/>
+          <a:p>
+            <a:pPr marL="0" lvl="0" indent="0" algn="r" rtl="0">
+              <a:spcBef>
+                <a:spcPts val="0"/>
+              </a:spcBef>
+              <a:spcAft>
+                <a:spcPts val="0"/>
+              </a:spcAft>
+              <a:buClr>
+                <a:srgbClr val="000000"/>
+              </a:buClr>
+              <a:buFont typeface="Arial"/>
+              <a:buNone/>
+            </a:pPr>
+            <a:fld id="{00000000-1234-1234-1234-123412341234}" type="slidenum">
+              <a:rPr lang="en-US"/>
+              <a:t>5</a:t>
+            </a:fld>
+            <a:endParaRPr/>
+          </a:p>
+        </p:txBody>
+      </p:sp>
+      <p:sp>
+        <p:nvSpPr>
+          <p:cNvPr id="11" name="Google Shape;109;g1bee7652cdd_1_4">
+            <a:extLst>
+              <a:ext uri="{FF2B5EF4-FFF2-40B4-BE49-F238E27FC236}">
+                <a16:creationId xmlns:a16="http://schemas.microsoft.com/office/drawing/2014/main" id="{F7364F5B-6BF9-4C33-7252-2135C44D959B}"/>
+              </a:ext>
+            </a:extLst>
+          </p:cNvPr>
+          <p:cNvSpPr txBox="1">
+            <a:spLocks noGrp="1"/>
+          </p:cNvSpPr>
+          <p:nvPr>
+            <p:ph type="body" idx="1"/>
+          </p:nvPr>
+        </p:nvSpPr>
+        <p:spPr>
+          <a:xfrm>
+            <a:off x="1023103" y="3806394"/>
+            <a:ext cx="10330697" cy="2766082"/>
+          </a:xfrm>
+          <a:prstGeom prst="rect">
+            <a:avLst/>
+          </a:prstGeom>
+          <a:noFill/>
+          <a:ln>
+            <a:noFill/>
+          </a:ln>
+        </p:spPr>
+        <p:txBody>
+          <a:bodyPr spcFirstLastPara="1" wrap="square" lIns="91425" tIns="45700" rIns="91425" bIns="45700" anchor="ctr" anchorCtr="0">
+            <a:normAutofit fontScale="92500" lnSpcReduction="20000"/>
+          </a:bodyPr>
+          <a:lstStyle/>
+          <a:p>
+            <a:pPr marL="114300" lvl="0" indent="0" algn="just" rtl="0">
+              <a:lnSpc>
+                <a:spcPct val="100000"/>
+              </a:lnSpc>
+              <a:spcBef>
+                <a:spcPts val="600"/>
+              </a:spcBef>
+              <a:spcAft>
+                <a:spcPts val="0"/>
+              </a:spcAft>
+              <a:buClr>
+                <a:srgbClr val="000000"/>
+              </a:buClr>
+              <a:buSzPts val="1800"/>
+              <a:buNone/>
+            </a:pPr>
+            <a:endParaRPr lang="tr-TR" sz="1900" dirty="0"/>
+          </a:p>
+          <a:p>
+            <a:pPr lvl="1" algn="just">
+              <a:lnSpc>
+                <a:spcPct val="100000"/>
+              </a:lnSpc>
+              <a:spcBef>
+                <a:spcPts val="600"/>
+              </a:spcBef>
+              <a:buClr>
+                <a:srgbClr val="000000"/>
+              </a:buClr>
+              <a:buFont typeface="Wingdings" panose="05000000000000000000" pitchFamily="2" charset="2"/>
+              <a:buChar char="q"/>
+            </a:pPr>
+            <a:r>
+              <a:rPr lang="tr-TR" sz="1900" b="1" dirty="0"/>
+              <a:t>Koleksiyonların iç yapısına bağımlılık: </a:t>
+            </a:r>
+            <a:r>
+              <a:rPr lang="tr-TR" sz="1900" dirty="0"/>
+              <a:t>Kodun, farklı koleksiyon yapıları ve türlerine bağımlı olması.</a:t>
+            </a:r>
+          </a:p>
+          <a:p>
+            <a:pPr lvl="1" algn="just">
+              <a:lnSpc>
+                <a:spcPct val="100000"/>
+              </a:lnSpc>
+              <a:spcBef>
+                <a:spcPts val="600"/>
+              </a:spcBef>
+              <a:buClr>
+                <a:srgbClr val="000000"/>
+              </a:buClr>
+              <a:buFont typeface="Wingdings" panose="05000000000000000000" pitchFamily="2" charset="2"/>
+              <a:buChar char="q"/>
+            </a:pPr>
+            <a:r>
+              <a:rPr lang="tr-TR" sz="1900" b="1" dirty="0"/>
+              <a:t>Erişim ve dolaşma yöntemlerinin tutarsızlığı: </a:t>
+            </a:r>
+            <a:r>
+              <a:rPr lang="tr-TR" sz="1900" dirty="0"/>
+              <a:t>Farklı koleksiyonlar için farklı erişim ve dolaşma yöntemlerinin kullanılması.</a:t>
+            </a:r>
+          </a:p>
+          <a:p>
+            <a:pPr lvl="1" algn="just">
+              <a:lnSpc>
+                <a:spcPct val="100000"/>
+              </a:lnSpc>
+              <a:spcBef>
+                <a:spcPts val="600"/>
+              </a:spcBef>
+              <a:buClr>
+                <a:srgbClr val="000000"/>
+              </a:buClr>
+              <a:buFont typeface="Wingdings" panose="05000000000000000000" pitchFamily="2" charset="2"/>
+              <a:buChar char="q"/>
+            </a:pPr>
+            <a:r>
+              <a:rPr lang="tr-TR" sz="1900" b="1" dirty="0"/>
+              <a:t>Yeniden kullanılabilirlik ve esneklik eksikliği:</a:t>
+            </a:r>
+            <a:r>
+              <a:rPr lang="tr-TR" sz="1900" dirty="0"/>
+              <a:t> Koleksiyonlar üzerinde çalışan algoritmaların ve işlemlerin, koleksiyon türü ve yapısına bağımlı olarak yeniden kullanılabilirliğinin ve esnekliğinin sınırlı olması.</a:t>
+            </a:r>
+          </a:p>
+          <a:p>
+            <a:pPr lvl="1" algn="just">
+              <a:lnSpc>
+                <a:spcPct val="100000"/>
+              </a:lnSpc>
+              <a:spcBef>
+                <a:spcPts val="600"/>
+              </a:spcBef>
+              <a:buClr>
+                <a:srgbClr val="000000"/>
+              </a:buClr>
+              <a:buFont typeface="Wingdings" panose="05000000000000000000" pitchFamily="2" charset="2"/>
+              <a:buChar char="q"/>
+            </a:pPr>
+            <a:r>
+              <a:rPr lang="tr-TR" sz="1900" b="1" dirty="0"/>
+              <a:t>Koleksiyon türlerinde ve yapılarında değişikliklere uyum sağlamada zorluklar:</a:t>
+            </a:r>
+            <a:r>
+              <a:rPr lang="tr-TR" sz="1900" dirty="0"/>
+              <a:t> Koleksiyonların değiştirilmesi veya yeni koleksiyon türlerinin eklenmesi durumunda, kodun uyum sağlamakta zorlanması.</a:t>
+            </a:r>
+          </a:p>
+        </p:txBody>
+      </p:sp>
+      <p:pic>
+        <p:nvPicPr>
+          <p:cNvPr id="12" name="Picture 11" descr="Text&#10;&#10;Description automatically generated">
+            <a:extLst>
+              <a:ext uri="{FF2B5EF4-FFF2-40B4-BE49-F238E27FC236}">
+                <a16:creationId xmlns:a16="http://schemas.microsoft.com/office/drawing/2014/main" id="{7E891AE1-684A-4AB4-CAF6-A7A4BB989836}"/>
+              </a:ext>
+            </a:extLst>
+          </p:cNvPr>
+          <p:cNvPicPr>
+            <a:picLocks noChangeAspect="1"/>
+          </p:cNvPicPr>
+          <p:nvPr/>
+        </p:nvPicPr>
+        <p:blipFill>
+          <a:blip r:embed="rId4"/>
+          <a:stretch>
+            <a:fillRect/>
+          </a:stretch>
+        </p:blipFill>
+        <p:spPr>
+          <a:xfrm>
+            <a:off x="3995338" y="1258182"/>
+            <a:ext cx="3756962" cy="2633154"/>
+          </a:xfrm>
+          <a:prstGeom prst="rect">
+            <a:avLst/>
+          </a:prstGeom>
+        </p:spPr>
+      </p:pic>
+    </p:spTree>
+    <p:extLst>
+      <p:ext uri="{BB962C8B-B14F-4D97-AF65-F5344CB8AC3E}">
+        <p14:creationId xmlns:p14="http://schemas.microsoft.com/office/powerpoint/2010/main" val="2756213158"/>
+      </p:ext>
+    </p:extLst>
   </p:cSld>
   <p:clrMapOvr>
     <a:masterClrMapping/>
@@ -18634,7 +17990,7 @@
             </a:pPr>
             <a:r>
               <a:rPr lang="tr-TR" dirty="0"/>
-              <a:t>SORUN</a:t>
+              <a:t>ÇÖZÜM</a:t>
             </a:r>
             <a:endParaRPr dirty="0"/>
           </a:p>
@@ -18715,10 +18071,10 @@
       </p:sp>
       <p:sp>
         <p:nvSpPr>
-          <p:cNvPr id="11" name="Google Shape;109;g1bee7652cdd_1_4">
+          <p:cNvPr id="2" name="Google Shape;109;g1bee7652cdd_1_4">
             <a:extLst>
               <a:ext uri="{FF2B5EF4-FFF2-40B4-BE49-F238E27FC236}">
-                <a16:creationId xmlns:a16="http://schemas.microsoft.com/office/drawing/2014/main" id="{F7364F5B-6BF9-4C33-7252-2135C44D959B}"/>
+                <a16:creationId xmlns:a16="http://schemas.microsoft.com/office/drawing/2014/main" id="{10494054-2932-156E-AEBD-34EC5468F814}"/>
               </a:ext>
             </a:extLst>
           </p:cNvPr>
@@ -18731,8 +18087,8 @@
         </p:nvSpPr>
         <p:spPr>
           <a:xfrm>
-            <a:off x="1023103" y="3806394"/>
-            <a:ext cx="10330697" cy="2766082"/>
+            <a:off x="1055058" y="1700616"/>
+            <a:ext cx="9904379" cy="4655734"/>
           </a:xfrm>
           <a:prstGeom prst="rect">
             <a:avLst/>
@@ -18744,11 +18100,11 @@
         </p:spPr>
         <p:txBody>
           <a:bodyPr spcFirstLastPara="1" wrap="square" lIns="91425" tIns="45700" rIns="91425" bIns="45700" anchor="ctr" anchorCtr="0">
-            <a:normAutofit fontScale="92500" lnSpcReduction="20000"/>
+            <a:normAutofit fontScale="92500" lnSpcReduction="10000"/>
           </a:bodyPr>
           <a:lstStyle/>
           <a:p>
-            <a:pPr marL="114300" lvl="0" indent="0" algn="just" rtl="0">
+            <a:pPr lvl="0" algn="just" rtl="0">
               <a:lnSpc>
                 <a:spcPct val="100000"/>
               </a:lnSpc>
@@ -18762,138 +18118,165 @@
                 <a:srgbClr val="000000"/>
               </a:buClr>
               <a:buSzPts val="1800"/>
-              <a:buNone/>
+              <a:buFont typeface="Wingdings" panose="05000000000000000000" pitchFamily="2" charset="2"/>
+              <a:buChar char="ü"/>
             </a:pPr>
-            <a:endParaRPr lang="tr-TR" sz="1900" dirty="0"/>
+            <a:r>
+              <a:rPr lang="tr-TR" sz="1800" b="1" dirty="0"/>
+              <a:t>Koleksiyonların iç yapısını gizleme: </a:t>
+            </a:r>
+            <a:r>
+              <a:rPr lang="tr-TR" sz="1800" dirty="0"/>
+              <a:t>Farklı koleksiyon yapıları ve türleri (ör. listeler, kümeler, ağaçlar) üzerinde çalışan kodlar, bu yapıların iç detaylarından bağımsızlaşmalıdır. İterator, koleksiyonun gerçek yapısını ve uygulanmasını gizleyerek, dışarıya sadece belirli bir arayüz sunar. Bu sayede, kodunuzun iç yapılara bağımlılığı azalır ve daha esnek hale gelir.</a:t>
+            </a:r>
           </a:p>
           <a:p>
-            <a:pPr lvl="1" algn="just">
+            <a:pPr lvl="0" algn="just" rtl="0">
               <a:lnSpc>
                 <a:spcPct val="100000"/>
               </a:lnSpc>
               <a:spcBef>
                 <a:spcPts val="600"/>
               </a:spcBef>
+              <a:spcAft>
+                <a:spcPts val="0"/>
+              </a:spcAft>
               <a:buClr>
                 <a:srgbClr val="000000"/>
               </a:buClr>
+              <a:buSzPts val="1800"/>
               <a:buFont typeface="Wingdings" panose="05000000000000000000" pitchFamily="2" charset="2"/>
-              <a:buChar char="q"/>
+              <a:buChar char="ü"/>
             </a:pPr>
-            <a:r>
-              <a:rPr lang="tr-TR" sz="1900" b="1" dirty="0"/>
-              <a:t>Koleksiyonların iç yapısına bağımlılık: </a:t>
-            </a:r>
-            <a:r>
-              <a:rPr lang="tr-TR" sz="1900" dirty="0"/>
-              <a:t>Kodun, farklı koleksiyon yapıları ve türlerine bağımlı olması.</a:t>
-            </a:r>
+            <a:endParaRPr lang="tr-TR" sz="1800" dirty="0"/>
           </a:p>
           <a:p>
-            <a:pPr lvl="1" algn="just">
+            <a:pPr lvl="0" algn="just" rtl="0">
               <a:lnSpc>
                 <a:spcPct val="100000"/>
               </a:lnSpc>
               <a:spcBef>
                 <a:spcPts val="600"/>
               </a:spcBef>
+              <a:spcAft>
+                <a:spcPts val="0"/>
+              </a:spcAft>
               <a:buClr>
                 <a:srgbClr val="000000"/>
               </a:buClr>
+              <a:buSzPts val="1800"/>
               <a:buFont typeface="Wingdings" panose="05000000000000000000" pitchFamily="2" charset="2"/>
-              <a:buChar char="q"/>
+              <a:buChar char="ü"/>
             </a:pPr>
             <a:r>
-              <a:rPr lang="tr-TR" sz="1900" b="1" dirty="0"/>
-              <a:t>Erişim ve dolaşma yöntemlerinin tutarsızlığı: </a:t>
-            </a:r>
-            <a:r>
-              <a:rPr lang="tr-TR" sz="1900" dirty="0"/>
-              <a:t>Farklı koleksiyonlar için farklı erişim ve dolaşma yöntemlerinin kullanılması.</a:t>
+              <a:rPr lang="tr-TR" sz="1800" b="1" dirty="0"/>
+              <a:t>Tek tip ve tutarlı erişim sağlama: </a:t>
+            </a:r>
+            <a:r>
+              <a:rPr lang="tr-TR" sz="1800" dirty="0"/>
+              <a:t>İterator, farklı koleksiyonlar üzerinde dolaşmayı ve elemanlara erişimi sağlamak için ortak bir arayüz sunar. Bu, uygulamanızın farklı koleksiyon türleri ve yapılarıyla çalışırken, kodunuzun tutarlı ve anlaşılır olmasına yardımcı olur.</a:t>
             </a:r>
           </a:p>
           <a:p>
-            <a:pPr lvl="1" algn="just">
+            <a:pPr lvl="0" algn="just" rtl="0">
               <a:lnSpc>
                 <a:spcPct val="100000"/>
               </a:lnSpc>
               <a:spcBef>
                 <a:spcPts val="600"/>
               </a:spcBef>
+              <a:spcAft>
+                <a:spcPts val="0"/>
+              </a:spcAft>
               <a:buClr>
                 <a:srgbClr val="000000"/>
               </a:buClr>
+              <a:buSzPts val="1800"/>
               <a:buFont typeface="Wingdings" panose="05000000000000000000" pitchFamily="2" charset="2"/>
-              <a:buChar char="q"/>
+              <a:buChar char="ü"/>
             </a:pPr>
-            <a:r>
-              <a:rPr lang="tr-TR" sz="1900" b="1" dirty="0"/>
-              <a:t>Yeniden kullanılabilirlik ve esneklik eksikliği:</a:t>
-            </a:r>
-            <a:r>
-              <a:rPr lang="tr-TR" sz="1900" dirty="0"/>
-              <a:t> Koleksiyonlar üzerinde çalışan algoritmaların ve işlemlerin, koleksiyon türü ve yapısına bağımlı olarak yeniden kullanılabilirliğinin ve esnekliğinin sınırlı olması.</a:t>
-            </a:r>
+            <a:endParaRPr lang="tr-TR" sz="1800" dirty="0"/>
           </a:p>
           <a:p>
-            <a:pPr lvl="1" algn="just">
+            <a:pPr lvl="0" algn="just" rtl="0">
               <a:lnSpc>
                 <a:spcPct val="100000"/>
               </a:lnSpc>
               <a:spcBef>
                 <a:spcPts val="600"/>
               </a:spcBef>
+              <a:spcAft>
+                <a:spcPts val="0"/>
+              </a:spcAft>
               <a:buClr>
                 <a:srgbClr val="000000"/>
               </a:buClr>
+              <a:buSzPts val="1800"/>
               <a:buFont typeface="Wingdings" panose="05000000000000000000" pitchFamily="2" charset="2"/>
-              <a:buChar char="q"/>
+              <a:buChar char="ü"/>
             </a:pPr>
             <a:r>
-              <a:rPr lang="tr-TR" sz="1900" b="1" dirty="0"/>
-              <a:t>Koleksiyon türlerinde ve yapılarında değişikliklere uyum sağlamada zorluklar:</a:t>
-            </a:r>
-            <a:r>
-              <a:rPr lang="tr-TR" sz="1900" dirty="0"/>
-              <a:t> Koleksiyonların değiştirilmesi veya yeni koleksiyon türlerinin eklenmesi durumunda, kodun uyum sağlamakta zorlanması.</a:t>
+              <a:rPr lang="tr-TR" sz="1800" b="1" dirty="0"/>
+              <a:t>Koleksiyonlar üzerinde dolaşmayı soyutlama:</a:t>
+            </a:r>
+            <a:r>
+              <a:rPr lang="tr-TR" sz="1800" dirty="0"/>
+              <a:t> İterator deseni sayesinde, koleksiyonlar üzerinde dolaşan algoritmalar ve işlemler, koleksiyon türünden ve yapısından bağımsız hale gelir. Bu, kodun daha kolay yeniden kullanılabilir olmasını sağlar ve geliştirme sürecini hızlandırır.</a:t>
+            </a:r>
+          </a:p>
+          <a:p>
+            <a:pPr lvl="0" algn="just" rtl="0">
+              <a:lnSpc>
+                <a:spcPct val="100000"/>
+              </a:lnSpc>
+              <a:spcBef>
+                <a:spcPts val="600"/>
+              </a:spcBef>
+              <a:spcAft>
+                <a:spcPts val="0"/>
+              </a:spcAft>
+              <a:buClr>
+                <a:srgbClr val="000000"/>
+              </a:buClr>
+              <a:buSzPts val="1800"/>
+              <a:buFont typeface="Wingdings" panose="05000000000000000000" pitchFamily="2" charset="2"/>
+              <a:buChar char="ü"/>
+            </a:pPr>
+            <a:endParaRPr lang="tr-TR" sz="1800" dirty="0"/>
+          </a:p>
+          <a:p>
+            <a:pPr lvl="0" algn="just" rtl="0">
+              <a:lnSpc>
+                <a:spcPct val="100000"/>
+              </a:lnSpc>
+              <a:spcBef>
+                <a:spcPts val="600"/>
+              </a:spcBef>
+              <a:spcAft>
+                <a:spcPts val="0"/>
+              </a:spcAft>
+              <a:buClr>
+                <a:srgbClr val="000000"/>
+              </a:buClr>
+              <a:buSzPts val="1800"/>
+              <a:buFont typeface="Wingdings" panose="05000000000000000000" pitchFamily="2" charset="2"/>
+              <a:buChar char="ü"/>
+            </a:pPr>
+            <a:r>
+              <a:rPr lang="tr-TR" sz="1800" b="1" dirty="0"/>
+              <a:t>Koleksiyon türlerinde ve yapılarında değişikliklere uyum sağlama: </a:t>
+            </a:r>
+            <a:r>
+              <a:rPr lang="tr-TR" sz="1800" dirty="0"/>
+              <a:t>İterator deseni, uygulamanızda kullanılan koleksiyonların değiştirilmesi veya yeni koleksiyon türlerinin eklenmesi durumunda kolayca uyum sağlar. Kodunuz, iterator arayüzü sayesinde bu değişikliklerden etkilenmez ve esnekliği artırır.</a:t>
             </a:r>
           </a:p>
         </p:txBody>
       </p:sp>
-      <p:pic>
-        <p:nvPicPr>
-          <p:cNvPr id="12" name="Picture 11" descr="Text&#10;&#10;Description automatically generated">
-            <a:extLst>
-              <a:ext uri="{FF2B5EF4-FFF2-40B4-BE49-F238E27FC236}">
-                <a16:creationId xmlns:a16="http://schemas.microsoft.com/office/drawing/2014/main" id="{7E891AE1-684A-4AB4-CAF6-A7A4BB989836}"/>
-              </a:ext>
-            </a:extLst>
-          </p:cNvPr>
-          <p:cNvPicPr>
-            <a:picLocks noChangeAspect="1"/>
-          </p:cNvPicPr>
-          <p:nvPr/>
-        </p:nvPicPr>
-        <p:blipFill>
-          <a:blip r:embed="rId4"/>
-          <a:stretch>
-            <a:fillRect/>
-          </a:stretch>
-        </p:blipFill>
-        <p:spPr>
-          <a:xfrm>
-            <a:off x="3995338" y="1258182"/>
-            <a:ext cx="3756962" cy="2633154"/>
-          </a:xfrm>
-          <a:prstGeom prst="rect">
-            <a:avLst/>
-          </a:prstGeom>
-        </p:spPr>
-      </p:pic>
     </p:spTree>
     <p:extLst>
       <p:ext uri="{BB962C8B-B14F-4D97-AF65-F5344CB8AC3E}">
-        <p14:creationId xmlns:p14="http://schemas.microsoft.com/office/powerpoint/2010/main" val="2756213158"/>
+        <p14:creationId xmlns:p14="http://schemas.microsoft.com/office/powerpoint/2010/main" val="2759153788"/>
       </p:ext>
     </p:extLst>
   </p:cSld>
@@ -19065,8 +18448,8 @@
         </p:nvSpPr>
         <p:spPr>
           <a:xfrm>
-            <a:off x="1055058" y="1700616"/>
-            <a:ext cx="9904379" cy="4655734"/>
+            <a:off x="1015730" y="1347433"/>
+            <a:ext cx="4788722" cy="4163134"/>
           </a:xfrm>
           <a:prstGeom prst="rect">
             <a:avLst/>
@@ -19078,7 +18461,7 @@
         </p:spPr>
         <p:txBody>
           <a:bodyPr spcFirstLastPara="1" wrap="square" lIns="91425" tIns="45700" rIns="91425" bIns="45700" anchor="ctr" anchorCtr="0">
-            <a:normAutofit fontScale="92500" lnSpcReduction="10000"/>
+            <a:normAutofit/>
           </a:bodyPr>
           <a:lstStyle/>
           <a:p>
@@ -19100,161 +18483,46 @@
               <a:buChar char="ü"/>
             </a:pPr>
             <a:r>
-              <a:rPr lang="tr-TR" sz="1800" b="1" dirty="0"/>
-              <a:t>Koleksiyonların iç yapısını gizleme: </a:t>
-            </a:r>
-            <a:r>
-              <a:rPr lang="tr-TR" sz="1800" dirty="0"/>
-              <a:t>Farklı koleksiyon yapıları ve türleri (ör. listeler, kümeler, ağaçlar) üzerinde çalışan kodlar, bu yapıların iç detaylarından bağımsızlaşmalıdır. İterator, koleksiyonun gerçek yapısını ve uygulanmasını gizleyerek, dışarıya sadece belirli bir arayüz sunar. Bu sayede, kodunuzun iç yapılara bağımlılığı azalır ve daha esnek hale gelir.</a:t>
-            </a:r>
-          </a:p>
-          <a:p>
-            <a:pPr lvl="0" algn="just" rtl="0">
-              <a:lnSpc>
-                <a:spcPct val="100000"/>
-              </a:lnSpc>
-              <a:spcBef>
-                <a:spcPts val="600"/>
-              </a:spcBef>
-              <a:spcAft>
-                <a:spcPts val="0"/>
-              </a:spcAft>
-              <a:buClr>
-                <a:srgbClr val="000000"/>
-              </a:buClr>
-              <a:buSzPts val="1800"/>
-              <a:buFont typeface="Wingdings" panose="05000000000000000000" pitchFamily="2" charset="2"/>
-              <a:buChar char="ü"/>
-            </a:pPr>
-            <a:endParaRPr lang="tr-TR" sz="1800" dirty="0"/>
-          </a:p>
-          <a:p>
-            <a:pPr lvl="0" algn="just" rtl="0">
-              <a:lnSpc>
-                <a:spcPct val="100000"/>
-              </a:lnSpc>
-              <a:spcBef>
-                <a:spcPts val="600"/>
-              </a:spcBef>
-              <a:spcAft>
-                <a:spcPts val="0"/>
-              </a:spcAft>
-              <a:buClr>
-                <a:srgbClr val="000000"/>
-              </a:buClr>
-              <a:buSzPts val="1800"/>
-              <a:buFont typeface="Wingdings" panose="05000000000000000000" pitchFamily="2" charset="2"/>
-              <a:buChar char="ü"/>
-            </a:pPr>
-            <a:r>
-              <a:rPr lang="tr-TR" sz="1800" b="1" dirty="0"/>
-              <a:t>Tek tip ve tutarlı erişim sağlama: </a:t>
-            </a:r>
-            <a:r>
-              <a:rPr lang="tr-TR" sz="1800" dirty="0"/>
-              <a:t>İterator, farklı koleksiyonlar üzerinde dolaşmayı ve elemanlara erişimi sağlamak için ortak bir arayüz sunar. Bu, uygulamanızın farklı koleksiyon türleri ve yapılarıyla çalışırken, kodunuzun tutarlı ve anlaşılır olmasına yardımcı olur.</a:t>
-            </a:r>
-          </a:p>
-          <a:p>
-            <a:pPr lvl="0" algn="just" rtl="0">
-              <a:lnSpc>
-                <a:spcPct val="100000"/>
-              </a:lnSpc>
-              <a:spcBef>
-                <a:spcPts val="600"/>
-              </a:spcBef>
-              <a:spcAft>
-                <a:spcPts val="0"/>
-              </a:spcAft>
-              <a:buClr>
-                <a:srgbClr val="000000"/>
-              </a:buClr>
-              <a:buSzPts val="1800"/>
-              <a:buFont typeface="Wingdings" panose="05000000000000000000" pitchFamily="2" charset="2"/>
-              <a:buChar char="ü"/>
-            </a:pPr>
-            <a:endParaRPr lang="tr-TR" sz="1800" dirty="0"/>
-          </a:p>
-          <a:p>
-            <a:pPr lvl="0" algn="just" rtl="0">
-              <a:lnSpc>
-                <a:spcPct val="100000"/>
-              </a:lnSpc>
-              <a:spcBef>
-                <a:spcPts val="600"/>
-              </a:spcBef>
-              <a:spcAft>
-                <a:spcPts val="0"/>
-              </a:spcAft>
-              <a:buClr>
-                <a:srgbClr val="000000"/>
-              </a:buClr>
-              <a:buSzPts val="1800"/>
-              <a:buFont typeface="Wingdings" panose="05000000000000000000" pitchFamily="2" charset="2"/>
-              <a:buChar char="ü"/>
-            </a:pPr>
-            <a:r>
-              <a:rPr lang="tr-TR" sz="1800" b="1" dirty="0"/>
-              <a:t>Koleksiyonlar üzerinde dolaşmayı soyutlama:</a:t>
-            </a:r>
-            <a:r>
-              <a:rPr lang="tr-TR" sz="1800" dirty="0"/>
-              <a:t> İterator deseni sayesinde, koleksiyonlar üzerinde dolaşan algoritmalar ve işlemler, koleksiyon türünden ve yapısından bağımsız hale gelir. Bu, kodun daha kolay yeniden kullanılabilir olmasını sağlar ve geliştirme sürecini hızlandırır.</a:t>
-            </a:r>
-          </a:p>
-          <a:p>
-            <a:pPr lvl="0" algn="just" rtl="0">
-              <a:lnSpc>
-                <a:spcPct val="100000"/>
-              </a:lnSpc>
-              <a:spcBef>
-                <a:spcPts val="600"/>
-              </a:spcBef>
-              <a:spcAft>
-                <a:spcPts val="0"/>
-              </a:spcAft>
-              <a:buClr>
-                <a:srgbClr val="000000"/>
-              </a:buClr>
-              <a:buSzPts val="1800"/>
-              <a:buFont typeface="Wingdings" panose="05000000000000000000" pitchFamily="2" charset="2"/>
-              <a:buChar char="ü"/>
-            </a:pPr>
-            <a:endParaRPr lang="tr-TR" sz="1800" dirty="0"/>
-          </a:p>
-          <a:p>
-            <a:pPr lvl="0" algn="just" rtl="0">
-              <a:lnSpc>
-                <a:spcPct val="100000"/>
-              </a:lnSpc>
-              <a:spcBef>
-                <a:spcPts val="600"/>
-              </a:spcBef>
-              <a:spcAft>
-                <a:spcPts val="0"/>
-              </a:spcAft>
-              <a:buClr>
-                <a:srgbClr val="000000"/>
-              </a:buClr>
-              <a:buSzPts val="1800"/>
-              <a:buFont typeface="Wingdings" panose="05000000000000000000" pitchFamily="2" charset="2"/>
-              <a:buChar char="ü"/>
-            </a:pPr>
-            <a:r>
-              <a:rPr lang="tr-TR" sz="1800" b="1" dirty="0"/>
-              <a:t>Koleksiyon türlerinde ve yapılarında değişikliklere uyum sağlama: </a:t>
-            </a:r>
-            <a:r>
-              <a:rPr lang="tr-TR" sz="1800" dirty="0"/>
-              <a:t>İterator deseni, uygulamanızda kullanılan koleksiyonların değiştirilmesi veya yeni koleksiyon türlerinin eklenmesi durumunda kolayca uyum sağlar. Kodunuz, iterator arayüzü sayesinde bu değişikliklerden etkilenmez ve esnekliği artırır.</a:t>
+              <a:rPr lang="tr-TR" sz="1900" dirty="0"/>
+              <a:t>Iterator deseninin ana fikri bir koleksiyonun dolaşımla ilgili davranışlarını alıp iterator denen ayrı bir objeye yüklemektir.</a:t>
             </a:r>
           </a:p>
         </p:txBody>
       </p:sp>
+      <p:pic>
+        <p:nvPicPr>
+          <p:cNvPr id="6" name="Picture 5">
+            <a:extLst>
+              <a:ext uri="{FF2B5EF4-FFF2-40B4-BE49-F238E27FC236}">
+                <a16:creationId xmlns:a16="http://schemas.microsoft.com/office/drawing/2014/main" id="{19E783BD-3B14-C416-9447-664AEB9C20BC}"/>
+              </a:ext>
+            </a:extLst>
+          </p:cNvPr>
+          <p:cNvPicPr>
+            <a:picLocks noChangeAspect="1"/>
+          </p:cNvPicPr>
+          <p:nvPr/>
+        </p:nvPicPr>
+        <p:blipFill>
+          <a:blip r:embed="rId4"/>
+          <a:stretch>
+            <a:fillRect/>
+          </a:stretch>
+        </p:blipFill>
+        <p:spPr>
+          <a:xfrm>
+            <a:off x="6530541" y="1131978"/>
+            <a:ext cx="4097169" cy="4937436"/>
+          </a:xfrm>
+          <a:prstGeom prst="rect">
+            <a:avLst/>
+          </a:prstGeom>
+        </p:spPr>
+      </p:pic>
     </p:spTree>
     <p:extLst>
       <p:ext uri="{BB962C8B-B14F-4D97-AF65-F5344CB8AC3E}">
-        <p14:creationId xmlns:p14="http://schemas.microsoft.com/office/powerpoint/2010/main" val="2759153788"/>
+        <p14:creationId xmlns:p14="http://schemas.microsoft.com/office/powerpoint/2010/main" val="1931490802"/>
       </p:ext>
     </p:extLst>
   </p:cSld>
@@ -19329,9 +18597,1549 @@
             </a:pPr>
             <a:r>
               <a:rPr lang="tr-TR" dirty="0"/>
-              <a:t>ÇÖZÜM</a:t>
+              <a:t>AVANTAJLAR</a:t>
             </a:r>
             <a:endParaRPr dirty="0"/>
+          </a:p>
+        </p:txBody>
+      </p:sp>
+      <p:sp>
+        <p:nvSpPr>
+          <p:cNvPr id="109" name="Google Shape;109;g1bee7652cdd_1_4"/>
+          <p:cNvSpPr txBox="1">
+            <a:spLocks noGrp="1"/>
+          </p:cNvSpPr>
+          <p:nvPr>
+            <p:ph type="body" idx="1"/>
+          </p:nvPr>
+        </p:nvSpPr>
+        <p:spPr>
+          <a:xfrm>
+            <a:off x="838200" y="1619125"/>
+            <a:ext cx="7359300" cy="4873800"/>
+          </a:xfrm>
+          <a:prstGeom prst="rect">
+            <a:avLst/>
+          </a:prstGeom>
+          <a:noFill/>
+          <a:ln>
+            <a:noFill/>
+          </a:ln>
+        </p:spPr>
+        <p:txBody>
+          <a:bodyPr spcFirstLastPara="1" wrap="square" lIns="91425" tIns="45700" rIns="91425" bIns="45700" anchor="ctr" anchorCtr="0">
+            <a:normAutofit lnSpcReduction="10000"/>
+          </a:bodyPr>
+          <a:lstStyle/>
+          <a:p>
+            <a:r>
+              <a:rPr lang="en-US" altLang="tr-TR" sz="1800" b="1" dirty="0" err="1">
+                <a:solidFill>
+                  <a:srgbClr val="262626"/>
+                </a:solidFill>
+              </a:rPr>
+              <a:t>Soyutlama</a:t>
+            </a:r>
+            <a:r>
+              <a:rPr lang="en-US" altLang="tr-TR" sz="1800" b="1" dirty="0">
+                <a:solidFill>
+                  <a:srgbClr val="262626"/>
+                </a:solidFill>
+              </a:rPr>
+              <a:t>: </a:t>
+            </a:r>
+            <a:r>
+              <a:rPr lang="en-US" altLang="tr-TR" sz="1800" dirty="0">
+                <a:solidFill>
+                  <a:srgbClr val="262626"/>
+                </a:solidFill>
+              </a:rPr>
+              <a:t>İterator </a:t>
+            </a:r>
+            <a:r>
+              <a:rPr lang="en-US" altLang="tr-TR" sz="1800" dirty="0" err="1">
+                <a:solidFill>
+                  <a:srgbClr val="262626"/>
+                </a:solidFill>
+              </a:rPr>
+              <a:t>deseni</a:t>
+            </a:r>
+            <a:r>
+              <a:rPr lang="en-US" altLang="tr-TR" sz="1800" dirty="0">
+                <a:solidFill>
+                  <a:srgbClr val="262626"/>
+                </a:solidFill>
+              </a:rPr>
+              <a:t>, </a:t>
+            </a:r>
+            <a:r>
+              <a:rPr lang="en-US" altLang="tr-TR" sz="1800" dirty="0" err="1">
+                <a:solidFill>
+                  <a:srgbClr val="262626"/>
+                </a:solidFill>
+              </a:rPr>
+              <a:t>koleksiyonlar</a:t>
+            </a:r>
+            <a:r>
+              <a:rPr lang="en-US" altLang="tr-TR" sz="1800" dirty="0">
+                <a:solidFill>
+                  <a:srgbClr val="262626"/>
+                </a:solidFill>
+              </a:rPr>
+              <a:t> </a:t>
+            </a:r>
+            <a:r>
+              <a:rPr lang="en-US" altLang="tr-TR" sz="1800" dirty="0" err="1">
+                <a:solidFill>
+                  <a:srgbClr val="262626"/>
+                </a:solidFill>
+              </a:rPr>
+              <a:t>üzerindeki</a:t>
+            </a:r>
+            <a:r>
+              <a:rPr lang="en-US" altLang="tr-TR" sz="1800" dirty="0">
+                <a:solidFill>
+                  <a:srgbClr val="262626"/>
+                </a:solidFill>
+              </a:rPr>
+              <a:t> </a:t>
+            </a:r>
+            <a:r>
+              <a:rPr lang="en-US" altLang="tr-TR" sz="1800" dirty="0" err="1">
+                <a:solidFill>
+                  <a:srgbClr val="262626"/>
+                </a:solidFill>
+              </a:rPr>
+              <a:t>işlemleri</a:t>
+            </a:r>
+            <a:r>
+              <a:rPr lang="en-US" altLang="tr-TR" sz="1800" dirty="0">
+                <a:solidFill>
+                  <a:srgbClr val="262626"/>
+                </a:solidFill>
+              </a:rPr>
+              <a:t> </a:t>
+            </a:r>
+            <a:r>
+              <a:rPr lang="en-US" altLang="tr-TR" sz="1800" dirty="0" err="1">
+                <a:solidFill>
+                  <a:srgbClr val="262626"/>
+                </a:solidFill>
+              </a:rPr>
+              <a:t>soyutlar</a:t>
+            </a:r>
+            <a:r>
+              <a:rPr lang="en-US" altLang="tr-TR" sz="1800" dirty="0">
+                <a:solidFill>
+                  <a:srgbClr val="262626"/>
+                </a:solidFill>
+              </a:rPr>
+              <a:t> </a:t>
+            </a:r>
+            <a:r>
+              <a:rPr lang="en-US" altLang="tr-TR" sz="1800" dirty="0" err="1">
+                <a:solidFill>
+                  <a:srgbClr val="262626"/>
+                </a:solidFill>
+              </a:rPr>
+              <a:t>ve</a:t>
+            </a:r>
+            <a:r>
+              <a:rPr lang="en-US" altLang="tr-TR" sz="1800" dirty="0">
+                <a:solidFill>
+                  <a:srgbClr val="262626"/>
+                </a:solidFill>
+              </a:rPr>
+              <a:t> </a:t>
+            </a:r>
+            <a:r>
+              <a:rPr lang="en-US" altLang="tr-TR" sz="1800" dirty="0" err="1">
+                <a:solidFill>
+                  <a:srgbClr val="262626"/>
+                </a:solidFill>
+              </a:rPr>
+              <a:t>istemci</a:t>
+            </a:r>
+            <a:r>
+              <a:rPr lang="en-US" altLang="tr-TR" sz="1800" dirty="0">
+                <a:solidFill>
+                  <a:srgbClr val="262626"/>
+                </a:solidFill>
+              </a:rPr>
+              <a:t> </a:t>
+            </a:r>
+            <a:r>
+              <a:rPr lang="en-US" altLang="tr-TR" sz="1800" dirty="0" err="1">
+                <a:solidFill>
+                  <a:srgbClr val="262626"/>
+                </a:solidFill>
+              </a:rPr>
+              <a:t>kodunun</a:t>
+            </a:r>
+            <a:r>
+              <a:rPr lang="en-US" altLang="tr-TR" sz="1800" dirty="0">
+                <a:solidFill>
+                  <a:srgbClr val="262626"/>
+                </a:solidFill>
+              </a:rPr>
+              <a:t> </a:t>
+            </a:r>
+            <a:r>
+              <a:rPr lang="en-US" altLang="tr-TR" sz="1800" dirty="0" err="1">
+                <a:solidFill>
+                  <a:srgbClr val="262626"/>
+                </a:solidFill>
+              </a:rPr>
+              <a:t>koleksiyonun</a:t>
+            </a:r>
+            <a:r>
+              <a:rPr lang="en-US" altLang="tr-TR" sz="1800" dirty="0">
+                <a:solidFill>
+                  <a:srgbClr val="262626"/>
+                </a:solidFill>
+              </a:rPr>
+              <a:t> </a:t>
+            </a:r>
+            <a:r>
+              <a:rPr lang="en-US" altLang="tr-TR" sz="1800" dirty="0" err="1">
+                <a:solidFill>
+                  <a:srgbClr val="262626"/>
+                </a:solidFill>
+              </a:rPr>
+              <a:t>iç</a:t>
+            </a:r>
+            <a:r>
+              <a:rPr lang="en-US" altLang="tr-TR" sz="1800" dirty="0">
+                <a:solidFill>
+                  <a:srgbClr val="262626"/>
+                </a:solidFill>
+              </a:rPr>
+              <a:t> </a:t>
+            </a:r>
+            <a:r>
+              <a:rPr lang="en-US" altLang="tr-TR" sz="1800" dirty="0" err="1">
+                <a:solidFill>
+                  <a:srgbClr val="262626"/>
+                </a:solidFill>
+              </a:rPr>
+              <a:t>yapısından</a:t>
+            </a:r>
+            <a:r>
+              <a:rPr lang="en-US" altLang="tr-TR" sz="1800" dirty="0">
+                <a:solidFill>
+                  <a:srgbClr val="262626"/>
+                </a:solidFill>
+              </a:rPr>
+              <a:t> </a:t>
+            </a:r>
+            <a:r>
+              <a:rPr lang="en-US" altLang="tr-TR" sz="1800" dirty="0" err="1">
+                <a:solidFill>
+                  <a:srgbClr val="262626"/>
+                </a:solidFill>
+              </a:rPr>
+              <a:t>bağımsız</a:t>
+            </a:r>
+            <a:r>
+              <a:rPr lang="en-US" altLang="tr-TR" sz="1800" dirty="0">
+                <a:solidFill>
+                  <a:srgbClr val="262626"/>
+                </a:solidFill>
+              </a:rPr>
+              <a:t> </a:t>
+            </a:r>
+            <a:r>
+              <a:rPr lang="en-US" altLang="tr-TR" sz="1800" dirty="0" err="1">
+                <a:solidFill>
+                  <a:srgbClr val="262626"/>
+                </a:solidFill>
+              </a:rPr>
+              <a:t>olarak</a:t>
+            </a:r>
+            <a:r>
+              <a:rPr lang="en-US" altLang="tr-TR" sz="1800" dirty="0">
+                <a:solidFill>
+                  <a:srgbClr val="262626"/>
+                </a:solidFill>
+              </a:rPr>
+              <a:t> </a:t>
+            </a:r>
+            <a:r>
+              <a:rPr lang="en-US" altLang="tr-TR" sz="1800" dirty="0" err="1">
+                <a:solidFill>
+                  <a:srgbClr val="262626"/>
+                </a:solidFill>
+              </a:rPr>
+              <a:t>gezinmesine</a:t>
+            </a:r>
+            <a:r>
+              <a:rPr lang="en-US" altLang="tr-TR" sz="1800" dirty="0">
+                <a:solidFill>
+                  <a:srgbClr val="262626"/>
+                </a:solidFill>
+              </a:rPr>
+              <a:t> </a:t>
+            </a:r>
+            <a:r>
+              <a:rPr lang="en-US" altLang="tr-TR" sz="1800" dirty="0" err="1">
+                <a:solidFill>
+                  <a:srgbClr val="262626"/>
+                </a:solidFill>
+              </a:rPr>
+              <a:t>olanak</a:t>
+            </a:r>
+            <a:r>
+              <a:rPr lang="en-US" altLang="tr-TR" sz="1800" dirty="0">
+                <a:solidFill>
+                  <a:srgbClr val="262626"/>
+                </a:solidFill>
+              </a:rPr>
+              <a:t> </a:t>
+            </a:r>
+            <a:r>
+              <a:rPr lang="en-US" altLang="tr-TR" sz="1800" dirty="0" err="1">
+                <a:solidFill>
+                  <a:srgbClr val="262626"/>
+                </a:solidFill>
+              </a:rPr>
+              <a:t>tanır</a:t>
+            </a:r>
+            <a:r>
+              <a:rPr lang="en-US" altLang="tr-TR" sz="1800" dirty="0">
+                <a:solidFill>
+                  <a:srgbClr val="262626"/>
+                </a:solidFill>
+              </a:rPr>
+              <a:t>. Bu, </a:t>
+            </a:r>
+            <a:r>
+              <a:rPr lang="en-US" altLang="tr-TR" sz="1800" dirty="0" err="1">
+                <a:solidFill>
+                  <a:srgbClr val="262626"/>
+                </a:solidFill>
+              </a:rPr>
+              <a:t>kodun</a:t>
+            </a:r>
+            <a:r>
+              <a:rPr lang="en-US" altLang="tr-TR" sz="1800" dirty="0">
+                <a:solidFill>
+                  <a:srgbClr val="262626"/>
+                </a:solidFill>
+              </a:rPr>
+              <a:t> </a:t>
+            </a:r>
+            <a:r>
+              <a:rPr lang="en-US" altLang="tr-TR" sz="1800" dirty="0" err="1">
+                <a:solidFill>
+                  <a:srgbClr val="262626"/>
+                </a:solidFill>
+              </a:rPr>
+              <a:t>daha</a:t>
+            </a:r>
+            <a:r>
+              <a:rPr lang="en-US" altLang="tr-TR" sz="1800" dirty="0">
+                <a:solidFill>
+                  <a:srgbClr val="262626"/>
+                </a:solidFill>
+              </a:rPr>
+              <a:t> </a:t>
+            </a:r>
+            <a:r>
+              <a:rPr lang="en-US" altLang="tr-TR" sz="1800" dirty="0" err="1">
+                <a:solidFill>
+                  <a:srgbClr val="262626"/>
+                </a:solidFill>
+              </a:rPr>
+              <a:t>temiz</a:t>
+            </a:r>
+            <a:r>
+              <a:rPr lang="en-US" altLang="tr-TR" sz="1800" dirty="0">
+                <a:solidFill>
+                  <a:srgbClr val="262626"/>
+                </a:solidFill>
+              </a:rPr>
+              <a:t> </a:t>
+            </a:r>
+            <a:r>
+              <a:rPr lang="en-US" altLang="tr-TR" sz="1800" dirty="0" err="1">
+                <a:solidFill>
+                  <a:srgbClr val="262626"/>
+                </a:solidFill>
+              </a:rPr>
+              <a:t>ve</a:t>
+            </a:r>
+            <a:r>
+              <a:rPr lang="en-US" altLang="tr-TR" sz="1800" dirty="0">
+                <a:solidFill>
+                  <a:srgbClr val="262626"/>
+                </a:solidFill>
+              </a:rPr>
+              <a:t> </a:t>
+            </a:r>
+            <a:r>
+              <a:rPr lang="en-US" altLang="tr-TR" sz="1800" dirty="0" err="1">
+                <a:solidFill>
+                  <a:srgbClr val="262626"/>
+                </a:solidFill>
+              </a:rPr>
+              <a:t>bakımı</a:t>
+            </a:r>
+            <a:r>
+              <a:rPr lang="en-US" altLang="tr-TR" sz="1800" dirty="0">
+                <a:solidFill>
+                  <a:srgbClr val="262626"/>
+                </a:solidFill>
+              </a:rPr>
+              <a:t> </a:t>
+            </a:r>
+            <a:r>
+              <a:rPr lang="en-US" altLang="tr-TR" sz="1800" dirty="0" err="1">
+                <a:solidFill>
+                  <a:srgbClr val="262626"/>
+                </a:solidFill>
+              </a:rPr>
+              <a:t>daha</a:t>
+            </a:r>
+            <a:r>
+              <a:rPr lang="en-US" altLang="tr-TR" sz="1800" dirty="0">
+                <a:solidFill>
+                  <a:srgbClr val="262626"/>
+                </a:solidFill>
+              </a:rPr>
+              <a:t> </a:t>
+            </a:r>
+            <a:r>
+              <a:rPr lang="en-US" altLang="tr-TR" sz="1800" dirty="0" err="1">
+                <a:solidFill>
+                  <a:srgbClr val="262626"/>
+                </a:solidFill>
+              </a:rPr>
+              <a:t>kolay</a:t>
+            </a:r>
+            <a:r>
+              <a:rPr lang="en-US" altLang="tr-TR" sz="1800" dirty="0">
+                <a:solidFill>
+                  <a:srgbClr val="262626"/>
+                </a:solidFill>
+              </a:rPr>
+              <a:t> hale </a:t>
+            </a:r>
+            <a:r>
+              <a:rPr lang="en-US" altLang="tr-TR" sz="1800" dirty="0" err="1">
+                <a:solidFill>
+                  <a:srgbClr val="262626"/>
+                </a:solidFill>
+              </a:rPr>
+              <a:t>gelmesine</a:t>
+            </a:r>
+            <a:r>
+              <a:rPr lang="en-US" altLang="tr-TR" sz="1800" dirty="0">
+                <a:solidFill>
+                  <a:srgbClr val="262626"/>
+                </a:solidFill>
+              </a:rPr>
+              <a:t> </a:t>
+            </a:r>
+            <a:r>
+              <a:rPr lang="en-US" altLang="tr-TR" sz="1800" dirty="0" err="1">
+                <a:solidFill>
+                  <a:srgbClr val="262626"/>
+                </a:solidFill>
+              </a:rPr>
+              <a:t>yardımcı</a:t>
+            </a:r>
+            <a:r>
+              <a:rPr lang="en-US" altLang="tr-TR" sz="1800" dirty="0">
+                <a:solidFill>
+                  <a:srgbClr val="262626"/>
+                </a:solidFill>
+              </a:rPr>
+              <a:t> </a:t>
+            </a:r>
+            <a:r>
+              <a:rPr lang="en-US" altLang="tr-TR" sz="1800" dirty="0" err="1">
+                <a:solidFill>
+                  <a:srgbClr val="262626"/>
+                </a:solidFill>
+              </a:rPr>
+              <a:t>olur</a:t>
+            </a:r>
+            <a:r>
+              <a:rPr lang="en-US" altLang="tr-TR" sz="1800" dirty="0">
+                <a:solidFill>
+                  <a:srgbClr val="262626"/>
+                </a:solidFill>
+              </a:rPr>
+              <a:t>.</a:t>
+            </a:r>
+          </a:p>
+          <a:p>
+            <a:endParaRPr lang="en-US" altLang="tr-TR" sz="1800" dirty="0">
+              <a:solidFill>
+                <a:srgbClr val="262626"/>
+              </a:solidFill>
+            </a:endParaRPr>
+          </a:p>
+          <a:p>
+            <a:r>
+              <a:rPr lang="en-US" altLang="tr-TR" sz="1800" b="1" dirty="0" err="1">
+                <a:solidFill>
+                  <a:srgbClr val="262626"/>
+                </a:solidFill>
+              </a:rPr>
+              <a:t>Esneklik</a:t>
+            </a:r>
+            <a:r>
+              <a:rPr lang="en-US" altLang="tr-TR" sz="1800" b="1" dirty="0">
+                <a:solidFill>
+                  <a:srgbClr val="262626"/>
+                </a:solidFill>
+              </a:rPr>
+              <a:t>: </a:t>
+            </a:r>
+            <a:r>
+              <a:rPr lang="en-US" altLang="tr-TR" sz="1800" dirty="0" err="1">
+                <a:solidFill>
+                  <a:srgbClr val="262626"/>
+                </a:solidFill>
+              </a:rPr>
+              <a:t>İteratorlar</a:t>
+            </a:r>
+            <a:r>
+              <a:rPr lang="en-US" altLang="tr-TR" sz="1800" dirty="0">
+                <a:solidFill>
+                  <a:srgbClr val="262626"/>
+                </a:solidFill>
+              </a:rPr>
+              <a:t>, </a:t>
+            </a:r>
+            <a:r>
+              <a:rPr lang="en-US" altLang="tr-TR" sz="1800" dirty="0" err="1">
+                <a:solidFill>
+                  <a:srgbClr val="262626"/>
+                </a:solidFill>
+              </a:rPr>
+              <a:t>farklı</a:t>
+            </a:r>
+            <a:r>
+              <a:rPr lang="en-US" altLang="tr-TR" sz="1800" dirty="0">
+                <a:solidFill>
+                  <a:srgbClr val="262626"/>
+                </a:solidFill>
+              </a:rPr>
+              <a:t> </a:t>
+            </a:r>
+            <a:r>
+              <a:rPr lang="en-US" altLang="tr-TR" sz="1800" dirty="0" err="1">
+                <a:solidFill>
+                  <a:srgbClr val="262626"/>
+                </a:solidFill>
+              </a:rPr>
+              <a:t>koleksiyon</a:t>
+            </a:r>
+            <a:r>
+              <a:rPr lang="en-US" altLang="tr-TR" sz="1800" dirty="0">
+                <a:solidFill>
+                  <a:srgbClr val="262626"/>
+                </a:solidFill>
+              </a:rPr>
+              <a:t> </a:t>
+            </a:r>
+            <a:r>
+              <a:rPr lang="en-US" altLang="tr-TR" sz="1800" dirty="0" err="1">
+                <a:solidFill>
+                  <a:srgbClr val="262626"/>
+                </a:solidFill>
+              </a:rPr>
+              <a:t>türleri</a:t>
+            </a:r>
+            <a:r>
+              <a:rPr lang="en-US" altLang="tr-TR" sz="1800" dirty="0">
+                <a:solidFill>
+                  <a:srgbClr val="262626"/>
+                </a:solidFill>
+              </a:rPr>
+              <a:t> </a:t>
+            </a:r>
+            <a:r>
+              <a:rPr lang="en-US" altLang="tr-TR" sz="1800" dirty="0" err="1">
+                <a:solidFill>
+                  <a:srgbClr val="262626"/>
+                </a:solidFill>
+              </a:rPr>
+              <a:t>için</a:t>
+            </a:r>
+            <a:r>
+              <a:rPr lang="en-US" altLang="tr-TR" sz="1800" dirty="0">
+                <a:solidFill>
+                  <a:srgbClr val="262626"/>
+                </a:solidFill>
+              </a:rPr>
+              <a:t> </a:t>
+            </a:r>
+            <a:r>
+              <a:rPr lang="en-US" altLang="tr-TR" sz="1800" dirty="0" err="1">
+                <a:solidFill>
+                  <a:srgbClr val="262626"/>
+                </a:solidFill>
+              </a:rPr>
+              <a:t>farklı</a:t>
+            </a:r>
+            <a:r>
+              <a:rPr lang="en-US" altLang="tr-TR" sz="1800" dirty="0">
+                <a:solidFill>
+                  <a:srgbClr val="262626"/>
+                </a:solidFill>
+              </a:rPr>
+              <a:t> </a:t>
+            </a:r>
+            <a:r>
+              <a:rPr lang="en-US" altLang="tr-TR" sz="1800" dirty="0" err="1">
+                <a:solidFill>
+                  <a:srgbClr val="262626"/>
+                </a:solidFill>
+              </a:rPr>
+              <a:t>gezinme</a:t>
+            </a:r>
+            <a:r>
+              <a:rPr lang="en-US" altLang="tr-TR" sz="1800" dirty="0">
+                <a:solidFill>
+                  <a:srgbClr val="262626"/>
+                </a:solidFill>
+              </a:rPr>
+              <a:t> </a:t>
+            </a:r>
+            <a:r>
+              <a:rPr lang="en-US" altLang="tr-TR" sz="1800" dirty="0" err="1">
+                <a:solidFill>
+                  <a:srgbClr val="262626"/>
+                </a:solidFill>
+              </a:rPr>
+              <a:t>ve</a:t>
+            </a:r>
+            <a:r>
+              <a:rPr lang="en-US" altLang="tr-TR" sz="1800" dirty="0">
+                <a:solidFill>
+                  <a:srgbClr val="262626"/>
+                </a:solidFill>
+              </a:rPr>
+              <a:t> </a:t>
+            </a:r>
+            <a:r>
+              <a:rPr lang="en-US" altLang="tr-TR" sz="1800" dirty="0" err="1">
+                <a:solidFill>
+                  <a:srgbClr val="262626"/>
+                </a:solidFill>
+              </a:rPr>
+              <a:t>işlem</a:t>
+            </a:r>
+            <a:r>
+              <a:rPr lang="en-US" altLang="tr-TR" sz="1800" dirty="0">
+                <a:solidFill>
+                  <a:srgbClr val="262626"/>
+                </a:solidFill>
+              </a:rPr>
+              <a:t> </a:t>
+            </a:r>
+            <a:r>
+              <a:rPr lang="en-US" altLang="tr-TR" sz="1800" dirty="0" err="1">
+                <a:solidFill>
+                  <a:srgbClr val="262626"/>
+                </a:solidFill>
+              </a:rPr>
+              <a:t>stratejileri</a:t>
+            </a:r>
+            <a:r>
+              <a:rPr lang="en-US" altLang="tr-TR" sz="1800" dirty="0">
+                <a:solidFill>
+                  <a:srgbClr val="262626"/>
+                </a:solidFill>
+              </a:rPr>
+              <a:t> </a:t>
+            </a:r>
+            <a:r>
+              <a:rPr lang="en-US" altLang="tr-TR" sz="1800" dirty="0" err="1">
+                <a:solidFill>
+                  <a:srgbClr val="262626"/>
+                </a:solidFill>
+              </a:rPr>
+              <a:t>sunar</a:t>
+            </a:r>
+            <a:r>
+              <a:rPr lang="en-US" altLang="tr-TR" sz="1800" dirty="0">
+                <a:solidFill>
+                  <a:srgbClr val="262626"/>
+                </a:solidFill>
+              </a:rPr>
+              <a:t>. Bu, </a:t>
+            </a:r>
+            <a:r>
+              <a:rPr lang="en-US" altLang="tr-TR" sz="1800" dirty="0" err="1">
+                <a:solidFill>
+                  <a:srgbClr val="262626"/>
+                </a:solidFill>
+              </a:rPr>
+              <a:t>çeşitli</a:t>
+            </a:r>
+            <a:r>
+              <a:rPr lang="en-US" altLang="tr-TR" sz="1800" dirty="0">
+                <a:solidFill>
+                  <a:srgbClr val="262626"/>
+                </a:solidFill>
+              </a:rPr>
+              <a:t> </a:t>
+            </a:r>
+            <a:r>
+              <a:rPr lang="en-US" altLang="tr-TR" sz="1800" dirty="0" err="1">
+                <a:solidFill>
+                  <a:srgbClr val="262626"/>
+                </a:solidFill>
+              </a:rPr>
+              <a:t>koleksiyonlar</a:t>
+            </a:r>
+            <a:r>
+              <a:rPr lang="en-US" altLang="tr-TR" sz="1800" dirty="0">
+                <a:solidFill>
+                  <a:srgbClr val="262626"/>
+                </a:solidFill>
+              </a:rPr>
+              <a:t> </a:t>
+            </a:r>
+            <a:r>
+              <a:rPr lang="en-US" altLang="tr-TR" sz="1800" dirty="0" err="1">
+                <a:solidFill>
+                  <a:srgbClr val="262626"/>
+                </a:solidFill>
+              </a:rPr>
+              <a:t>arasında</a:t>
+            </a:r>
+            <a:r>
+              <a:rPr lang="en-US" altLang="tr-TR" sz="1800" dirty="0">
+                <a:solidFill>
+                  <a:srgbClr val="262626"/>
+                </a:solidFill>
+              </a:rPr>
+              <a:t> </a:t>
+            </a:r>
+            <a:r>
+              <a:rPr lang="en-US" altLang="tr-TR" sz="1800" dirty="0" err="1">
+                <a:solidFill>
+                  <a:srgbClr val="262626"/>
+                </a:solidFill>
+              </a:rPr>
+              <a:t>kolayca</a:t>
+            </a:r>
+            <a:r>
+              <a:rPr lang="en-US" altLang="tr-TR" sz="1800" dirty="0">
+                <a:solidFill>
+                  <a:srgbClr val="262626"/>
+                </a:solidFill>
+              </a:rPr>
+              <a:t> </a:t>
+            </a:r>
+            <a:r>
+              <a:rPr lang="en-US" altLang="tr-TR" sz="1800" dirty="0" err="1">
+                <a:solidFill>
+                  <a:srgbClr val="262626"/>
+                </a:solidFill>
+              </a:rPr>
+              <a:t>geçiş</a:t>
+            </a:r>
+            <a:r>
+              <a:rPr lang="en-US" altLang="tr-TR" sz="1800" dirty="0">
+                <a:solidFill>
+                  <a:srgbClr val="262626"/>
+                </a:solidFill>
+              </a:rPr>
+              <a:t> </a:t>
+            </a:r>
+            <a:r>
+              <a:rPr lang="en-US" altLang="tr-TR" sz="1800" dirty="0" err="1">
+                <a:solidFill>
+                  <a:srgbClr val="262626"/>
+                </a:solidFill>
+              </a:rPr>
+              <a:t>yapmayı</a:t>
+            </a:r>
+            <a:r>
+              <a:rPr lang="en-US" altLang="tr-TR" sz="1800" dirty="0">
+                <a:solidFill>
+                  <a:srgbClr val="262626"/>
+                </a:solidFill>
+              </a:rPr>
+              <a:t> </a:t>
+            </a:r>
+            <a:r>
+              <a:rPr lang="en-US" altLang="tr-TR" sz="1800" dirty="0" err="1">
+                <a:solidFill>
+                  <a:srgbClr val="262626"/>
+                </a:solidFill>
+              </a:rPr>
+              <a:t>ve</a:t>
+            </a:r>
+            <a:r>
+              <a:rPr lang="en-US" altLang="tr-TR" sz="1800" dirty="0">
+                <a:solidFill>
+                  <a:srgbClr val="262626"/>
+                </a:solidFill>
+              </a:rPr>
+              <a:t> </a:t>
+            </a:r>
+            <a:r>
+              <a:rPr lang="en-US" altLang="tr-TR" sz="1800" dirty="0" err="1">
+                <a:solidFill>
+                  <a:srgbClr val="262626"/>
+                </a:solidFill>
+              </a:rPr>
+              <a:t>uyum</a:t>
+            </a:r>
+            <a:r>
+              <a:rPr lang="en-US" altLang="tr-TR" sz="1800" dirty="0">
+                <a:solidFill>
+                  <a:srgbClr val="262626"/>
+                </a:solidFill>
+              </a:rPr>
+              <a:t> </a:t>
+            </a:r>
+            <a:r>
+              <a:rPr lang="en-US" altLang="tr-TR" sz="1800" dirty="0" err="1">
+                <a:solidFill>
+                  <a:srgbClr val="262626"/>
+                </a:solidFill>
+              </a:rPr>
+              <a:t>sağlamayı</a:t>
+            </a:r>
+            <a:r>
+              <a:rPr lang="en-US" altLang="tr-TR" sz="1800" dirty="0">
+                <a:solidFill>
+                  <a:srgbClr val="262626"/>
+                </a:solidFill>
+              </a:rPr>
+              <a:t> </a:t>
+            </a:r>
+            <a:r>
+              <a:rPr lang="en-US" altLang="tr-TR" sz="1800" dirty="0" err="1">
+                <a:solidFill>
+                  <a:srgbClr val="262626"/>
+                </a:solidFill>
+              </a:rPr>
+              <a:t>mümkün</a:t>
+            </a:r>
+            <a:r>
+              <a:rPr lang="en-US" altLang="tr-TR" sz="1800" dirty="0">
+                <a:solidFill>
+                  <a:srgbClr val="262626"/>
+                </a:solidFill>
+              </a:rPr>
+              <a:t> </a:t>
+            </a:r>
+            <a:r>
+              <a:rPr lang="en-US" altLang="tr-TR" sz="1800" dirty="0" err="1">
+                <a:solidFill>
+                  <a:srgbClr val="262626"/>
+                </a:solidFill>
+              </a:rPr>
+              <a:t>kılar</a:t>
+            </a:r>
+            <a:r>
+              <a:rPr lang="en-US" altLang="tr-TR" sz="1800" dirty="0">
+                <a:solidFill>
+                  <a:srgbClr val="262626"/>
+                </a:solidFill>
+              </a:rPr>
+              <a:t>.</a:t>
+            </a:r>
+          </a:p>
+          <a:p>
+            <a:endParaRPr lang="en-US" altLang="tr-TR" sz="1800" dirty="0">
+              <a:solidFill>
+                <a:srgbClr val="262626"/>
+              </a:solidFill>
+            </a:endParaRPr>
+          </a:p>
+          <a:p>
+            <a:r>
+              <a:rPr lang="en-US" altLang="tr-TR" sz="1800" b="1" dirty="0" err="1">
+                <a:solidFill>
+                  <a:srgbClr val="262626"/>
+                </a:solidFill>
+              </a:rPr>
+              <a:t>Genişletilebilirlik</a:t>
+            </a:r>
+            <a:r>
+              <a:rPr lang="en-US" altLang="tr-TR" sz="1800" b="1" dirty="0">
+                <a:solidFill>
+                  <a:srgbClr val="262626"/>
+                </a:solidFill>
+              </a:rPr>
+              <a:t>: </a:t>
+            </a:r>
+            <a:r>
+              <a:rPr lang="en-US" altLang="tr-TR" sz="1800" dirty="0">
+                <a:solidFill>
+                  <a:srgbClr val="262626"/>
+                </a:solidFill>
+              </a:rPr>
+              <a:t>İterator </a:t>
+            </a:r>
+            <a:r>
+              <a:rPr lang="en-US" altLang="tr-TR" sz="1800" dirty="0" err="1">
+                <a:solidFill>
+                  <a:srgbClr val="262626"/>
+                </a:solidFill>
+              </a:rPr>
+              <a:t>deseni</a:t>
+            </a:r>
+            <a:r>
+              <a:rPr lang="en-US" altLang="tr-TR" sz="1800" dirty="0">
+                <a:solidFill>
+                  <a:srgbClr val="262626"/>
+                </a:solidFill>
+              </a:rPr>
+              <a:t>, yeni </a:t>
+            </a:r>
+            <a:r>
+              <a:rPr lang="en-US" altLang="tr-TR" sz="1800" dirty="0" err="1">
+                <a:solidFill>
+                  <a:srgbClr val="262626"/>
+                </a:solidFill>
+              </a:rPr>
+              <a:t>koleksiyon</a:t>
+            </a:r>
+            <a:r>
+              <a:rPr lang="en-US" altLang="tr-TR" sz="1800" dirty="0">
+                <a:solidFill>
+                  <a:srgbClr val="262626"/>
+                </a:solidFill>
+              </a:rPr>
+              <a:t> </a:t>
+            </a:r>
+            <a:r>
+              <a:rPr lang="en-US" altLang="tr-TR" sz="1800" dirty="0" err="1">
+                <a:solidFill>
+                  <a:srgbClr val="262626"/>
+                </a:solidFill>
+              </a:rPr>
+              <a:t>türlerini</a:t>
+            </a:r>
+            <a:r>
+              <a:rPr lang="en-US" altLang="tr-TR" sz="1800" dirty="0">
+                <a:solidFill>
+                  <a:srgbClr val="262626"/>
+                </a:solidFill>
+              </a:rPr>
+              <a:t> </a:t>
+            </a:r>
+            <a:r>
+              <a:rPr lang="en-US" altLang="tr-TR" sz="1800" dirty="0" err="1">
+                <a:solidFill>
+                  <a:srgbClr val="262626"/>
+                </a:solidFill>
+              </a:rPr>
+              <a:t>veya</a:t>
+            </a:r>
+            <a:r>
+              <a:rPr lang="en-US" altLang="tr-TR" sz="1800" dirty="0">
+                <a:solidFill>
+                  <a:srgbClr val="262626"/>
+                </a:solidFill>
+              </a:rPr>
+              <a:t> </a:t>
+            </a:r>
+            <a:r>
+              <a:rPr lang="en-US" altLang="tr-TR" sz="1800" dirty="0" err="1">
+                <a:solidFill>
+                  <a:srgbClr val="262626"/>
+                </a:solidFill>
+              </a:rPr>
+              <a:t>özel</a:t>
+            </a:r>
+            <a:r>
+              <a:rPr lang="en-US" altLang="tr-TR" sz="1800" dirty="0">
+                <a:solidFill>
+                  <a:srgbClr val="262626"/>
+                </a:solidFill>
+              </a:rPr>
+              <a:t> </a:t>
+            </a:r>
+            <a:r>
+              <a:rPr lang="en-US" altLang="tr-TR" sz="1800" dirty="0" err="1">
+                <a:solidFill>
+                  <a:srgbClr val="262626"/>
+                </a:solidFill>
+              </a:rPr>
+              <a:t>işlem</a:t>
+            </a:r>
+            <a:r>
+              <a:rPr lang="en-US" altLang="tr-TR" sz="1800" dirty="0">
+                <a:solidFill>
+                  <a:srgbClr val="262626"/>
+                </a:solidFill>
+              </a:rPr>
+              <a:t> </a:t>
+            </a:r>
+            <a:r>
+              <a:rPr lang="en-US" altLang="tr-TR" sz="1800" dirty="0" err="1">
+                <a:solidFill>
+                  <a:srgbClr val="262626"/>
+                </a:solidFill>
+              </a:rPr>
+              <a:t>stratejilerini</a:t>
+            </a:r>
+            <a:r>
+              <a:rPr lang="en-US" altLang="tr-TR" sz="1800" dirty="0">
+                <a:solidFill>
+                  <a:srgbClr val="262626"/>
+                </a:solidFill>
+              </a:rPr>
+              <a:t> </a:t>
+            </a:r>
+            <a:r>
+              <a:rPr lang="en-US" altLang="tr-TR" sz="1800" dirty="0" err="1">
+                <a:solidFill>
+                  <a:srgbClr val="262626"/>
+                </a:solidFill>
+              </a:rPr>
+              <a:t>eklemeyi</a:t>
+            </a:r>
+            <a:r>
+              <a:rPr lang="en-US" altLang="tr-TR" sz="1800" dirty="0">
+                <a:solidFill>
+                  <a:srgbClr val="262626"/>
+                </a:solidFill>
+              </a:rPr>
+              <a:t> </a:t>
+            </a:r>
+            <a:r>
+              <a:rPr lang="en-US" altLang="tr-TR" sz="1800" dirty="0" err="1">
+                <a:solidFill>
+                  <a:srgbClr val="262626"/>
+                </a:solidFill>
+              </a:rPr>
+              <a:t>kolaylaştırır</a:t>
+            </a:r>
+            <a:r>
+              <a:rPr lang="en-US" altLang="tr-TR" sz="1800" dirty="0">
+                <a:solidFill>
+                  <a:srgbClr val="262626"/>
+                </a:solidFill>
+              </a:rPr>
+              <a:t>. Bu, </a:t>
+            </a:r>
+            <a:r>
+              <a:rPr lang="en-US" altLang="tr-TR" sz="1800" dirty="0" err="1">
+                <a:solidFill>
+                  <a:srgbClr val="262626"/>
+                </a:solidFill>
+              </a:rPr>
+              <a:t>gelecekteki</a:t>
+            </a:r>
+            <a:r>
+              <a:rPr lang="en-US" altLang="tr-TR" sz="1800" dirty="0">
+                <a:solidFill>
+                  <a:srgbClr val="262626"/>
+                </a:solidFill>
+              </a:rPr>
+              <a:t> </a:t>
+            </a:r>
+            <a:r>
+              <a:rPr lang="en-US" altLang="tr-TR" sz="1800" dirty="0" err="1">
+                <a:solidFill>
+                  <a:srgbClr val="262626"/>
+                </a:solidFill>
+              </a:rPr>
+              <a:t>değişikliklere</a:t>
+            </a:r>
+            <a:r>
+              <a:rPr lang="en-US" altLang="tr-TR" sz="1800" dirty="0">
+                <a:solidFill>
+                  <a:srgbClr val="262626"/>
+                </a:solidFill>
+              </a:rPr>
+              <a:t> </a:t>
+            </a:r>
+            <a:r>
+              <a:rPr lang="en-US" altLang="tr-TR" sz="1800" dirty="0" err="1">
+                <a:solidFill>
+                  <a:srgbClr val="262626"/>
+                </a:solidFill>
+              </a:rPr>
+              <a:t>ve</a:t>
+            </a:r>
+            <a:r>
+              <a:rPr lang="en-US" altLang="tr-TR" sz="1800" dirty="0">
+                <a:solidFill>
+                  <a:srgbClr val="262626"/>
+                </a:solidFill>
+              </a:rPr>
+              <a:t> </a:t>
+            </a:r>
+            <a:r>
+              <a:rPr lang="en-US" altLang="tr-TR" sz="1800" dirty="0" err="1">
+                <a:solidFill>
+                  <a:srgbClr val="262626"/>
+                </a:solidFill>
+              </a:rPr>
+              <a:t>ihtiyaçlara</a:t>
+            </a:r>
+            <a:r>
+              <a:rPr lang="en-US" altLang="tr-TR" sz="1800" dirty="0">
+                <a:solidFill>
+                  <a:srgbClr val="262626"/>
+                </a:solidFill>
+              </a:rPr>
+              <a:t> </a:t>
+            </a:r>
+            <a:r>
+              <a:rPr lang="en-US" altLang="tr-TR" sz="1800" dirty="0" err="1">
+                <a:solidFill>
+                  <a:srgbClr val="262626"/>
+                </a:solidFill>
+              </a:rPr>
+              <a:t>uyum</a:t>
+            </a:r>
+            <a:r>
+              <a:rPr lang="en-US" altLang="tr-TR" sz="1800" dirty="0">
+                <a:solidFill>
+                  <a:srgbClr val="262626"/>
+                </a:solidFill>
+              </a:rPr>
+              <a:t> </a:t>
+            </a:r>
+            <a:r>
+              <a:rPr lang="en-US" altLang="tr-TR" sz="1800" dirty="0" err="1">
+                <a:solidFill>
+                  <a:srgbClr val="262626"/>
+                </a:solidFill>
+              </a:rPr>
+              <a:t>sağlama</a:t>
+            </a:r>
+            <a:r>
+              <a:rPr lang="en-US" altLang="tr-TR" sz="1800" dirty="0">
+                <a:solidFill>
+                  <a:srgbClr val="262626"/>
+                </a:solidFill>
+              </a:rPr>
+              <a:t> </a:t>
+            </a:r>
+            <a:r>
+              <a:rPr lang="en-US" altLang="tr-TR" sz="1800" dirty="0" err="1">
+                <a:solidFill>
+                  <a:srgbClr val="262626"/>
+                </a:solidFill>
+              </a:rPr>
+              <a:t>yeteneğini</a:t>
+            </a:r>
+            <a:r>
+              <a:rPr lang="en-US" altLang="tr-TR" sz="1800" dirty="0">
+                <a:solidFill>
+                  <a:srgbClr val="262626"/>
+                </a:solidFill>
+              </a:rPr>
+              <a:t> </a:t>
+            </a:r>
+            <a:r>
+              <a:rPr lang="en-US" altLang="tr-TR" sz="1800" dirty="0" err="1">
+                <a:solidFill>
+                  <a:srgbClr val="262626"/>
+                </a:solidFill>
+              </a:rPr>
+              <a:t>artırır</a:t>
+            </a:r>
+            <a:r>
+              <a:rPr lang="en-US" altLang="tr-TR" sz="1800" dirty="0">
+                <a:solidFill>
+                  <a:srgbClr val="262626"/>
+                </a:solidFill>
+              </a:rPr>
+              <a:t>.</a:t>
+            </a:r>
+          </a:p>
+          <a:p>
+            <a:endParaRPr lang="en-US" altLang="tr-TR" sz="1800" dirty="0">
+              <a:solidFill>
+                <a:srgbClr val="262626"/>
+              </a:solidFill>
+            </a:endParaRPr>
+          </a:p>
+          <a:p>
+            <a:r>
+              <a:rPr lang="en-US" altLang="tr-TR" sz="1800" b="1" dirty="0">
+                <a:solidFill>
+                  <a:srgbClr val="262626"/>
+                </a:solidFill>
+              </a:rPr>
+              <a:t>Tek tip </a:t>
+            </a:r>
+            <a:r>
+              <a:rPr lang="en-US" altLang="tr-TR" sz="1800" b="1" dirty="0" err="1">
+                <a:solidFill>
+                  <a:srgbClr val="262626"/>
+                </a:solidFill>
+              </a:rPr>
+              <a:t>arayüz</a:t>
+            </a:r>
+            <a:r>
+              <a:rPr lang="en-US" altLang="tr-TR" sz="1800" b="1" dirty="0">
+                <a:solidFill>
+                  <a:srgbClr val="262626"/>
+                </a:solidFill>
+              </a:rPr>
+              <a:t>: </a:t>
+            </a:r>
+            <a:r>
+              <a:rPr lang="en-US" altLang="tr-TR" sz="1800" dirty="0" err="1">
+                <a:solidFill>
+                  <a:srgbClr val="262626"/>
+                </a:solidFill>
+              </a:rPr>
+              <a:t>İteratorlar</a:t>
+            </a:r>
+            <a:r>
+              <a:rPr lang="en-US" altLang="tr-TR" sz="1800" dirty="0">
+                <a:solidFill>
+                  <a:srgbClr val="262626"/>
+                </a:solidFill>
+              </a:rPr>
+              <a:t>, </a:t>
+            </a:r>
+            <a:r>
+              <a:rPr lang="en-US" altLang="tr-TR" sz="1800" dirty="0" err="1">
+                <a:solidFill>
+                  <a:srgbClr val="262626"/>
+                </a:solidFill>
+              </a:rPr>
+              <a:t>koleksiyonlar</a:t>
+            </a:r>
+            <a:r>
+              <a:rPr lang="en-US" altLang="tr-TR" sz="1800" dirty="0">
+                <a:solidFill>
+                  <a:srgbClr val="262626"/>
+                </a:solidFill>
+              </a:rPr>
+              <a:t> </a:t>
+            </a:r>
+            <a:r>
+              <a:rPr lang="en-US" altLang="tr-TR" sz="1800" dirty="0" err="1">
+                <a:solidFill>
+                  <a:srgbClr val="262626"/>
+                </a:solidFill>
+              </a:rPr>
+              <a:t>arasında</a:t>
+            </a:r>
+            <a:r>
+              <a:rPr lang="en-US" altLang="tr-TR" sz="1800" dirty="0">
+                <a:solidFill>
+                  <a:srgbClr val="262626"/>
+                </a:solidFill>
+              </a:rPr>
+              <a:t> </a:t>
+            </a:r>
+            <a:r>
+              <a:rPr lang="en-US" altLang="tr-TR" sz="1800" dirty="0" err="1">
+                <a:solidFill>
+                  <a:srgbClr val="262626"/>
+                </a:solidFill>
+              </a:rPr>
+              <a:t>tutarlı</a:t>
+            </a:r>
+            <a:r>
+              <a:rPr lang="en-US" altLang="tr-TR" sz="1800" dirty="0">
+                <a:solidFill>
+                  <a:srgbClr val="262626"/>
+                </a:solidFill>
+              </a:rPr>
+              <a:t> </a:t>
+            </a:r>
+            <a:r>
+              <a:rPr lang="en-US" altLang="tr-TR" sz="1800" dirty="0" err="1">
+                <a:solidFill>
+                  <a:srgbClr val="262626"/>
+                </a:solidFill>
+              </a:rPr>
+              <a:t>bir</a:t>
+            </a:r>
+            <a:r>
+              <a:rPr lang="en-US" altLang="tr-TR" sz="1800" dirty="0">
+                <a:solidFill>
+                  <a:srgbClr val="262626"/>
+                </a:solidFill>
+              </a:rPr>
+              <a:t> </a:t>
+            </a:r>
+            <a:r>
+              <a:rPr lang="en-US" altLang="tr-TR" sz="1800" dirty="0" err="1">
+                <a:solidFill>
+                  <a:srgbClr val="262626"/>
+                </a:solidFill>
+              </a:rPr>
+              <a:t>arayüz</a:t>
+            </a:r>
+            <a:r>
+              <a:rPr lang="en-US" altLang="tr-TR" sz="1800" dirty="0">
+                <a:solidFill>
+                  <a:srgbClr val="262626"/>
+                </a:solidFill>
+              </a:rPr>
+              <a:t> </a:t>
+            </a:r>
+            <a:r>
+              <a:rPr lang="en-US" altLang="tr-TR" sz="1800" dirty="0" err="1">
+                <a:solidFill>
+                  <a:srgbClr val="262626"/>
+                </a:solidFill>
+              </a:rPr>
+              <a:t>sağlar</a:t>
+            </a:r>
+            <a:r>
+              <a:rPr lang="en-US" altLang="tr-TR" sz="1800" dirty="0">
+                <a:solidFill>
+                  <a:srgbClr val="262626"/>
+                </a:solidFill>
+              </a:rPr>
+              <a:t>. Bu, </a:t>
+            </a:r>
+            <a:r>
+              <a:rPr lang="en-US" altLang="tr-TR" sz="1800" dirty="0" err="1">
+                <a:solidFill>
+                  <a:srgbClr val="262626"/>
+                </a:solidFill>
+              </a:rPr>
+              <a:t>kodun</a:t>
+            </a:r>
+            <a:r>
+              <a:rPr lang="en-US" altLang="tr-TR" sz="1800" dirty="0">
+                <a:solidFill>
+                  <a:srgbClr val="262626"/>
+                </a:solidFill>
+              </a:rPr>
+              <a:t> </a:t>
+            </a:r>
+            <a:r>
+              <a:rPr lang="en-US" altLang="tr-TR" sz="1800" dirty="0" err="1">
+                <a:solidFill>
+                  <a:srgbClr val="262626"/>
+                </a:solidFill>
+              </a:rPr>
+              <a:t>daha</a:t>
+            </a:r>
+            <a:r>
+              <a:rPr lang="en-US" altLang="tr-TR" sz="1800" dirty="0">
+                <a:solidFill>
+                  <a:srgbClr val="262626"/>
+                </a:solidFill>
+              </a:rPr>
+              <a:t> </a:t>
+            </a:r>
+            <a:r>
+              <a:rPr lang="en-US" altLang="tr-TR" sz="1800" dirty="0" err="1">
+                <a:solidFill>
+                  <a:srgbClr val="262626"/>
+                </a:solidFill>
+              </a:rPr>
+              <a:t>anlaşılır</a:t>
+            </a:r>
+            <a:r>
+              <a:rPr lang="en-US" altLang="tr-TR" sz="1800" dirty="0">
+                <a:solidFill>
+                  <a:srgbClr val="262626"/>
+                </a:solidFill>
+              </a:rPr>
+              <a:t> </a:t>
+            </a:r>
+            <a:r>
+              <a:rPr lang="en-US" altLang="tr-TR" sz="1800" dirty="0" err="1">
+                <a:solidFill>
+                  <a:srgbClr val="262626"/>
+                </a:solidFill>
+              </a:rPr>
+              <a:t>ve</a:t>
+            </a:r>
+            <a:r>
+              <a:rPr lang="en-US" altLang="tr-TR" sz="1800" dirty="0">
+                <a:solidFill>
+                  <a:srgbClr val="262626"/>
+                </a:solidFill>
+              </a:rPr>
+              <a:t> </a:t>
+            </a:r>
+            <a:r>
+              <a:rPr lang="en-US" altLang="tr-TR" sz="1800" dirty="0" err="1">
+                <a:solidFill>
+                  <a:srgbClr val="262626"/>
+                </a:solidFill>
+              </a:rPr>
+              <a:t>tutarlı</a:t>
+            </a:r>
+            <a:r>
+              <a:rPr lang="en-US" altLang="tr-TR" sz="1800" dirty="0">
+                <a:solidFill>
+                  <a:srgbClr val="262626"/>
+                </a:solidFill>
+              </a:rPr>
+              <a:t> </a:t>
+            </a:r>
+            <a:r>
+              <a:rPr lang="en-US" altLang="tr-TR" sz="1800" dirty="0" err="1">
+                <a:solidFill>
+                  <a:srgbClr val="262626"/>
+                </a:solidFill>
+              </a:rPr>
+              <a:t>olmasına</a:t>
+            </a:r>
+            <a:r>
+              <a:rPr lang="en-US" altLang="tr-TR" sz="1800" dirty="0">
+                <a:solidFill>
+                  <a:srgbClr val="262626"/>
+                </a:solidFill>
+              </a:rPr>
+              <a:t> </a:t>
+            </a:r>
+            <a:r>
+              <a:rPr lang="en-US" altLang="tr-TR" sz="1800" dirty="0" err="1">
+                <a:solidFill>
+                  <a:srgbClr val="262626"/>
+                </a:solidFill>
+              </a:rPr>
+              <a:t>yardımcı</a:t>
+            </a:r>
+            <a:r>
+              <a:rPr lang="en-US" altLang="tr-TR" sz="1800" dirty="0">
+                <a:solidFill>
+                  <a:srgbClr val="262626"/>
+                </a:solidFill>
+              </a:rPr>
+              <a:t> </a:t>
+            </a:r>
+            <a:r>
+              <a:rPr lang="en-US" altLang="tr-TR" sz="1800" dirty="0" err="1">
+                <a:solidFill>
+                  <a:srgbClr val="262626"/>
+                </a:solidFill>
+              </a:rPr>
+              <a:t>olur</a:t>
+            </a:r>
+            <a:r>
+              <a:rPr lang="en-US" altLang="tr-TR" sz="1800" dirty="0">
+                <a:solidFill>
+                  <a:srgbClr val="262626"/>
+                </a:solidFill>
+              </a:rPr>
+              <a:t> </a:t>
+            </a:r>
+            <a:r>
+              <a:rPr lang="en-US" altLang="tr-TR" sz="1800" dirty="0" err="1">
+                <a:solidFill>
+                  <a:srgbClr val="262626"/>
+                </a:solidFill>
+              </a:rPr>
+              <a:t>ve</a:t>
+            </a:r>
+            <a:r>
+              <a:rPr lang="en-US" altLang="tr-TR" sz="1800" dirty="0">
+                <a:solidFill>
+                  <a:srgbClr val="262626"/>
+                </a:solidFill>
+              </a:rPr>
+              <a:t> </a:t>
+            </a:r>
+            <a:r>
+              <a:rPr lang="en-US" altLang="tr-TR" sz="1800" dirty="0" err="1">
+                <a:solidFill>
+                  <a:srgbClr val="262626"/>
+                </a:solidFill>
+              </a:rPr>
+              <a:t>farklı</a:t>
+            </a:r>
+            <a:r>
+              <a:rPr lang="en-US" altLang="tr-TR" sz="1800" dirty="0">
+                <a:solidFill>
+                  <a:srgbClr val="262626"/>
+                </a:solidFill>
+              </a:rPr>
+              <a:t> </a:t>
+            </a:r>
+            <a:r>
+              <a:rPr lang="en-US" altLang="tr-TR" sz="1800" dirty="0" err="1">
+                <a:solidFill>
+                  <a:srgbClr val="262626"/>
+                </a:solidFill>
+              </a:rPr>
+              <a:t>koleksiyon</a:t>
+            </a:r>
+            <a:r>
+              <a:rPr lang="en-US" altLang="tr-TR" sz="1800" dirty="0">
+                <a:solidFill>
+                  <a:srgbClr val="262626"/>
+                </a:solidFill>
+              </a:rPr>
+              <a:t> </a:t>
+            </a:r>
+            <a:r>
+              <a:rPr lang="en-US" altLang="tr-TR" sz="1800" dirty="0" err="1">
+                <a:solidFill>
+                  <a:srgbClr val="262626"/>
+                </a:solidFill>
+              </a:rPr>
+              <a:t>türleriyle</a:t>
+            </a:r>
+            <a:r>
+              <a:rPr lang="en-US" altLang="tr-TR" sz="1800" dirty="0">
+                <a:solidFill>
+                  <a:srgbClr val="262626"/>
+                </a:solidFill>
+              </a:rPr>
+              <a:t> </a:t>
+            </a:r>
+            <a:r>
+              <a:rPr lang="en-US" altLang="tr-TR" sz="1800" dirty="0" err="1">
+                <a:solidFill>
+                  <a:srgbClr val="262626"/>
+                </a:solidFill>
+              </a:rPr>
+              <a:t>çalışırken</a:t>
+            </a:r>
+            <a:r>
+              <a:rPr lang="en-US" altLang="tr-TR" sz="1800" dirty="0">
+                <a:solidFill>
+                  <a:srgbClr val="262626"/>
+                </a:solidFill>
+              </a:rPr>
+              <a:t> </a:t>
+            </a:r>
+            <a:r>
+              <a:rPr lang="en-US" altLang="tr-TR" sz="1800" dirty="0" err="1">
+                <a:solidFill>
+                  <a:srgbClr val="262626"/>
+                </a:solidFill>
+              </a:rPr>
+              <a:t>işleri</a:t>
+            </a:r>
+            <a:r>
+              <a:rPr lang="en-US" altLang="tr-TR" sz="1800" dirty="0">
+                <a:solidFill>
+                  <a:srgbClr val="262626"/>
+                </a:solidFill>
+              </a:rPr>
+              <a:t> </a:t>
+            </a:r>
+            <a:r>
+              <a:rPr lang="en-US" altLang="tr-TR" sz="1800" dirty="0" err="1">
+                <a:solidFill>
+                  <a:srgbClr val="262626"/>
+                </a:solidFill>
+              </a:rPr>
+              <a:t>kolaylaştırır</a:t>
+            </a:r>
+            <a:r>
+              <a:rPr lang="en-US" altLang="tr-TR" sz="1800" dirty="0">
+                <a:solidFill>
+                  <a:srgbClr val="262626"/>
+                </a:solidFill>
+              </a:rPr>
+              <a:t>.</a:t>
+            </a:r>
+            <a:endParaRPr lang="en-US" sz="1200" dirty="0"/>
           </a:p>
         </p:txBody>
       </p:sp>
@@ -19408,99 +20216,10 @@
           </a:p>
         </p:txBody>
       </p:sp>
-      <p:sp>
-        <p:nvSpPr>
-          <p:cNvPr id="2" name="Google Shape;109;g1bee7652cdd_1_4">
-            <a:extLst>
-              <a:ext uri="{FF2B5EF4-FFF2-40B4-BE49-F238E27FC236}">
-                <a16:creationId xmlns:a16="http://schemas.microsoft.com/office/drawing/2014/main" id="{10494054-2932-156E-AEBD-34EC5468F814}"/>
-              </a:ext>
-            </a:extLst>
-          </p:cNvPr>
-          <p:cNvSpPr txBox="1">
-            <a:spLocks noGrp="1"/>
-          </p:cNvSpPr>
-          <p:nvPr>
-            <p:ph type="body" idx="1"/>
-          </p:nvPr>
-        </p:nvSpPr>
-        <p:spPr>
-          <a:xfrm>
-            <a:off x="1015730" y="1347433"/>
-            <a:ext cx="4788722" cy="4163134"/>
-          </a:xfrm>
-          <a:prstGeom prst="rect">
-            <a:avLst/>
-          </a:prstGeom>
-          <a:noFill/>
-          <a:ln>
-            <a:noFill/>
-          </a:ln>
-        </p:spPr>
-        <p:txBody>
-          <a:bodyPr spcFirstLastPara="1" wrap="square" lIns="91425" tIns="45700" rIns="91425" bIns="45700" anchor="ctr" anchorCtr="0">
-            <a:normAutofit/>
-          </a:bodyPr>
-          <a:lstStyle/>
-          <a:p>
-            <a:pPr lvl="0" algn="just" rtl="0">
-              <a:lnSpc>
-                <a:spcPct val="100000"/>
-              </a:lnSpc>
-              <a:spcBef>
-                <a:spcPts val="600"/>
-              </a:spcBef>
-              <a:spcAft>
-                <a:spcPts val="0"/>
-              </a:spcAft>
-              <a:buClr>
-                <a:srgbClr val="000000"/>
-              </a:buClr>
-              <a:buSzPts val="1800"/>
-              <a:buFont typeface="Wingdings" panose="05000000000000000000" pitchFamily="2" charset="2"/>
-              <a:buChar char="ü"/>
-            </a:pPr>
-            <a:r>
-              <a:rPr lang="tr-TR" sz="1900" dirty="0"/>
-              <a:t>Iterator deseninin ana fikri bir koleksiyonun dolaşımla ilgili davranışlarını alıp iterator denen ayrı bir objeye yüklemektir.</a:t>
-            </a:r>
-          </a:p>
-        </p:txBody>
-      </p:sp>
-      <p:pic>
-        <p:nvPicPr>
-          <p:cNvPr id="6" name="Picture 5">
-            <a:extLst>
-              <a:ext uri="{FF2B5EF4-FFF2-40B4-BE49-F238E27FC236}">
-                <a16:creationId xmlns:a16="http://schemas.microsoft.com/office/drawing/2014/main" id="{19E783BD-3B14-C416-9447-664AEB9C20BC}"/>
-              </a:ext>
-            </a:extLst>
-          </p:cNvPr>
-          <p:cNvPicPr>
-            <a:picLocks noChangeAspect="1"/>
-          </p:cNvPicPr>
-          <p:nvPr/>
-        </p:nvPicPr>
-        <p:blipFill>
-          <a:blip r:embed="rId4"/>
-          <a:stretch>
-            <a:fillRect/>
-          </a:stretch>
-        </p:blipFill>
-        <p:spPr>
-          <a:xfrm>
-            <a:off x="6530541" y="1131978"/>
-            <a:ext cx="4097169" cy="4937436"/>
-          </a:xfrm>
-          <a:prstGeom prst="rect">
-            <a:avLst/>
-          </a:prstGeom>
-        </p:spPr>
-      </p:pic>
     </p:spTree>
     <p:extLst>
       <p:ext uri="{BB962C8B-B14F-4D97-AF65-F5344CB8AC3E}">
-        <p14:creationId xmlns:p14="http://schemas.microsoft.com/office/powerpoint/2010/main" val="1931490802"/>
+        <p14:creationId xmlns:p14="http://schemas.microsoft.com/office/powerpoint/2010/main" val="3105262882"/>
       </p:ext>
     </p:extLst>
   </p:cSld>
@@ -19575,7 +20294,7 @@
             </a:pPr>
             <a:r>
               <a:rPr lang="tr-TR" dirty="0"/>
-              <a:t>AVANTAJLAR</a:t>
+              <a:t>DEZAVANTAJLAR</a:t>
             </a:r>
             <a:endParaRPr dirty="0"/>
           </a:p>
@@ -19593,8 +20312,8 @@
         </p:nvSpPr>
         <p:spPr>
           <a:xfrm>
-            <a:off x="838200" y="1619125"/>
-            <a:ext cx="7359300" cy="4873800"/>
+            <a:off x="838200" y="1348033"/>
+            <a:ext cx="7772400" cy="5144892"/>
           </a:xfrm>
           <a:prstGeom prst="rect">
             <a:avLst/>
@@ -19606,17 +20325,35 @@
         </p:spPr>
         <p:txBody>
           <a:bodyPr spcFirstLastPara="1" wrap="square" lIns="91425" tIns="45700" rIns="91425" bIns="45700" anchor="ctr" anchorCtr="0">
-            <a:normAutofit lnSpcReduction="10000"/>
+            <a:normAutofit/>
           </a:bodyPr>
           <a:lstStyle/>
           <a:p>
+            <a:pPr marL="114300" indent="0">
+              <a:buNone/>
+            </a:pPr>
+            <a:endParaRPr lang="en-US" altLang="tr-TR" sz="1800" dirty="0">
+              <a:solidFill>
+                <a:srgbClr val="262626"/>
+              </a:solidFill>
+            </a:endParaRPr>
+          </a:p>
+          <a:p>
+            <a:r>
+              <a:rPr lang="en-US" altLang="tr-TR" sz="1800" b="1" dirty="0">
+                <a:solidFill>
+                  <a:srgbClr val="262626"/>
+                </a:solidFill>
+              </a:rPr>
+              <a:t>Ek </a:t>
+            </a:r>
             <a:r>
               <a:rPr lang="en-US" altLang="tr-TR" sz="1800" b="1" dirty="0" err="1">
                 <a:solidFill>
                   <a:srgbClr val="262626"/>
                 </a:solidFill>
               </a:rPr>
-              <a:t>Soyutlama</a:t>
+              <a:t>kod</a:t>
             </a:r>
             <a:r>
               <a:rPr lang="en-US" altLang="tr-TR" sz="1800" b="1" dirty="0">
@@ -19624,6 +20361,22 @@
                   <a:srgbClr val="262626"/>
                 </a:solidFill>
               </a:rPr>
+              <a:t> </a:t>
+            </a:r>
+            <a:r>
+              <a:rPr lang="en-US" altLang="tr-TR" sz="1800" b="1" dirty="0" err="1">
+                <a:solidFill>
+                  <a:srgbClr val="262626"/>
+                </a:solidFill>
+              </a:rPr>
+              <a:t>karmaşıklığı</a:t>
+            </a:r>
+            <a:r>
+              <a:rPr lang="en-US" altLang="tr-TR" sz="1800" b="1" dirty="0">
+                <a:solidFill>
+                  <a:srgbClr val="262626"/>
+                </a:solidFill>
+              </a:rPr>
               <a:t>: </a:t>
             </a:r>
             <a:r>
@@ -19648,6 +20401,70 @@
                   <a:srgbClr val="262626"/>
                 </a:solidFill>
               </a:rPr>
+              <a:t>, ek </a:t>
+            </a:r>
+            <a:r>
+              <a:rPr lang="en-US" altLang="tr-TR" sz="1800" dirty="0" err="1">
+                <a:solidFill>
+                  <a:srgbClr val="262626"/>
+                </a:solidFill>
+              </a:rPr>
+              <a:t>sınıflar</a:t>
+            </a:r>
+            <a:r>
+              <a:rPr lang="en-US" altLang="tr-TR" sz="1800" dirty="0">
+                <a:solidFill>
+                  <a:srgbClr val="262626"/>
+                </a:solidFill>
+              </a:rPr>
+              <a:t> </a:t>
+            </a:r>
+            <a:r>
+              <a:rPr lang="en-US" altLang="tr-TR" sz="1800" dirty="0" err="1">
+                <a:solidFill>
+                  <a:srgbClr val="262626"/>
+                </a:solidFill>
+              </a:rPr>
+              <a:t>ve</a:t>
+            </a:r>
+            <a:r>
+              <a:rPr lang="en-US" altLang="tr-TR" sz="1800" dirty="0">
+                <a:solidFill>
+                  <a:srgbClr val="262626"/>
+                </a:solidFill>
+              </a:rPr>
+              <a:t> </a:t>
+            </a:r>
+            <a:r>
+              <a:rPr lang="en-US" altLang="tr-TR" sz="1800" dirty="0" err="1">
+                <a:solidFill>
+                  <a:srgbClr val="262626"/>
+                </a:solidFill>
+              </a:rPr>
+              <a:t>arayüzler</a:t>
+            </a:r>
+            <a:r>
+              <a:rPr lang="en-US" altLang="tr-TR" sz="1800" dirty="0">
+                <a:solidFill>
+                  <a:srgbClr val="262626"/>
+                </a:solidFill>
+              </a:rPr>
+              <a:t> </a:t>
+            </a:r>
+            <a:r>
+              <a:rPr lang="en-US" altLang="tr-TR" sz="1800" dirty="0" err="1">
+                <a:solidFill>
+                  <a:srgbClr val="262626"/>
+                </a:solidFill>
+              </a:rPr>
+              <a:t>gerektirir</a:t>
+            </a:r>
+            <a:r>
+              <a:rPr lang="en-US" altLang="tr-TR" sz="1800" dirty="0">
+                <a:solidFill>
+                  <a:srgbClr val="262626"/>
+                </a:solidFill>
+              </a:rPr>
               <a:t>, </a:t>
             </a:r>
             <a:r>
@@ -19656,7 +20473,7 @@
                   <a:srgbClr val="262626"/>
                 </a:solidFill>
               </a:rPr>
-              <a:t>koleksiyonlar</a:t>
+              <a:t>bu</a:t>
             </a:r>
             <a:r>
               <a:rPr lang="en-US" altLang="tr-TR" sz="1800" dirty="0">
@@ -19664,6 +20481,22 @@
                   <a:srgbClr val="262626"/>
                 </a:solidFill>
               </a:rPr>
+              <a:t> da </a:t>
+            </a:r>
+            <a:r>
+              <a:rPr lang="en-US" altLang="tr-TR" sz="1800" dirty="0" err="1">
+                <a:solidFill>
+                  <a:srgbClr val="262626"/>
+                </a:solidFill>
+              </a:rPr>
+              <a:t>kodun</a:t>
+            </a:r>
+            <a:r>
+              <a:rPr lang="en-US" altLang="tr-TR" sz="1800" dirty="0">
+                <a:solidFill>
+                  <a:srgbClr val="262626"/>
+                </a:solidFill>
+              </a:rPr>
               <a:t> </a:t>
             </a:r>
             <a:r>
@@ -19672,7 +20505,7 @@
                   <a:srgbClr val="262626"/>
                 </a:solidFill>
               </a:rPr>
-              <a:t>üzerindeki</a:t>
+              <a:t>karmaşıklığını</a:t>
             </a:r>
             <a:r>
               <a:rPr lang="en-US" altLang="tr-TR" sz="1800" dirty="0">
@@ -19688,7 +20521,7 @@
                   <a:srgbClr val="262626"/>
                 </a:solidFill>
               </a:rPr>
-              <a:t>işlemleri</a:t>
+              <a:t>ve</a:t>
             </a:r>
             <a:r>
               <a:rPr lang="en-US" altLang="tr-TR" sz="1800" dirty="0">
@@ -19704,7 +20537,7 @@
                   <a:srgbClr val="262626"/>
                 </a:solidFill>
               </a:rPr>
-              <a:t>soyutlar</a:t>
+              <a:t>boyutunu</a:t>
             </a:r>
             <a:r>
               <a:rPr lang="en-US" altLang="tr-TR" sz="1800" dirty="0">
@@ -19720,327 +20553,7 @@
                   <a:srgbClr val="262626"/>
                 </a:solidFill>
               </a:rPr>
-              <a:t>ve</a:t>
-            </a:r>
-            <a:r>
-              <a:rPr lang="en-US" altLang="tr-TR" sz="1800" dirty="0">
-                <a:solidFill>
-                  <a:srgbClr val="262626"/>
-                </a:solidFill>
-              </a:rPr>
-              <a:t> </a:t>
-            </a:r>
-            <a:r>
-              <a:rPr lang="en-US" altLang="tr-TR" sz="1800" dirty="0" err="1">
-                <a:solidFill>
-                  <a:srgbClr val="262626"/>
-                </a:solidFill>
-              </a:rPr>
-              <a:t>istemci</a:t>
-            </a:r>
-            <a:r>
-              <a:rPr lang="en-US" altLang="tr-TR" sz="1800" dirty="0">
-                <a:solidFill>
-                  <a:srgbClr val="262626"/>
-                </a:solidFill>
-              </a:rPr>
-              <a:t> </a:t>
-            </a:r>
-            <a:r>
-              <a:rPr lang="en-US" altLang="tr-TR" sz="1800" dirty="0" err="1">
-                <a:solidFill>
-                  <a:srgbClr val="262626"/>
-                </a:solidFill>
-              </a:rPr>
-              <a:t>kodunun</a:t>
-            </a:r>
-            <a:r>
-              <a:rPr lang="en-US" altLang="tr-TR" sz="1800" dirty="0">
-                <a:solidFill>
-                  <a:srgbClr val="262626"/>
-                </a:solidFill>
-              </a:rPr>
-              <a:t> </a:t>
-            </a:r>
-            <a:r>
-              <a:rPr lang="en-US" altLang="tr-TR" sz="1800" dirty="0" err="1">
-                <a:solidFill>
-                  <a:srgbClr val="262626"/>
-                </a:solidFill>
-              </a:rPr>
-              <a:t>koleksiyonun</a:t>
-            </a:r>
-            <a:r>
-              <a:rPr lang="en-US" altLang="tr-TR" sz="1800" dirty="0">
-                <a:solidFill>
-                  <a:srgbClr val="262626"/>
-                </a:solidFill>
-              </a:rPr>
-              <a:t> </a:t>
-            </a:r>
-            <a:r>
-              <a:rPr lang="en-US" altLang="tr-TR" sz="1800" dirty="0" err="1">
-                <a:solidFill>
-                  <a:srgbClr val="262626"/>
-                </a:solidFill>
-              </a:rPr>
-              <a:t>iç</a:t>
-            </a:r>
-            <a:r>
-              <a:rPr lang="en-US" altLang="tr-TR" sz="1800" dirty="0">
-                <a:solidFill>
-                  <a:srgbClr val="262626"/>
-                </a:solidFill>
-              </a:rPr>
-              <a:t> </a:t>
-            </a:r>
-            <a:r>
-              <a:rPr lang="en-US" altLang="tr-TR" sz="1800" dirty="0" err="1">
-                <a:solidFill>
-                  <a:srgbClr val="262626"/>
-                </a:solidFill>
-              </a:rPr>
-              <a:t>yapısından</a:t>
-            </a:r>
-            <a:r>
-              <a:rPr lang="en-US" altLang="tr-TR" sz="1800" dirty="0">
-                <a:solidFill>
-                  <a:srgbClr val="262626"/>
-                </a:solidFill>
-              </a:rPr>
-              <a:t> </a:t>
-            </a:r>
-            <a:r>
-              <a:rPr lang="en-US" altLang="tr-TR" sz="1800" dirty="0" err="1">
-                <a:solidFill>
-                  <a:srgbClr val="262626"/>
-                </a:solidFill>
-              </a:rPr>
-              <a:t>bağımsız</a:t>
-            </a:r>
-            <a:r>
-              <a:rPr lang="en-US" altLang="tr-TR" sz="1800" dirty="0">
-                <a:solidFill>
-                  <a:srgbClr val="262626"/>
-                </a:solidFill>
-              </a:rPr>
-              <a:t> </a:t>
-            </a:r>
-            <a:r>
-              <a:rPr lang="en-US" altLang="tr-TR" sz="1800" dirty="0" err="1">
-                <a:solidFill>
-                  <a:srgbClr val="262626"/>
-                </a:solidFill>
-              </a:rPr>
-              <a:t>olarak</a:t>
-            </a:r>
-            <a:r>
-              <a:rPr lang="en-US" altLang="tr-TR" sz="1800" dirty="0">
-                <a:solidFill>
-                  <a:srgbClr val="262626"/>
-                </a:solidFill>
-              </a:rPr>
-              <a:t> </a:t>
-            </a:r>
-            <a:r>
-              <a:rPr lang="en-US" altLang="tr-TR" sz="1800" dirty="0" err="1">
-                <a:solidFill>
-                  <a:srgbClr val="262626"/>
-                </a:solidFill>
-              </a:rPr>
-              <a:t>gezinmesine</a:t>
-            </a:r>
-            <a:r>
-              <a:rPr lang="en-US" altLang="tr-TR" sz="1800" dirty="0">
-                <a:solidFill>
-                  <a:srgbClr val="262626"/>
-                </a:solidFill>
-              </a:rPr>
-              <a:t> </a:t>
-            </a:r>
-            <a:r>
-              <a:rPr lang="en-US" altLang="tr-TR" sz="1800" dirty="0" err="1">
-                <a:solidFill>
-                  <a:srgbClr val="262626"/>
-                </a:solidFill>
-              </a:rPr>
-              <a:t>olanak</a:t>
-            </a:r>
-            <a:r>
-              <a:rPr lang="en-US" altLang="tr-TR" sz="1800" dirty="0">
-                <a:solidFill>
-                  <a:srgbClr val="262626"/>
-                </a:solidFill>
-              </a:rPr>
-              <a:t> </a:t>
-            </a:r>
-            <a:r>
-              <a:rPr lang="en-US" altLang="tr-TR" sz="1800" dirty="0" err="1">
-                <a:solidFill>
-                  <a:srgbClr val="262626"/>
-                </a:solidFill>
-              </a:rPr>
-              <a:t>tanır</a:t>
-            </a:r>
-            <a:r>
-              <a:rPr lang="en-US" altLang="tr-TR" sz="1800" dirty="0">
-                <a:solidFill>
-                  <a:srgbClr val="262626"/>
-                </a:solidFill>
-              </a:rPr>
-              <a:t>. Bu, </a:t>
-            </a:r>
-            <a:r>
-              <a:rPr lang="en-US" altLang="tr-TR" sz="1800" dirty="0" err="1">
-                <a:solidFill>
-                  <a:srgbClr val="262626"/>
-                </a:solidFill>
-              </a:rPr>
-              <a:t>kodun</a:t>
-            </a:r>
-            <a:r>
-              <a:rPr lang="en-US" altLang="tr-TR" sz="1800" dirty="0">
-                <a:solidFill>
-                  <a:srgbClr val="262626"/>
-                </a:solidFill>
-              </a:rPr>
-              <a:t> </a:t>
-            </a:r>
-            <a:r>
-              <a:rPr lang="en-US" altLang="tr-TR" sz="1800" dirty="0" err="1">
-                <a:solidFill>
-                  <a:srgbClr val="262626"/>
-                </a:solidFill>
-              </a:rPr>
-              <a:t>daha</a:t>
-            </a:r>
-            <a:r>
-              <a:rPr lang="en-US" altLang="tr-TR" sz="1800" dirty="0">
-                <a:solidFill>
-                  <a:srgbClr val="262626"/>
-                </a:solidFill>
-              </a:rPr>
-              <a:t> </a:t>
-            </a:r>
-            <a:r>
-              <a:rPr lang="en-US" altLang="tr-TR" sz="1800" dirty="0" err="1">
-                <a:solidFill>
-                  <a:srgbClr val="262626"/>
-                </a:solidFill>
-              </a:rPr>
-              <a:t>temiz</a:t>
-            </a:r>
-            <a:r>
-              <a:rPr lang="en-US" altLang="tr-TR" sz="1800" dirty="0">
-                <a:solidFill>
-                  <a:srgbClr val="262626"/>
-                </a:solidFill>
-              </a:rPr>
-              <a:t> </a:t>
-            </a:r>
-            <a:r>
-              <a:rPr lang="en-US" altLang="tr-TR" sz="1800" dirty="0" err="1">
-                <a:solidFill>
-                  <a:srgbClr val="262626"/>
-                </a:solidFill>
-              </a:rPr>
-              <a:t>ve</a:t>
-            </a:r>
-            <a:r>
-              <a:rPr lang="en-US" altLang="tr-TR" sz="1800" dirty="0">
-                <a:solidFill>
-                  <a:srgbClr val="262626"/>
-                </a:solidFill>
-              </a:rPr>
-              <a:t> </a:t>
-            </a:r>
-            <a:r>
-              <a:rPr lang="en-US" altLang="tr-TR" sz="1800" dirty="0" err="1">
-                <a:solidFill>
-                  <a:srgbClr val="262626"/>
-                </a:solidFill>
-              </a:rPr>
-              <a:t>bakımı</a:t>
-            </a:r>
-            <a:r>
-              <a:rPr lang="en-US" altLang="tr-TR" sz="1800" dirty="0">
-                <a:solidFill>
-                  <a:srgbClr val="262626"/>
-                </a:solidFill>
-              </a:rPr>
-              <a:t> </a:t>
-            </a:r>
-            <a:r>
-              <a:rPr lang="en-US" altLang="tr-TR" sz="1800" dirty="0" err="1">
-                <a:solidFill>
-                  <a:srgbClr val="262626"/>
-                </a:solidFill>
-              </a:rPr>
-              <a:t>daha</a:t>
-            </a:r>
-            <a:r>
-              <a:rPr lang="en-US" altLang="tr-TR" sz="1800" dirty="0">
-                <a:solidFill>
-                  <a:srgbClr val="262626"/>
-                </a:solidFill>
-              </a:rPr>
-              <a:t> </a:t>
-            </a:r>
-            <a:r>
-              <a:rPr lang="en-US" altLang="tr-TR" sz="1800" dirty="0" err="1">
-                <a:solidFill>
-                  <a:srgbClr val="262626"/>
-                </a:solidFill>
-              </a:rPr>
-              <a:t>kolay</a:t>
-            </a:r>
-            <a:r>
-              <a:rPr lang="en-US" altLang="tr-TR" sz="1800" dirty="0">
-                <a:solidFill>
-                  <a:srgbClr val="262626"/>
-                </a:solidFill>
-              </a:rPr>
-              <a:t> hale </a:t>
-            </a:r>
-            <a:r>
-              <a:rPr lang="en-US" altLang="tr-TR" sz="1800" dirty="0" err="1">
-                <a:solidFill>
-                  <a:srgbClr val="262626"/>
-                </a:solidFill>
-              </a:rPr>
-              <a:t>gelmesine</a:t>
-            </a:r>
-            <a:r>
-              <a:rPr lang="en-US" altLang="tr-TR" sz="1800" dirty="0">
-                <a:solidFill>
-                  <a:srgbClr val="262626"/>
-                </a:solidFill>
-              </a:rPr>
-              <a:t> </a:t>
-            </a:r>
-            <a:r>
-              <a:rPr lang="en-US" altLang="tr-TR" sz="1800" dirty="0" err="1">
-                <a:solidFill>
-                  <a:srgbClr val="262626"/>
-                </a:solidFill>
-              </a:rPr>
-              <a:t>yardımcı</a:t>
-            </a:r>
-            <a:r>
-              <a:rPr lang="en-US" altLang="tr-TR" sz="1800" dirty="0">
-                <a:solidFill>
-                  <a:srgbClr val="262626"/>
-                </a:solidFill>
-              </a:rPr>
-              <a:t> </a:t>
-            </a:r>
-            <a:r>
-              <a:rPr lang="en-US" altLang="tr-TR" sz="1800" dirty="0" err="1">
-                <a:solidFill>
-                  <a:srgbClr val="262626"/>
-                </a:solidFill>
-              </a:rPr>
-              <a:t>olur</a:t>
+              <a:t>artırabilir</a:t>
             </a:r>
             <a:r>
               <a:rPr lang="en-US" altLang="tr-TR" sz="1800" dirty="0">
@@ -20065,7 +20578,7 @@
                   <a:srgbClr val="262626"/>
                 </a:solidFill>
               </a:rPr>
-              <a:t>Esneklik</a:t>
+              <a:t>Performans</a:t>
             </a:r>
             <a:r>
               <a:rPr lang="en-US" altLang="tr-TR" sz="1800" b="1" dirty="0">
@@ -20097,7 +20610,7 @@
                   <a:srgbClr val="262626"/>
                 </a:solidFill>
               </a:rPr>
-              <a:t>farklı</a:t>
+              <a:t>bazı</a:t>
             </a:r>
             <a:r>
               <a:rPr lang="en-US" altLang="tr-TR" sz="1800" dirty="0">
@@ -20113,6 +20626,38 @@
                   <a:srgbClr val="262626"/>
                 </a:solidFill>
               </a:rPr>
+              <a:t>durumlarda</a:t>
+            </a:r>
+            <a:r>
+              <a:rPr lang="en-US" altLang="tr-TR" sz="1800" dirty="0">
+                <a:solidFill>
+                  <a:srgbClr val="262626"/>
+                </a:solidFill>
+              </a:rPr>
+              <a:t> </a:t>
+            </a:r>
+            <a:r>
+              <a:rPr lang="en-US" altLang="tr-TR" sz="1800" dirty="0" err="1">
+                <a:solidFill>
+                  <a:srgbClr val="262626"/>
+                </a:solidFill>
+              </a:rPr>
+              <a:t>doğrudan</a:t>
+            </a:r>
+            <a:r>
+              <a:rPr lang="en-US" altLang="tr-TR" sz="1800" dirty="0">
+                <a:solidFill>
+                  <a:srgbClr val="262626"/>
+                </a:solidFill>
+              </a:rPr>
+              <a:t> </a:t>
+            </a:r>
+            <a:r>
+              <a:rPr lang="en-US" altLang="tr-TR" sz="1800" dirty="0" err="1">
+                <a:solidFill>
+                  <a:srgbClr val="262626"/>
+                </a:solidFill>
+              </a:rPr>
               <a:t>koleksiyon</a:t>
             </a:r>
             <a:r>
@@ -20129,7 +20674,7 @@
                   <a:srgbClr val="262626"/>
                 </a:solidFill>
               </a:rPr>
-              <a:t>türleri</a:t>
+              <a:t>üzerinde</a:t>
             </a:r>
             <a:r>
               <a:rPr lang="en-US" altLang="tr-TR" sz="1800" dirty="0">
@@ -20145,7 +20690,7 @@
                   <a:srgbClr val="262626"/>
                 </a:solidFill>
               </a:rPr>
-              <a:t>için</a:t>
+              <a:t>işlem</a:t>
             </a:r>
             <a:r>
               <a:rPr lang="en-US" altLang="tr-TR" sz="1800" dirty="0">
@@ -20161,7 +20706,7 @@
                   <a:srgbClr val="262626"/>
                 </a:solidFill>
               </a:rPr>
-              <a:t>farklı</a:t>
+              <a:t>yapmaktan</a:t>
             </a:r>
             <a:r>
               <a:rPr lang="en-US" altLang="tr-TR" sz="1800" dirty="0">
@@ -20177,7 +20722,7 @@
                   <a:srgbClr val="262626"/>
                 </a:solidFill>
               </a:rPr>
-              <a:t>gezinme</a:t>
+              <a:t>daha</a:t>
             </a:r>
             <a:r>
               <a:rPr lang="en-US" altLang="tr-TR" sz="1800" dirty="0">
@@ -20193,6 +20738,118 @@
                   <a:srgbClr val="262626"/>
                 </a:solidFill>
               </a:rPr>
+              <a:t>yavaş</a:t>
+            </a:r>
+            <a:r>
+              <a:rPr lang="en-US" altLang="tr-TR" sz="1800" dirty="0">
+                <a:solidFill>
+                  <a:srgbClr val="262626"/>
+                </a:solidFill>
+              </a:rPr>
+              <a:t> </a:t>
+            </a:r>
+            <a:r>
+              <a:rPr lang="en-US" altLang="tr-TR" sz="1800" dirty="0" err="1">
+                <a:solidFill>
+                  <a:srgbClr val="262626"/>
+                </a:solidFill>
+              </a:rPr>
+              <a:t>olabilir</a:t>
+            </a:r>
+            <a:r>
+              <a:rPr lang="en-US" altLang="tr-TR" sz="1800" dirty="0">
+                <a:solidFill>
+                  <a:srgbClr val="262626"/>
+                </a:solidFill>
+              </a:rPr>
+              <a:t>. </a:t>
+            </a:r>
+            <a:r>
+              <a:rPr lang="en-US" altLang="tr-TR" sz="1800" dirty="0" err="1">
+                <a:solidFill>
+                  <a:srgbClr val="262626"/>
+                </a:solidFill>
+              </a:rPr>
+              <a:t>Bununla</a:t>
+            </a:r>
+            <a:r>
+              <a:rPr lang="en-US" altLang="tr-TR" sz="1800" dirty="0">
+                <a:solidFill>
+                  <a:srgbClr val="262626"/>
+                </a:solidFill>
+              </a:rPr>
+              <a:t> </a:t>
+            </a:r>
+            <a:r>
+              <a:rPr lang="en-US" altLang="tr-TR" sz="1800" dirty="0" err="1">
+                <a:solidFill>
+                  <a:srgbClr val="262626"/>
+                </a:solidFill>
+              </a:rPr>
+              <a:t>birlikte</a:t>
+            </a:r>
+            <a:r>
+              <a:rPr lang="en-US" altLang="tr-TR" sz="1800" dirty="0">
+                <a:solidFill>
+                  <a:srgbClr val="262626"/>
+                </a:solidFill>
+              </a:rPr>
+              <a:t>, </a:t>
+            </a:r>
+            <a:r>
+              <a:rPr lang="en-US" altLang="tr-TR" sz="1800" dirty="0" err="1">
+                <a:solidFill>
+                  <a:srgbClr val="262626"/>
+                </a:solidFill>
+              </a:rPr>
+              <a:t>bu</a:t>
+            </a:r>
+            <a:r>
+              <a:rPr lang="en-US" altLang="tr-TR" sz="1800" dirty="0">
+                <a:solidFill>
+                  <a:srgbClr val="262626"/>
+                </a:solidFill>
+              </a:rPr>
+              <a:t> </a:t>
+            </a:r>
+            <a:r>
+              <a:rPr lang="en-US" altLang="tr-TR" sz="1800" dirty="0" err="1">
+                <a:solidFill>
+                  <a:srgbClr val="262626"/>
+                </a:solidFill>
+              </a:rPr>
+              <a:t>dezavantaj</a:t>
+            </a:r>
+            <a:r>
+              <a:rPr lang="en-US" altLang="tr-TR" sz="1800" dirty="0">
+                <a:solidFill>
+                  <a:srgbClr val="262626"/>
+                </a:solidFill>
+              </a:rPr>
+              <a:t>, iyi </a:t>
+            </a:r>
+            <a:r>
+              <a:rPr lang="en-US" altLang="tr-TR" sz="1800" dirty="0" err="1">
+                <a:solidFill>
+                  <a:srgbClr val="262626"/>
+                </a:solidFill>
+              </a:rPr>
+              <a:t>tasarlanmış</a:t>
+            </a:r>
+            <a:r>
+              <a:rPr lang="en-US" altLang="tr-TR" sz="1800" dirty="0">
+                <a:solidFill>
+                  <a:srgbClr val="262626"/>
+                </a:solidFill>
+              </a:rPr>
+              <a:t> </a:t>
+            </a:r>
+            <a:r>
+              <a:rPr lang="en-US" altLang="tr-TR" sz="1800" dirty="0" err="1">
+                <a:solidFill>
+                  <a:srgbClr val="262626"/>
+                </a:solidFill>
+              </a:rPr>
               <a:t>ve</a:t>
             </a:r>
             <a:r>
@@ -20201,6 +20858,22 @@
                   <a:srgbClr val="262626"/>
                 </a:solidFill>
               </a:rPr>
+              <a:t> optimize </a:t>
+            </a:r>
+            <a:r>
+              <a:rPr lang="en-US" altLang="tr-TR" sz="1800" dirty="0" err="1">
+                <a:solidFill>
+                  <a:srgbClr val="262626"/>
+                </a:solidFill>
+              </a:rPr>
+              <a:t>edilmiş</a:t>
+            </a:r>
+            <a:r>
+              <a:rPr lang="en-US" altLang="tr-TR" sz="1800" dirty="0">
+                <a:solidFill>
+                  <a:srgbClr val="262626"/>
+                </a:solidFill>
+              </a:rPr>
               <a:t> </a:t>
             </a:r>
             <a:r>
@@ -20209,7 +20882,7 @@
                   <a:srgbClr val="262626"/>
                 </a:solidFill>
               </a:rPr>
-              <a:t>işlem</a:t>
+              <a:t>iteratorlar</a:t>
             </a:r>
             <a:r>
               <a:rPr lang="en-US" altLang="tr-TR" sz="1800" dirty="0">
@@ -20225,7 +20898,7 @@
                   <a:srgbClr val="262626"/>
                 </a:solidFill>
               </a:rPr>
-              <a:t>stratejileri</a:t>
+              <a:t>kullanıldığında</a:t>
             </a:r>
             <a:r>
               <a:rPr lang="en-US" altLang="tr-TR" sz="1800" dirty="0">
@@ -20241,7 +20914,7 @@
                   <a:srgbClr val="262626"/>
                 </a:solidFill>
               </a:rPr>
-              <a:t>sunar</a:t>
+              <a:t>en</a:t>
             </a:r>
             <a:r>
               <a:rPr lang="en-US" altLang="tr-TR" sz="1800" dirty="0">
@@ -20249,7 +20922,7 @@
                   <a:srgbClr val="262626"/>
                 </a:solidFill>
               </a:rPr>
-              <a:t>. Bu, </a:t>
+              <a:t> </a:t>
             </a:r>
             <a:r>
               <a:rPr lang="en-US" altLang="tr-TR" sz="1800" dirty="0" err="1">
@@ -20257,7 +20930,7 @@
                   <a:srgbClr val="262626"/>
                 </a:solidFill>
               </a:rPr>
-              <a:t>çeşitli</a:t>
+              <a:t>aza</a:t>
             </a:r>
             <a:r>
               <a:rPr lang="en-US" altLang="tr-TR" sz="1800" dirty="0">
@@ -20273,151 +20946,7 @@
                   <a:srgbClr val="262626"/>
                 </a:solidFill>
               </a:rPr>
-              <a:t>koleksiyonlar</a:t>
-            </a:r>
-            <a:r>
-              <a:rPr lang="en-US" altLang="tr-TR" sz="1800" dirty="0">
-                <a:solidFill>
-                  <a:srgbClr val="262626"/>
-                </a:solidFill>
-              </a:rPr>
-              <a:t> </a:t>
-            </a:r>
-            <a:r>
-              <a:rPr lang="en-US" altLang="tr-TR" sz="1800" dirty="0" err="1">
-                <a:solidFill>
-                  <a:srgbClr val="262626"/>
-                </a:solidFill>
-              </a:rPr>
-              <a:t>arasında</a:t>
-            </a:r>
-            <a:r>
-              <a:rPr lang="en-US" altLang="tr-TR" sz="1800" dirty="0">
-                <a:solidFill>
-                  <a:srgbClr val="262626"/>
-                </a:solidFill>
-              </a:rPr>
-              <a:t> </a:t>
-            </a:r>
-            <a:r>
-              <a:rPr lang="en-US" altLang="tr-TR" sz="1800" dirty="0" err="1">
-                <a:solidFill>
-                  <a:srgbClr val="262626"/>
-                </a:solidFill>
-              </a:rPr>
-              <a:t>kolayca</a:t>
-            </a:r>
-            <a:r>
-              <a:rPr lang="en-US" altLang="tr-TR" sz="1800" dirty="0">
-                <a:solidFill>
-                  <a:srgbClr val="262626"/>
-                </a:solidFill>
-              </a:rPr>
-              <a:t> </a:t>
-            </a:r>
-            <a:r>
-              <a:rPr lang="en-US" altLang="tr-TR" sz="1800" dirty="0" err="1">
-                <a:solidFill>
-                  <a:srgbClr val="262626"/>
-                </a:solidFill>
-              </a:rPr>
-              <a:t>geçiş</a:t>
-            </a:r>
-            <a:r>
-              <a:rPr lang="en-US" altLang="tr-TR" sz="1800" dirty="0">
-                <a:solidFill>
-                  <a:srgbClr val="262626"/>
-                </a:solidFill>
-              </a:rPr>
-              <a:t> </a:t>
-            </a:r>
-            <a:r>
-              <a:rPr lang="en-US" altLang="tr-TR" sz="1800" dirty="0" err="1">
-                <a:solidFill>
-                  <a:srgbClr val="262626"/>
-                </a:solidFill>
-              </a:rPr>
-              <a:t>yapmayı</a:t>
-            </a:r>
-            <a:r>
-              <a:rPr lang="en-US" altLang="tr-TR" sz="1800" dirty="0">
-                <a:solidFill>
-                  <a:srgbClr val="262626"/>
-                </a:solidFill>
-              </a:rPr>
-              <a:t> </a:t>
-            </a:r>
-            <a:r>
-              <a:rPr lang="en-US" altLang="tr-TR" sz="1800" dirty="0" err="1">
-                <a:solidFill>
-                  <a:srgbClr val="262626"/>
-                </a:solidFill>
-              </a:rPr>
-              <a:t>ve</a:t>
-            </a:r>
-            <a:r>
-              <a:rPr lang="en-US" altLang="tr-TR" sz="1800" dirty="0">
-                <a:solidFill>
-                  <a:srgbClr val="262626"/>
-                </a:solidFill>
-              </a:rPr>
-              <a:t> </a:t>
-            </a:r>
-            <a:r>
-              <a:rPr lang="en-US" altLang="tr-TR" sz="1800" dirty="0" err="1">
-                <a:solidFill>
-                  <a:srgbClr val="262626"/>
-                </a:solidFill>
-              </a:rPr>
-              <a:t>uyum</a:t>
-            </a:r>
-            <a:r>
-              <a:rPr lang="en-US" altLang="tr-TR" sz="1800" dirty="0">
-                <a:solidFill>
-                  <a:srgbClr val="262626"/>
-                </a:solidFill>
-              </a:rPr>
-              <a:t> </a:t>
-            </a:r>
-            <a:r>
-              <a:rPr lang="en-US" altLang="tr-TR" sz="1800" dirty="0" err="1">
-                <a:solidFill>
-                  <a:srgbClr val="262626"/>
-                </a:solidFill>
-              </a:rPr>
-              <a:t>sağlamayı</a:t>
-            </a:r>
-            <a:r>
-              <a:rPr lang="en-US" altLang="tr-TR" sz="1800" dirty="0">
-                <a:solidFill>
-                  <a:srgbClr val="262626"/>
-                </a:solidFill>
-              </a:rPr>
-              <a:t> </a:t>
-            </a:r>
-            <a:r>
-              <a:rPr lang="en-US" altLang="tr-TR" sz="1800" dirty="0" err="1">
-                <a:solidFill>
-                  <a:srgbClr val="262626"/>
-                </a:solidFill>
-              </a:rPr>
-              <a:t>mümkün</a:t>
-            </a:r>
-            <a:r>
-              <a:rPr lang="en-US" altLang="tr-TR" sz="1800" dirty="0">
-                <a:solidFill>
-                  <a:srgbClr val="262626"/>
-                </a:solidFill>
-              </a:rPr>
-              <a:t> </a:t>
-            </a:r>
-            <a:r>
-              <a:rPr lang="en-US" altLang="tr-TR" sz="1800" dirty="0" err="1">
-                <a:solidFill>
-                  <a:srgbClr val="262626"/>
-                </a:solidFill>
-              </a:rPr>
-              <a:t>kılar</a:t>
+              <a:t>indirgenebilir</a:t>
             </a:r>
             <a:r>
               <a:rPr lang="en-US" altLang="tr-TR" sz="1800" dirty="0">
@@ -20442,7 +20971,7 @@
                   <a:srgbClr val="262626"/>
                 </a:solidFill>
               </a:rPr>
-              <a:t>Genişletilebilirlik</a:t>
+              <a:t>Öğrenme</a:t>
             </a:r>
             <a:r>
               <a:rPr lang="en-US" altLang="tr-TR" sz="1800" b="1" dirty="0">
@@ -20450,6 +20979,22 @@
                   <a:srgbClr val="262626"/>
                 </a:solidFill>
               </a:rPr>
+              <a:t> </a:t>
+            </a:r>
+            <a:r>
+              <a:rPr lang="en-US" altLang="tr-TR" sz="1800" b="1" dirty="0" err="1">
+                <a:solidFill>
+                  <a:srgbClr val="262626"/>
+                </a:solidFill>
+              </a:rPr>
+              <a:t>eğrisi</a:t>
+            </a:r>
+            <a:r>
+              <a:rPr lang="en-US" altLang="tr-TR" sz="1800" b="1" dirty="0">
+                <a:solidFill>
+                  <a:srgbClr val="262626"/>
+                </a:solidFill>
+              </a:rPr>
               <a:t>: </a:t>
             </a:r>
             <a:r>
@@ -20466,7 +21011,7 @@
                   <a:srgbClr val="262626"/>
                 </a:solidFill>
               </a:rPr>
-              <a:t>deseni</a:t>
+              <a:t>deseninin</a:t>
             </a:r>
             <a:r>
               <a:rPr lang="en-US" altLang="tr-TR" sz="1800" dirty="0">
@@ -20474,7 +21019,7 @@
                   <a:srgbClr val="262626"/>
                 </a:solidFill>
               </a:rPr>
-              <a:t>, yeni </a:t>
+              <a:t> </a:t>
             </a:r>
             <a:r>
               <a:rPr lang="en-US" altLang="tr-TR" sz="1800" dirty="0" err="1">
@@ -20482,7 +21027,7 @@
                   <a:srgbClr val="262626"/>
                 </a:solidFill>
               </a:rPr>
-              <a:t>koleksiyon</a:t>
+              <a:t>kullanılması</a:t>
             </a:r>
             <a:r>
               <a:rPr lang="en-US" altLang="tr-TR" sz="1800" dirty="0">
@@ -20498,7 +21043,7 @@
                   <a:srgbClr val="262626"/>
                 </a:solidFill>
               </a:rPr>
-              <a:t>türlerini</a:t>
+              <a:t>ve</a:t>
             </a:r>
             <a:r>
               <a:rPr lang="en-US" altLang="tr-TR" sz="1800" dirty="0">
@@ -20514,7 +21059,7 @@
                   <a:srgbClr val="262626"/>
                 </a:solidFill>
               </a:rPr>
-              <a:t>veya</a:t>
+              <a:t>uygulanması</a:t>
             </a:r>
             <a:r>
               <a:rPr lang="en-US" altLang="tr-TR" sz="1800" dirty="0">
@@ -20522,6 +21067,38 @@
                   <a:srgbClr val="262626"/>
                 </a:solidFill>
               </a:rPr>
+              <a:t>, </a:t>
+            </a:r>
+            <a:r>
+              <a:rPr lang="en-US" altLang="tr-TR" sz="1800" dirty="0" err="1">
+                <a:solidFill>
+                  <a:srgbClr val="262626"/>
+                </a:solidFill>
+              </a:rPr>
+              <a:t>özellikle</a:t>
+            </a:r>
+            <a:r>
+              <a:rPr lang="en-US" altLang="tr-TR" sz="1800" dirty="0">
+                <a:solidFill>
+                  <a:srgbClr val="262626"/>
+                </a:solidFill>
+              </a:rPr>
+              <a:t> yeni </a:t>
+            </a:r>
+            <a:r>
+              <a:rPr lang="en-US" altLang="tr-TR" sz="1800" dirty="0" err="1">
+                <a:solidFill>
+                  <a:srgbClr val="262626"/>
+                </a:solidFill>
+              </a:rPr>
+              <a:t>başlayanlar</a:t>
+            </a:r>
+            <a:r>
+              <a:rPr lang="en-US" altLang="tr-TR" sz="1800" dirty="0">
+                <a:solidFill>
+                  <a:srgbClr val="262626"/>
+                </a:solidFill>
+              </a:rPr>
               <a:t> </a:t>
             </a:r>
             <a:r>
@@ -20530,7 +21107,7 @@
                   <a:srgbClr val="262626"/>
                 </a:solidFill>
               </a:rPr>
-              <a:t>özel</a:t>
+              <a:t>için</a:t>
             </a:r>
             <a:r>
               <a:rPr lang="en-US" altLang="tr-TR" sz="1800" dirty="0">
@@ -20546,7 +21123,7 @@
                   <a:srgbClr val="262626"/>
                 </a:solidFill>
               </a:rPr>
-              <a:t>işlem</a:t>
+              <a:t>bir</a:t>
             </a:r>
             <a:r>
               <a:rPr lang="en-US" altLang="tr-TR" sz="1800" dirty="0">
@@ -20562,7 +21139,7 @@
                   <a:srgbClr val="262626"/>
                 </a:solidFill>
               </a:rPr>
-              <a:t>stratejilerini</a:t>
+              <a:t>öğrenme</a:t>
             </a:r>
             <a:r>
               <a:rPr lang="en-US" altLang="tr-TR" sz="1800" dirty="0">
@@ -20578,7 +21155,7 @@
                   <a:srgbClr val="262626"/>
                 </a:solidFill>
               </a:rPr>
-              <a:t>eklemeyi</a:t>
+              <a:t>süreci</a:t>
             </a:r>
             <a:r>
               <a:rPr lang="en-US" altLang="tr-TR" sz="1800" dirty="0">
@@ -20594,520 +21171,7 @@
                   <a:srgbClr val="262626"/>
                 </a:solidFill>
               </a:rPr>
-              <a:t>kolaylaştırır</a:t>
-            </a:r>
-            <a:r>
-              <a:rPr lang="en-US" altLang="tr-TR" sz="1800" dirty="0">
-                <a:solidFill>
-                  <a:srgbClr val="262626"/>
-                </a:solidFill>
-              </a:rPr>
-              <a:t>. Bu, </a:t>
-            </a:r>
-            <a:r>
-              <a:rPr lang="en-US" altLang="tr-TR" sz="1800" dirty="0" err="1">
-                <a:solidFill>
-                  <a:srgbClr val="262626"/>
-                </a:solidFill>
-              </a:rPr>
-              <a:t>gelecekteki</a:t>
-            </a:r>
-            <a:r>
-              <a:rPr lang="en-US" altLang="tr-TR" sz="1800" dirty="0">
-                <a:solidFill>
-                  <a:srgbClr val="262626"/>
-                </a:solidFill>
-              </a:rPr>
-              <a:t> </a:t>
-            </a:r>
-            <a:r>
-              <a:rPr lang="en-US" altLang="tr-TR" sz="1800" dirty="0" err="1">
-                <a:solidFill>
-                  <a:srgbClr val="262626"/>
-                </a:solidFill>
-              </a:rPr>
-              <a:t>değişikliklere</a:t>
-            </a:r>
-            <a:r>
-              <a:rPr lang="en-US" altLang="tr-TR" sz="1800" dirty="0">
-                <a:solidFill>
-                  <a:srgbClr val="262626"/>
-                </a:solidFill>
-              </a:rPr>
-              <a:t> </a:t>
-            </a:r>
-            <a:r>
-              <a:rPr lang="en-US" altLang="tr-TR" sz="1800" dirty="0" err="1">
-                <a:solidFill>
-                  <a:srgbClr val="262626"/>
-                </a:solidFill>
-              </a:rPr>
-              <a:t>ve</a:t>
-            </a:r>
-            <a:r>
-              <a:rPr lang="en-US" altLang="tr-TR" sz="1800" dirty="0">
-                <a:solidFill>
-                  <a:srgbClr val="262626"/>
-                </a:solidFill>
-              </a:rPr>
-              <a:t> </a:t>
-            </a:r>
-            <a:r>
-              <a:rPr lang="en-US" altLang="tr-TR" sz="1800" dirty="0" err="1">
-                <a:solidFill>
-                  <a:srgbClr val="262626"/>
-                </a:solidFill>
-              </a:rPr>
-              <a:t>ihtiyaçlara</a:t>
-            </a:r>
-            <a:r>
-              <a:rPr lang="en-US" altLang="tr-TR" sz="1800" dirty="0">
-                <a:solidFill>
-                  <a:srgbClr val="262626"/>
-                </a:solidFill>
-              </a:rPr>
-              <a:t> </a:t>
-            </a:r>
-            <a:r>
-              <a:rPr lang="en-US" altLang="tr-TR" sz="1800" dirty="0" err="1">
-                <a:solidFill>
-                  <a:srgbClr val="262626"/>
-                </a:solidFill>
-              </a:rPr>
-              <a:t>uyum</a:t>
-            </a:r>
-            <a:r>
-              <a:rPr lang="en-US" altLang="tr-TR" sz="1800" dirty="0">
-                <a:solidFill>
-                  <a:srgbClr val="262626"/>
-                </a:solidFill>
-              </a:rPr>
-              <a:t> </a:t>
-            </a:r>
-            <a:r>
-              <a:rPr lang="en-US" altLang="tr-TR" sz="1800" dirty="0" err="1">
-                <a:solidFill>
-                  <a:srgbClr val="262626"/>
-                </a:solidFill>
-              </a:rPr>
-              <a:t>sağlama</a:t>
-            </a:r>
-            <a:r>
-              <a:rPr lang="en-US" altLang="tr-TR" sz="1800" dirty="0">
-                <a:solidFill>
-                  <a:srgbClr val="262626"/>
-                </a:solidFill>
-              </a:rPr>
-              <a:t> </a:t>
-            </a:r>
-            <a:r>
-              <a:rPr lang="en-US" altLang="tr-TR" sz="1800" dirty="0" err="1">
-                <a:solidFill>
-                  <a:srgbClr val="262626"/>
-                </a:solidFill>
-              </a:rPr>
-              <a:t>yeteneğini</a:t>
-            </a:r>
-            <a:r>
-              <a:rPr lang="en-US" altLang="tr-TR" sz="1800" dirty="0">
-                <a:solidFill>
-                  <a:srgbClr val="262626"/>
-                </a:solidFill>
-              </a:rPr>
-              <a:t> </a:t>
-            </a:r>
-            <a:r>
-              <a:rPr lang="en-US" altLang="tr-TR" sz="1800" dirty="0" err="1">
-                <a:solidFill>
-                  <a:srgbClr val="262626"/>
-                </a:solidFill>
-              </a:rPr>
-              <a:t>artırır</a:t>
-            </a:r>
-            <a:r>
-              <a:rPr lang="en-US" altLang="tr-TR" sz="1800" dirty="0">
-                <a:solidFill>
-                  <a:srgbClr val="262626"/>
-                </a:solidFill>
-              </a:rPr>
-              <a:t>.</a:t>
-            </a:r>
-          </a:p>
-          <a:p>
-            <a:endParaRPr lang="en-US" altLang="tr-TR" sz="1800" dirty="0">
-              <a:solidFill>
-                <a:srgbClr val="262626"/>
-              </a:solidFill>
-            </a:endParaRPr>
-          </a:p>
-          <a:p>
-            <a:r>
-              <a:rPr lang="en-US" altLang="tr-TR" sz="1800" b="1" dirty="0">
-                <a:solidFill>
-                  <a:srgbClr val="262626"/>
-                </a:solidFill>
-              </a:rPr>
-              <a:t>Tek tip </a:t>
-            </a:r>
-            <a:r>
-              <a:rPr lang="en-US" altLang="tr-TR" sz="1800" b="1" dirty="0" err="1">
-                <a:solidFill>
-                  <a:srgbClr val="262626"/>
-                </a:solidFill>
-              </a:rPr>
-              <a:t>arayüz</a:t>
-            </a:r>
-            <a:r>
-              <a:rPr lang="en-US" altLang="tr-TR" sz="1800" b="1" dirty="0">
-                <a:solidFill>
-                  <a:srgbClr val="262626"/>
-                </a:solidFill>
-              </a:rPr>
-              <a:t>: </a:t>
-            </a:r>
-            <a:r>
-              <a:rPr lang="en-US" altLang="tr-TR" sz="1800" dirty="0" err="1">
-                <a:solidFill>
-                  <a:srgbClr val="262626"/>
-                </a:solidFill>
-              </a:rPr>
-              <a:t>İteratorlar</a:t>
-            </a:r>
-            <a:r>
-              <a:rPr lang="en-US" altLang="tr-TR" sz="1800" dirty="0">
-                <a:solidFill>
-                  <a:srgbClr val="262626"/>
-                </a:solidFill>
-              </a:rPr>
-              <a:t>, </a:t>
-            </a:r>
-            <a:r>
-              <a:rPr lang="en-US" altLang="tr-TR" sz="1800" dirty="0" err="1">
-                <a:solidFill>
-                  <a:srgbClr val="262626"/>
-                </a:solidFill>
-              </a:rPr>
-              <a:t>koleksiyonlar</a:t>
-            </a:r>
-            <a:r>
-              <a:rPr lang="en-US" altLang="tr-TR" sz="1800" dirty="0">
-                <a:solidFill>
-                  <a:srgbClr val="262626"/>
-                </a:solidFill>
-              </a:rPr>
-              <a:t> </a:t>
-            </a:r>
-            <a:r>
-              <a:rPr lang="en-US" altLang="tr-TR" sz="1800" dirty="0" err="1">
-                <a:solidFill>
-                  <a:srgbClr val="262626"/>
-                </a:solidFill>
-              </a:rPr>
-              <a:t>arasında</a:t>
-            </a:r>
-            <a:r>
-              <a:rPr lang="en-US" altLang="tr-TR" sz="1800" dirty="0">
-                <a:solidFill>
-                  <a:srgbClr val="262626"/>
-                </a:solidFill>
-              </a:rPr>
-              <a:t> </a:t>
-            </a:r>
-            <a:r>
-              <a:rPr lang="en-US" altLang="tr-TR" sz="1800" dirty="0" err="1">
-                <a:solidFill>
-                  <a:srgbClr val="262626"/>
-                </a:solidFill>
-              </a:rPr>
-              <a:t>tutarlı</a:t>
-            </a:r>
-            <a:r>
-              <a:rPr lang="en-US" altLang="tr-TR" sz="1800" dirty="0">
-                <a:solidFill>
-                  <a:srgbClr val="262626"/>
-                </a:solidFill>
-              </a:rPr>
-              <a:t> </a:t>
-            </a:r>
-            <a:r>
-              <a:rPr lang="en-US" altLang="tr-TR" sz="1800" dirty="0" err="1">
-                <a:solidFill>
-                  <a:srgbClr val="262626"/>
-                </a:solidFill>
-              </a:rPr>
-              <a:t>bir</a:t>
-            </a:r>
-            <a:r>
-              <a:rPr lang="en-US" altLang="tr-TR" sz="1800" dirty="0">
-                <a:solidFill>
-                  <a:srgbClr val="262626"/>
-                </a:solidFill>
-              </a:rPr>
-              <a:t> </a:t>
-            </a:r>
-            <a:r>
-              <a:rPr lang="en-US" altLang="tr-TR" sz="1800" dirty="0" err="1">
-                <a:solidFill>
-                  <a:srgbClr val="262626"/>
-                </a:solidFill>
-              </a:rPr>
-              <a:t>arayüz</a:t>
-            </a:r>
-            <a:r>
-              <a:rPr lang="en-US" altLang="tr-TR" sz="1800" dirty="0">
-                <a:solidFill>
-                  <a:srgbClr val="262626"/>
-                </a:solidFill>
-              </a:rPr>
-              <a:t> </a:t>
-            </a:r>
-            <a:r>
-              <a:rPr lang="en-US" altLang="tr-TR" sz="1800" dirty="0" err="1">
-                <a:solidFill>
-                  <a:srgbClr val="262626"/>
-                </a:solidFill>
-              </a:rPr>
-              <a:t>sağlar</a:t>
-            </a:r>
-            <a:r>
-              <a:rPr lang="en-US" altLang="tr-TR" sz="1800" dirty="0">
-                <a:solidFill>
-                  <a:srgbClr val="262626"/>
-                </a:solidFill>
-              </a:rPr>
-              <a:t>. Bu, </a:t>
-            </a:r>
-            <a:r>
-              <a:rPr lang="en-US" altLang="tr-TR" sz="1800" dirty="0" err="1">
-                <a:solidFill>
-                  <a:srgbClr val="262626"/>
-                </a:solidFill>
-              </a:rPr>
-              <a:t>kodun</a:t>
-            </a:r>
-            <a:r>
-              <a:rPr lang="en-US" altLang="tr-TR" sz="1800" dirty="0">
-                <a:solidFill>
-                  <a:srgbClr val="262626"/>
-                </a:solidFill>
-              </a:rPr>
-              <a:t> </a:t>
-            </a:r>
-            <a:r>
-              <a:rPr lang="en-US" altLang="tr-TR" sz="1800" dirty="0" err="1">
-                <a:solidFill>
-                  <a:srgbClr val="262626"/>
-                </a:solidFill>
-              </a:rPr>
-              <a:t>daha</a:t>
-            </a:r>
-            <a:r>
-              <a:rPr lang="en-US" altLang="tr-TR" sz="1800" dirty="0">
-                <a:solidFill>
-                  <a:srgbClr val="262626"/>
-                </a:solidFill>
-              </a:rPr>
-              <a:t> </a:t>
-            </a:r>
-            <a:r>
-              <a:rPr lang="en-US" altLang="tr-TR" sz="1800" dirty="0" err="1">
-                <a:solidFill>
-                  <a:srgbClr val="262626"/>
-                </a:solidFill>
-              </a:rPr>
-              <a:t>anlaşılır</a:t>
-            </a:r>
-            <a:r>
-              <a:rPr lang="en-US" altLang="tr-TR" sz="1800" dirty="0">
-                <a:solidFill>
-                  <a:srgbClr val="262626"/>
-                </a:solidFill>
-              </a:rPr>
-              <a:t> </a:t>
-            </a:r>
-            <a:r>
-              <a:rPr lang="en-US" altLang="tr-TR" sz="1800" dirty="0" err="1">
-                <a:solidFill>
-                  <a:srgbClr val="262626"/>
-                </a:solidFill>
-              </a:rPr>
-              <a:t>ve</a:t>
-            </a:r>
-            <a:r>
-              <a:rPr lang="en-US" altLang="tr-TR" sz="1800" dirty="0">
-                <a:solidFill>
-                  <a:srgbClr val="262626"/>
-                </a:solidFill>
-              </a:rPr>
-              <a:t> </a:t>
-            </a:r>
-            <a:r>
-              <a:rPr lang="en-US" altLang="tr-TR" sz="1800" dirty="0" err="1">
-                <a:solidFill>
-                  <a:srgbClr val="262626"/>
-                </a:solidFill>
-              </a:rPr>
-              <a:t>tutarlı</a:t>
-            </a:r>
-            <a:r>
-              <a:rPr lang="en-US" altLang="tr-TR" sz="1800" dirty="0">
-                <a:solidFill>
-                  <a:srgbClr val="262626"/>
-                </a:solidFill>
-              </a:rPr>
-              <a:t> </a:t>
-            </a:r>
-            <a:r>
-              <a:rPr lang="en-US" altLang="tr-TR" sz="1800" dirty="0" err="1">
-                <a:solidFill>
-                  <a:srgbClr val="262626"/>
-                </a:solidFill>
-              </a:rPr>
-              <a:t>olmasına</a:t>
-            </a:r>
-            <a:r>
-              <a:rPr lang="en-US" altLang="tr-TR" sz="1800" dirty="0">
-                <a:solidFill>
-                  <a:srgbClr val="262626"/>
-                </a:solidFill>
-              </a:rPr>
-              <a:t> </a:t>
-            </a:r>
-            <a:r>
-              <a:rPr lang="en-US" altLang="tr-TR" sz="1800" dirty="0" err="1">
-                <a:solidFill>
-                  <a:srgbClr val="262626"/>
-                </a:solidFill>
-              </a:rPr>
-              <a:t>yardımcı</a:t>
-            </a:r>
-            <a:r>
-              <a:rPr lang="en-US" altLang="tr-TR" sz="1800" dirty="0">
-                <a:solidFill>
-                  <a:srgbClr val="262626"/>
-                </a:solidFill>
-              </a:rPr>
-              <a:t> </a:t>
-            </a:r>
-            <a:r>
-              <a:rPr lang="en-US" altLang="tr-TR" sz="1800" dirty="0" err="1">
-                <a:solidFill>
-                  <a:srgbClr val="262626"/>
-                </a:solidFill>
-              </a:rPr>
-              <a:t>olur</a:t>
-            </a:r>
-            <a:r>
-              <a:rPr lang="en-US" altLang="tr-TR" sz="1800" dirty="0">
-                <a:solidFill>
-                  <a:srgbClr val="262626"/>
-                </a:solidFill>
-              </a:rPr>
-              <a:t> </a:t>
-            </a:r>
-            <a:r>
-              <a:rPr lang="en-US" altLang="tr-TR" sz="1800" dirty="0" err="1">
-                <a:solidFill>
-                  <a:srgbClr val="262626"/>
-                </a:solidFill>
-              </a:rPr>
-              <a:t>ve</a:t>
-            </a:r>
-            <a:r>
-              <a:rPr lang="en-US" altLang="tr-TR" sz="1800" dirty="0">
-                <a:solidFill>
-                  <a:srgbClr val="262626"/>
-                </a:solidFill>
-              </a:rPr>
-              <a:t> </a:t>
-            </a:r>
-            <a:r>
-              <a:rPr lang="en-US" altLang="tr-TR" sz="1800" dirty="0" err="1">
-                <a:solidFill>
-                  <a:srgbClr val="262626"/>
-                </a:solidFill>
-              </a:rPr>
-              <a:t>farklı</a:t>
-            </a:r>
-            <a:r>
-              <a:rPr lang="en-US" altLang="tr-TR" sz="1800" dirty="0">
-                <a:solidFill>
-                  <a:srgbClr val="262626"/>
-                </a:solidFill>
-              </a:rPr>
-              <a:t> </a:t>
-            </a:r>
-            <a:r>
-              <a:rPr lang="en-US" altLang="tr-TR" sz="1800" dirty="0" err="1">
-                <a:solidFill>
-                  <a:srgbClr val="262626"/>
-                </a:solidFill>
-              </a:rPr>
-              <a:t>koleksiyon</a:t>
-            </a:r>
-            <a:r>
-              <a:rPr lang="en-US" altLang="tr-TR" sz="1800" dirty="0">
-                <a:solidFill>
-                  <a:srgbClr val="262626"/>
-                </a:solidFill>
-              </a:rPr>
-              <a:t> </a:t>
-            </a:r>
-            <a:r>
-              <a:rPr lang="en-US" altLang="tr-TR" sz="1800" dirty="0" err="1">
-                <a:solidFill>
-                  <a:srgbClr val="262626"/>
-                </a:solidFill>
-              </a:rPr>
-              <a:t>türleriyle</a:t>
-            </a:r>
-            <a:r>
-              <a:rPr lang="en-US" altLang="tr-TR" sz="1800" dirty="0">
-                <a:solidFill>
-                  <a:srgbClr val="262626"/>
-                </a:solidFill>
-              </a:rPr>
-              <a:t> </a:t>
-            </a:r>
-            <a:r>
-              <a:rPr lang="en-US" altLang="tr-TR" sz="1800" dirty="0" err="1">
-                <a:solidFill>
-                  <a:srgbClr val="262626"/>
-                </a:solidFill>
-              </a:rPr>
-              <a:t>çalışırken</a:t>
-            </a:r>
-            <a:r>
-              <a:rPr lang="en-US" altLang="tr-TR" sz="1800" dirty="0">
-                <a:solidFill>
-                  <a:srgbClr val="262626"/>
-                </a:solidFill>
-              </a:rPr>
-              <a:t> </a:t>
-            </a:r>
-            <a:r>
-              <a:rPr lang="en-US" altLang="tr-TR" sz="1800" dirty="0" err="1">
-                <a:solidFill>
-                  <a:srgbClr val="262626"/>
-                </a:solidFill>
-              </a:rPr>
-              <a:t>işleri</a:t>
-            </a:r>
-            <a:r>
-              <a:rPr lang="en-US" altLang="tr-TR" sz="1800" dirty="0">
-                <a:solidFill>
-                  <a:srgbClr val="262626"/>
-                </a:solidFill>
-              </a:rPr>
-              <a:t> </a:t>
-            </a:r>
-            <a:r>
-              <a:rPr lang="en-US" altLang="tr-TR" sz="1800" dirty="0" err="1">
-                <a:solidFill>
-                  <a:srgbClr val="262626"/>
-                </a:solidFill>
-              </a:rPr>
-              <a:t>kolaylaştırır</a:t>
+              <a:t>gerektirebilir</a:t>
             </a:r>
             <a:r>
               <a:rPr lang="en-US" altLang="tr-TR" sz="1800" dirty="0">
@@ -21197,7 +21261,7 @@
     </p:spTree>
     <p:extLst>
       <p:ext uri="{BB962C8B-B14F-4D97-AF65-F5344CB8AC3E}">
-        <p14:creationId xmlns:p14="http://schemas.microsoft.com/office/powerpoint/2010/main" val="3105262882"/>
+        <p14:creationId xmlns:p14="http://schemas.microsoft.com/office/powerpoint/2010/main" val="4096429246"/>
       </p:ext>
     </p:extLst>
   </p:cSld>
